--- a/classes/cv2021/cv2.pptx
+++ b/classes/cv2021/cv2.pptx
@@ -5,7 +5,7 @@
     <p:sldMasterId id="2147483648" r:id="rId1"/>
   </p:sldMasterIdLst>
   <p:notesMasterIdLst>
-    <p:notesMasterId r:id="rId32"/>
+    <p:notesMasterId r:id="rId31"/>
   </p:notesMasterIdLst>
   <p:sldIdLst>
     <p:sldId id="328" r:id="rId2"/>
@@ -20,24 +20,23 @@
     <p:sldId id="288" r:id="rId11"/>
     <p:sldId id="329" r:id="rId12"/>
     <p:sldId id="290" r:id="rId13"/>
-    <p:sldId id="330" r:id="rId14"/>
-    <p:sldId id="292" r:id="rId15"/>
-    <p:sldId id="291" r:id="rId16"/>
-    <p:sldId id="299" r:id="rId17"/>
-    <p:sldId id="297" r:id="rId18"/>
-    <p:sldId id="300" r:id="rId19"/>
-    <p:sldId id="302" r:id="rId20"/>
-    <p:sldId id="303" r:id="rId21"/>
-    <p:sldId id="306" r:id="rId22"/>
-    <p:sldId id="307" r:id="rId23"/>
-    <p:sldId id="331" r:id="rId24"/>
-    <p:sldId id="333" r:id="rId25"/>
-    <p:sldId id="308" r:id="rId26"/>
-    <p:sldId id="309" r:id="rId27"/>
-    <p:sldId id="332" r:id="rId28"/>
-    <p:sldId id="321" r:id="rId29"/>
-    <p:sldId id="323" r:id="rId30"/>
-    <p:sldId id="324" r:id="rId31"/>
+    <p:sldId id="292" r:id="rId14"/>
+    <p:sldId id="291" r:id="rId15"/>
+    <p:sldId id="299" r:id="rId16"/>
+    <p:sldId id="297" r:id="rId17"/>
+    <p:sldId id="300" r:id="rId18"/>
+    <p:sldId id="302" r:id="rId19"/>
+    <p:sldId id="303" r:id="rId20"/>
+    <p:sldId id="306" r:id="rId21"/>
+    <p:sldId id="307" r:id="rId22"/>
+    <p:sldId id="331" r:id="rId23"/>
+    <p:sldId id="333" r:id="rId24"/>
+    <p:sldId id="308" r:id="rId25"/>
+    <p:sldId id="309" r:id="rId26"/>
+    <p:sldId id="332" r:id="rId27"/>
+    <p:sldId id="321" r:id="rId28"/>
+    <p:sldId id="323" r:id="rId29"/>
+    <p:sldId id="324" r:id="rId30"/>
   </p:sldIdLst>
   <p:sldSz cx="12192000" cy="6858000"/>
   <p:notesSz cx="7099300" cy="10234613"/>
@@ -226,7 +225,7 @@
           <a:p>
             <a:fld id="{B5D18E4F-8904-49F0-A966-ED8BC304F0DA}" type="datetimeFigureOut">
               <a:rPr kumimoji="1" lang="ja-JP" altLang="en-US" smtClean="0"/>
-              <a:t>2021/4/2</a:t>
+              <a:t>2021/4/5</a:t>
             </a:fld>
             <a:endParaRPr kumimoji="1" lang="ja-JP" altLang="en-US"/>
           </a:p>
@@ -787,7 +786,7 @@
           <a:p>
             <a:fld id="{315B3230-1262-4AAB-8ECE-8CE048B285BF}" type="slidenum">
               <a:rPr kumimoji="1" lang="ja-JP" altLang="en-US" smtClean="0"/>
-              <a:t>14</a:t>
+              <a:t>13</a:t>
             </a:fld>
             <a:endParaRPr kumimoji="1" lang="ja-JP" altLang="en-US"/>
           </a:p>
@@ -871,7 +870,7 @@
           <a:p>
             <a:fld id="{315B3230-1262-4AAB-8ECE-8CE048B285BF}" type="slidenum">
               <a:rPr kumimoji="1" lang="ja-JP" altLang="en-US" smtClean="0"/>
-              <a:t>17</a:t>
+              <a:t>16</a:t>
             </a:fld>
             <a:endParaRPr kumimoji="1" lang="ja-JP" altLang="en-US"/>
           </a:p>
@@ -1169,7 +1168,7 @@
           <a:p>
             <a:fld id="{315B3230-1262-4AAB-8ECE-8CE048B285BF}" type="slidenum">
               <a:rPr kumimoji="1" lang="ja-JP" altLang="en-US" smtClean="0"/>
-              <a:t>20</a:t>
+              <a:t>19</a:t>
             </a:fld>
             <a:endParaRPr kumimoji="1" lang="ja-JP" altLang="en-US"/>
           </a:p>
@@ -1303,7 +1302,7 @@
           <a:p>
             <a:fld id="{315B3230-1262-4AAB-8ECE-8CE048B285BF}" type="slidenum">
               <a:rPr kumimoji="1" lang="ja-JP" altLang="en-US" smtClean="0"/>
-              <a:t>24</a:t>
+              <a:t>23</a:t>
             </a:fld>
             <a:endParaRPr kumimoji="1" lang="ja-JP" altLang="en-US"/>
           </a:p>
@@ -1437,7 +1436,7 @@
           <a:p>
             <a:fld id="{315B3230-1262-4AAB-8ECE-8CE048B285BF}" type="slidenum">
               <a:rPr kumimoji="1" lang="ja-JP" altLang="en-US" smtClean="0"/>
-              <a:t>25</a:t>
+              <a:t>24</a:t>
             </a:fld>
             <a:endParaRPr kumimoji="1" lang="ja-JP" altLang="en-US"/>
           </a:p>
@@ -1656,7 +1655,7 @@
           <a:p>
             <a:fld id="{315B3230-1262-4AAB-8ECE-8CE048B285BF}" type="slidenum">
               <a:rPr kumimoji="1" lang="ja-JP" altLang="en-US" smtClean="0"/>
-              <a:t>26</a:t>
+              <a:t>25</a:t>
             </a:fld>
             <a:endParaRPr kumimoji="1" lang="ja-JP" altLang="en-US"/>
           </a:p>
@@ -1771,7 +1770,7 @@
           <a:p>
             <a:fld id="{315B3230-1262-4AAB-8ECE-8CE048B285BF}" type="slidenum">
               <a:rPr kumimoji="1" lang="ja-JP" altLang="en-US" smtClean="0"/>
-              <a:t>29</a:t>
+              <a:t>28</a:t>
             </a:fld>
             <a:endParaRPr kumimoji="1" lang="ja-JP" altLang="en-US"/>
           </a:p>
@@ -1855,7 +1854,7 @@
           <a:p>
             <a:fld id="{315B3230-1262-4AAB-8ECE-8CE048B285BF}" type="slidenum">
               <a:rPr kumimoji="1" lang="ja-JP" altLang="en-US" smtClean="0"/>
-              <a:t>30</a:t>
+              <a:t>29</a:t>
             </a:fld>
             <a:endParaRPr kumimoji="1" lang="ja-JP" altLang="en-US"/>
           </a:p>
@@ -2011,7 +2010,7 @@
           <a:p>
             <a:fld id="{B10875E1-285E-4E62-A15A-65F7A0855A09}" type="datetimeFigureOut">
               <a:rPr kumimoji="1" lang="ja-JP" altLang="en-US" smtClean="0"/>
-              <a:t>2021/4/2</a:t>
+              <a:t>2021/4/5</a:t>
             </a:fld>
             <a:endParaRPr kumimoji="1" lang="ja-JP" altLang="en-US"/>
           </a:p>
@@ -2235,7 +2234,7 @@
           <a:p>
             <a:fld id="{B10875E1-285E-4E62-A15A-65F7A0855A09}" type="datetimeFigureOut">
               <a:rPr kumimoji="1" lang="ja-JP" altLang="en-US" smtClean="0"/>
-              <a:t>2021/4/2</a:t>
+              <a:t>2021/4/5</a:t>
             </a:fld>
             <a:endParaRPr kumimoji="1" lang="ja-JP" altLang="en-US"/>
           </a:p>
@@ -2469,7 +2468,7 @@
           <a:p>
             <a:fld id="{B10875E1-285E-4E62-A15A-65F7A0855A09}" type="datetimeFigureOut">
               <a:rPr kumimoji="1" lang="ja-JP" altLang="en-US" smtClean="0"/>
-              <a:t>2021/4/2</a:t>
+              <a:t>2021/4/5</a:t>
             </a:fld>
             <a:endParaRPr kumimoji="1" lang="ja-JP" altLang="en-US"/>
           </a:p>
@@ -2693,7 +2692,7 @@
           <a:p>
             <a:fld id="{B10875E1-285E-4E62-A15A-65F7A0855A09}" type="datetimeFigureOut">
               <a:rPr kumimoji="1" lang="ja-JP" altLang="en-US" smtClean="0"/>
-              <a:t>2021/4/2</a:t>
+              <a:t>2021/4/5</a:t>
             </a:fld>
             <a:endParaRPr kumimoji="1" lang="ja-JP" altLang="en-US"/>
           </a:p>
@@ -2962,7 +2961,7 @@
           <a:p>
             <a:fld id="{B10875E1-285E-4E62-A15A-65F7A0855A09}" type="datetimeFigureOut">
               <a:rPr kumimoji="1" lang="ja-JP" altLang="en-US" smtClean="0"/>
-              <a:t>2021/4/2</a:t>
+              <a:t>2021/4/5</a:t>
             </a:fld>
             <a:endParaRPr kumimoji="1" lang="ja-JP" altLang="en-US"/>
           </a:p>
@@ -3368,7 +3367,7 @@
             <a:fld id="{B10875E1-285E-4E62-A15A-65F7A0855A09}" type="datetimeFigureOut">
               <a:rPr lang="ja-JP" altLang="en-US" smtClean="0"/>
               <a:pPr/>
-              <a:t>2021/4/2</a:t>
+              <a:t>2021/4/5</a:t>
             </a:fld>
             <a:endParaRPr lang="ja-JP" altLang="en-US"/>
           </a:p>
@@ -3934,7 +3933,7 @@
             <a:fld id="{B10875E1-285E-4E62-A15A-65F7A0855A09}" type="datetimeFigureOut">
               <a:rPr lang="ja-JP" altLang="en-US" smtClean="0"/>
               <a:pPr/>
-              <a:t>2021/4/2</a:t>
+              <a:t>2021/4/5</a:t>
             </a:fld>
             <a:endParaRPr lang="ja-JP" altLang="en-US"/>
           </a:p>
@@ -4092,7 +4091,7 @@
           <a:p>
             <a:fld id="{B10875E1-285E-4E62-A15A-65F7A0855A09}" type="datetimeFigureOut">
               <a:rPr kumimoji="1" lang="ja-JP" altLang="en-US" smtClean="0"/>
-              <a:t>2021/4/2</a:t>
+              <a:t>2021/4/5</a:t>
             </a:fld>
             <a:endParaRPr kumimoji="1" lang="ja-JP" altLang="en-US"/>
           </a:p>
@@ -4211,7 +4210,7 @@
           <a:p>
             <a:fld id="{B10875E1-285E-4E62-A15A-65F7A0855A09}" type="datetimeFigureOut">
               <a:rPr kumimoji="1" lang="ja-JP" altLang="en-US" smtClean="0"/>
-              <a:t>2021/4/2</a:t>
+              <a:t>2021/4/5</a:t>
             </a:fld>
             <a:endParaRPr kumimoji="1" lang="ja-JP" altLang="en-US"/>
           </a:p>
@@ -4542,7 +4541,7 @@
           <a:p>
             <a:fld id="{B10875E1-285E-4E62-A15A-65F7A0855A09}" type="datetimeFigureOut">
               <a:rPr kumimoji="1" lang="ja-JP" altLang="en-US" smtClean="0"/>
-              <a:t>2021/4/2</a:t>
+              <a:t>2021/4/5</a:t>
             </a:fld>
             <a:endParaRPr kumimoji="1" lang="ja-JP" altLang="en-US"/>
           </a:p>
@@ -4818,7 +4817,7 @@
           <a:p>
             <a:fld id="{B10875E1-285E-4E62-A15A-65F7A0855A09}" type="datetimeFigureOut">
               <a:rPr kumimoji="1" lang="ja-JP" altLang="en-US" smtClean="0"/>
-              <a:t>2021/4/2</a:t>
+              <a:t>2021/4/5</a:t>
             </a:fld>
             <a:endParaRPr kumimoji="1" lang="ja-JP" altLang="en-US"/>
           </a:p>
@@ -8306,86 +8305,6 @@
       </p:grpSpPr>
       <p:sp>
         <p:nvSpPr>
-          <p:cNvPr id="2" name="タイトル 1">
-            <a:extLst>
-              <a:ext uri="{FF2B5EF4-FFF2-40B4-BE49-F238E27FC236}">
-                <a16:creationId xmlns:a16="http://schemas.microsoft.com/office/drawing/2014/main" id="{A6C4DC62-DB14-4031-B1AB-E42AEA45693C}"/>
-              </a:ext>
-            </a:extLst>
-          </p:cNvPr>
-          <p:cNvSpPr>
-            <a:spLocks noGrp="1"/>
-          </p:cNvSpPr>
-          <p:nvPr>
-            <p:ph type="title"/>
-          </p:nvPr>
-        </p:nvSpPr>
-        <p:spPr/>
-        <p:txBody>
-          <a:bodyPr/>
-          <a:lstStyle/>
-          <a:p>
-            <a:endParaRPr kumimoji="1" lang="ja-JP" altLang="en-US"/>
-          </a:p>
-        </p:txBody>
-      </p:sp>
-      <p:sp>
-        <p:nvSpPr>
-          <p:cNvPr id="3" name="コンテンツ プレースホルダー 2">
-            <a:extLst>
-              <a:ext uri="{FF2B5EF4-FFF2-40B4-BE49-F238E27FC236}">
-                <a16:creationId xmlns:a16="http://schemas.microsoft.com/office/drawing/2014/main" id="{442D930A-994C-425B-A2E3-A4D9509883A8}"/>
-              </a:ext>
-            </a:extLst>
-          </p:cNvPr>
-          <p:cNvSpPr>
-            <a:spLocks noGrp="1"/>
-          </p:cNvSpPr>
-          <p:nvPr>
-            <p:ph idx="1"/>
-          </p:nvPr>
-        </p:nvSpPr>
-        <p:spPr/>
-        <p:txBody>
-          <a:bodyPr/>
-          <a:lstStyle/>
-          <a:p>
-            <a:endParaRPr kumimoji="1" lang="ja-JP" altLang="en-US"/>
-          </a:p>
-        </p:txBody>
-      </p:sp>
-    </p:spTree>
-    <p:extLst>
-      <p:ext uri="{BB962C8B-B14F-4D97-AF65-F5344CB8AC3E}">
-        <p14:creationId xmlns:p14="http://schemas.microsoft.com/office/powerpoint/2010/main" val="2106446695"/>
-      </p:ext>
-    </p:extLst>
-  </p:cSld>
-  <p:clrMapOvr>
-    <a:masterClrMapping/>
-  </p:clrMapOvr>
-</p:sld>
-</file>
-
-<file path=ppt/slides/slide14.xml><?xml version="1.0" encoding="utf-8"?>
-<p:sld xmlns:a="http://schemas.openxmlformats.org/drawingml/2006/main" xmlns:r="http://schemas.openxmlformats.org/officeDocument/2006/relationships" xmlns:p="http://schemas.openxmlformats.org/presentationml/2006/main">
-  <p:cSld>
-    <p:spTree>
-      <p:nvGrpSpPr>
-        <p:cNvPr id="1" name=""/>
-        <p:cNvGrpSpPr/>
-        <p:nvPr/>
-      </p:nvGrpSpPr>
-      <p:grpSpPr>
-        <a:xfrm>
-          <a:off x="0" y="0"/>
-          <a:ext cx="0" cy="0"/>
-          <a:chOff x="0" y="0"/>
-          <a:chExt cx="0" cy="0"/>
-        </a:xfrm>
-      </p:grpSpPr>
-      <p:sp>
-        <p:nvSpPr>
           <p:cNvPr id="91" name="正方形/長方形 90"/>
           <p:cNvSpPr/>
           <p:nvPr/>
@@ -11369,7 +11288,7 @@
 </p:sld>
 </file>
 
-<file path=ppt/slides/slide15.xml><?xml version="1.0" encoding="utf-8"?>
+<file path=ppt/slides/slide14.xml><?xml version="1.0" encoding="utf-8"?>
 <p:sld xmlns:a="http://schemas.openxmlformats.org/drawingml/2006/main" xmlns:r="http://schemas.openxmlformats.org/officeDocument/2006/relationships" xmlns:p="http://schemas.openxmlformats.org/presentationml/2006/main">
   <p:cSld>
     <p:spTree>
@@ -11926,8 +11845,8 @@
         </p:nvSpPr>
         <p:spPr>
           <a:xfrm>
-            <a:off x="8712004" y="6488668"/>
-            <a:ext cx="1569660" cy="369332"/>
+            <a:off x="10973087" y="-28024"/>
+            <a:ext cx="1107996" cy="369332"/>
           </a:xfrm>
           <a:prstGeom prst="rect">
             <a:avLst/>
@@ -11940,41 +11859,524 @@
           <a:lstStyle/>
           <a:p>
             <a:r>
-              <a:rPr lang="ja-JP" altLang="en-US" dirty="0"/>
-              <a:t>教科書 図</a:t>
-            </a:r>
-            <a:r>
-              <a:rPr lang="en-US" altLang="ja-JP" dirty="0"/>
-              <a:t>11.5</a:t>
-            </a:r>
-            <a:endParaRPr lang="ja-JP" altLang="en-US" dirty="0"/>
+              <a:rPr lang="ja-JP" altLang="en-US" b="1" dirty="0">
+                <a:solidFill>
+                  <a:srgbClr val="FF0000"/>
+                </a:solidFill>
+              </a:rPr>
+              <a:t>参考資料</a:t>
+            </a:r>
+            <a:endParaRPr lang="ja-JP" altLang="en-US" b="1" dirty="0">
+              <a:solidFill>
+                <a:srgbClr val="FF0000"/>
+              </a:solidFill>
+            </a:endParaRPr>
           </a:p>
         </p:txBody>
       </p:sp>
       <p:pic>
         <p:nvPicPr>
-          <p:cNvPr id="15" name="図 14"/>
+          <p:cNvPr id="12" name="図 11"/>
           <p:cNvPicPr>
             <a:picLocks noChangeAspect="1"/>
           </p:cNvPicPr>
           <p:nvPr/>
         </p:nvPicPr>
-        <p:blipFill>
+        <p:blipFill rotWithShape="1">
           <a:blip r:embed="rId4"/>
-          <a:stretch>
-            <a:fillRect/>
-          </a:stretch>
+          <a:srcRect l="3058" t="31104" r="70752" b="23045"/>
+          <a:stretch/>
         </p:blipFill>
         <p:spPr>
-          <a:xfrm rot="10860000">
-            <a:off x="7822087" y="3247243"/>
-            <a:ext cx="3845521" cy="3367392"/>
+          <a:xfrm>
+            <a:off x="9860928" y="4211279"/>
+            <a:ext cx="1992936" cy="1839477"/>
           </a:xfrm>
           <a:prstGeom prst="rect">
             <a:avLst/>
           </a:prstGeom>
         </p:spPr>
       </p:pic>
+      <p:pic>
+        <p:nvPicPr>
+          <p:cNvPr id="16" name="図 15"/>
+          <p:cNvPicPr>
+            <a:picLocks noChangeAspect="1"/>
+          </p:cNvPicPr>
+          <p:nvPr/>
+        </p:nvPicPr>
+        <p:blipFill rotWithShape="1">
+          <a:blip r:embed="rId4"/>
+          <a:srcRect l="17855" t="31104" r="68968" b="45601"/>
+          <a:stretch/>
+        </p:blipFill>
+        <p:spPr>
+          <a:xfrm>
+            <a:off x="8418650" y="4211279"/>
+            <a:ext cx="1002714" cy="934602"/>
+          </a:xfrm>
+          <a:prstGeom prst="rect">
+            <a:avLst/>
+          </a:prstGeom>
+        </p:spPr>
+      </p:pic>
+      <p:pic>
+        <p:nvPicPr>
+          <p:cNvPr id="17" name="図 16"/>
+          <p:cNvPicPr>
+            <a:picLocks noChangeAspect="1"/>
+          </p:cNvPicPr>
+          <p:nvPr/>
+        </p:nvPicPr>
+        <p:blipFill rotWithShape="1">
+          <a:blip r:embed="rId4"/>
+          <a:srcRect l="24284" t="31104" r="68968" b="57087"/>
+          <a:stretch/>
+        </p:blipFill>
+        <p:spPr>
+          <a:xfrm>
+            <a:off x="7465561" y="4211279"/>
+            <a:ext cx="513526" cy="473750"/>
+          </a:xfrm>
+          <a:prstGeom prst="rect">
+            <a:avLst/>
+          </a:prstGeom>
+        </p:spPr>
+      </p:pic>
+      <p:sp>
+        <p:nvSpPr>
+          <p:cNvPr id="18" name="正方形/長方形 17"/>
+          <p:cNvSpPr/>
+          <p:nvPr/>
+        </p:nvSpPr>
+        <p:spPr>
+          <a:xfrm>
+            <a:off x="8665770" y="5109924"/>
+            <a:ext cx="508473" cy="369332"/>
+          </a:xfrm>
+          <a:prstGeom prst="rect">
+            <a:avLst/>
+          </a:prstGeom>
+        </p:spPr>
+        <p:txBody>
+          <a:bodyPr wrap="none">
+            <a:spAutoFit/>
+          </a:bodyPr>
+          <a:lstStyle/>
+          <a:p>
+            <a:r>
+              <a:rPr lang="en-US" altLang="ja-JP" dirty="0" smtClean="0"/>
+              <a:t>1/2</a:t>
+            </a:r>
+            <a:endParaRPr lang="ja-JP" altLang="en-US" dirty="0"/>
+          </a:p>
+        </p:txBody>
+      </p:sp>
+      <p:sp>
+        <p:nvSpPr>
+          <p:cNvPr id="19" name="正方形/長方形 18"/>
+          <p:cNvSpPr/>
+          <p:nvPr/>
+        </p:nvSpPr>
+        <p:spPr>
+          <a:xfrm>
+            <a:off x="7477729" y="4639033"/>
+            <a:ext cx="508473" cy="369332"/>
+          </a:xfrm>
+          <a:prstGeom prst="rect">
+            <a:avLst/>
+          </a:prstGeom>
+        </p:spPr>
+        <p:txBody>
+          <a:bodyPr wrap="none">
+            <a:spAutoFit/>
+          </a:bodyPr>
+          <a:lstStyle/>
+          <a:p>
+            <a:r>
+              <a:rPr lang="en-US" altLang="ja-JP" dirty="0" smtClean="0"/>
+              <a:t>1/4</a:t>
+            </a:r>
+            <a:endParaRPr lang="ja-JP" altLang="en-US" dirty="0"/>
+          </a:p>
+        </p:txBody>
+      </p:sp>
+      <p:sp>
+        <p:nvSpPr>
+          <p:cNvPr id="20" name="正方形/長方形 19"/>
+          <p:cNvSpPr/>
+          <p:nvPr/>
+        </p:nvSpPr>
+        <p:spPr>
+          <a:xfrm>
+            <a:off x="7713101" y="4342605"/>
+            <a:ext cx="123594" cy="107157"/>
+          </a:xfrm>
+          <a:prstGeom prst="rect">
+            <a:avLst/>
+          </a:prstGeom>
+          <a:ln>
+            <a:solidFill>
+              <a:schemeClr val="accent6">
+                <a:lumMod val="60000"/>
+                <a:lumOff val="40000"/>
+              </a:schemeClr>
+            </a:solidFill>
+          </a:ln>
+        </p:spPr>
+        <p:style>
+          <a:lnRef idx="2">
+            <a:schemeClr val="accent1">
+              <a:shade val="50000"/>
+            </a:schemeClr>
+          </a:lnRef>
+          <a:fillRef idx="1">
+            <a:schemeClr val="accent1"/>
+          </a:fillRef>
+          <a:effectRef idx="0">
+            <a:schemeClr val="accent1"/>
+          </a:effectRef>
+          <a:fontRef idx="minor">
+            <a:schemeClr val="lt1"/>
+          </a:fontRef>
+        </p:style>
+        <p:txBody>
+          <a:bodyPr rtlCol="0" anchor="ctr"/>
+          <a:lstStyle/>
+          <a:p>
+            <a:pPr algn="ctr"/>
+            <a:endParaRPr kumimoji="1" lang="ja-JP" altLang="en-US" dirty="0"/>
+          </a:p>
+        </p:txBody>
+      </p:sp>
+      <p:sp>
+        <p:nvSpPr>
+          <p:cNvPr id="21" name="正方形/長方形 20"/>
+          <p:cNvSpPr/>
+          <p:nvPr/>
+        </p:nvSpPr>
+        <p:spPr>
+          <a:xfrm>
+            <a:off x="8920005" y="4450040"/>
+            <a:ext cx="233519" cy="228540"/>
+          </a:xfrm>
+          <a:prstGeom prst="rect">
+            <a:avLst/>
+          </a:prstGeom>
+          <a:noFill/>
+          <a:ln>
+            <a:solidFill>
+              <a:srgbClr val="FF0000"/>
+            </a:solidFill>
+          </a:ln>
+        </p:spPr>
+        <p:style>
+          <a:lnRef idx="2">
+            <a:schemeClr val="accent1">
+              <a:shade val="50000"/>
+            </a:schemeClr>
+          </a:lnRef>
+          <a:fillRef idx="1">
+            <a:schemeClr val="accent1"/>
+          </a:fillRef>
+          <a:effectRef idx="0">
+            <a:schemeClr val="accent1"/>
+          </a:effectRef>
+          <a:fontRef idx="minor">
+            <a:schemeClr val="lt1"/>
+          </a:fontRef>
+        </p:style>
+        <p:txBody>
+          <a:bodyPr rtlCol="0" anchor="ctr"/>
+          <a:lstStyle/>
+          <a:p>
+            <a:pPr algn="ctr"/>
+            <a:endParaRPr kumimoji="1" lang="ja-JP" altLang="en-US"/>
+          </a:p>
+        </p:txBody>
+      </p:sp>
+      <p:sp>
+        <p:nvSpPr>
+          <p:cNvPr id="22" name="正方形/長方形 21"/>
+          <p:cNvSpPr/>
+          <p:nvPr/>
+        </p:nvSpPr>
+        <p:spPr>
+          <a:xfrm>
+            <a:off x="9029930" y="4567911"/>
+            <a:ext cx="123594" cy="107157"/>
+          </a:xfrm>
+          <a:prstGeom prst="rect">
+            <a:avLst/>
+          </a:prstGeom>
+          <a:ln>
+            <a:solidFill>
+              <a:schemeClr val="accent6">
+                <a:lumMod val="60000"/>
+                <a:lumOff val="40000"/>
+              </a:schemeClr>
+            </a:solidFill>
+          </a:ln>
+        </p:spPr>
+        <p:style>
+          <a:lnRef idx="2">
+            <a:schemeClr val="accent1">
+              <a:shade val="50000"/>
+            </a:schemeClr>
+          </a:lnRef>
+          <a:fillRef idx="1">
+            <a:schemeClr val="accent1"/>
+          </a:fillRef>
+          <a:effectRef idx="0">
+            <a:schemeClr val="accent1"/>
+          </a:effectRef>
+          <a:fontRef idx="minor">
+            <a:schemeClr val="lt1"/>
+          </a:fontRef>
+        </p:style>
+        <p:txBody>
+          <a:bodyPr rtlCol="0" anchor="ctr"/>
+          <a:lstStyle/>
+          <a:p>
+            <a:pPr algn="ctr"/>
+            <a:endParaRPr kumimoji="1" lang="ja-JP" altLang="en-US"/>
+          </a:p>
+        </p:txBody>
+      </p:sp>
+      <p:sp>
+        <p:nvSpPr>
+          <p:cNvPr id="23" name="正方形/長方形 22"/>
+          <p:cNvSpPr/>
+          <p:nvPr/>
+        </p:nvSpPr>
+        <p:spPr>
+          <a:xfrm>
+            <a:off x="11239729" y="5018485"/>
+            <a:ext cx="123594" cy="107157"/>
+          </a:xfrm>
+          <a:prstGeom prst="rect">
+            <a:avLst/>
+          </a:prstGeom>
+          <a:ln>
+            <a:solidFill>
+              <a:schemeClr val="accent6">
+                <a:lumMod val="60000"/>
+                <a:lumOff val="40000"/>
+              </a:schemeClr>
+            </a:solidFill>
+          </a:ln>
+        </p:spPr>
+        <p:style>
+          <a:lnRef idx="2">
+            <a:schemeClr val="accent1">
+              <a:shade val="50000"/>
+            </a:schemeClr>
+          </a:lnRef>
+          <a:fillRef idx="1">
+            <a:schemeClr val="accent1"/>
+          </a:fillRef>
+          <a:effectRef idx="0">
+            <a:schemeClr val="accent1"/>
+          </a:effectRef>
+          <a:fontRef idx="minor">
+            <a:schemeClr val="lt1"/>
+          </a:fontRef>
+        </p:style>
+        <p:txBody>
+          <a:bodyPr rtlCol="0" anchor="ctr"/>
+          <a:lstStyle/>
+          <a:p>
+            <a:pPr algn="ctr"/>
+            <a:endParaRPr kumimoji="1" lang="ja-JP" altLang="en-US"/>
+          </a:p>
+        </p:txBody>
+      </p:sp>
+      <p:sp>
+        <p:nvSpPr>
+          <p:cNvPr id="24" name="正方形/長方形 23"/>
+          <p:cNvSpPr/>
+          <p:nvPr/>
+        </p:nvSpPr>
+        <p:spPr>
+          <a:xfrm>
+            <a:off x="11235761" y="4902995"/>
+            <a:ext cx="241865" cy="235106"/>
+          </a:xfrm>
+          <a:prstGeom prst="rect">
+            <a:avLst/>
+          </a:prstGeom>
+          <a:noFill/>
+          <a:ln>
+            <a:solidFill>
+              <a:srgbClr val="FF0000"/>
+            </a:solidFill>
+          </a:ln>
+        </p:spPr>
+        <p:style>
+          <a:lnRef idx="2">
+            <a:schemeClr val="accent1">
+              <a:shade val="50000"/>
+            </a:schemeClr>
+          </a:lnRef>
+          <a:fillRef idx="1">
+            <a:schemeClr val="accent1"/>
+          </a:fillRef>
+          <a:effectRef idx="0">
+            <a:schemeClr val="accent1"/>
+          </a:effectRef>
+          <a:fontRef idx="minor">
+            <a:schemeClr val="lt1"/>
+          </a:fontRef>
+        </p:style>
+        <p:txBody>
+          <a:bodyPr rtlCol="0" anchor="ctr"/>
+          <a:lstStyle/>
+          <a:p>
+            <a:pPr algn="ctr"/>
+            <a:endParaRPr kumimoji="1" lang="ja-JP" altLang="en-US"/>
+          </a:p>
+        </p:txBody>
+      </p:sp>
+      <p:cxnSp>
+        <p:nvCxnSpPr>
+          <p:cNvPr id="26" name="直線コネクタ 25"/>
+          <p:cNvCxnSpPr/>
+          <p:nvPr/>
+        </p:nvCxnSpPr>
+        <p:spPr>
+          <a:xfrm>
+            <a:off x="7839870" y="4337962"/>
+            <a:ext cx="1070995" cy="117336"/>
+          </a:xfrm>
+          <a:prstGeom prst="line">
+            <a:avLst/>
+          </a:prstGeom>
+          <a:ln>
+            <a:solidFill>
+              <a:srgbClr val="FF0000"/>
+            </a:solidFill>
+          </a:ln>
+        </p:spPr>
+        <p:style>
+          <a:lnRef idx="1">
+            <a:schemeClr val="accent1"/>
+          </a:lnRef>
+          <a:fillRef idx="0">
+            <a:schemeClr val="accent1"/>
+          </a:fillRef>
+          <a:effectRef idx="0">
+            <a:schemeClr val="accent1"/>
+          </a:effectRef>
+          <a:fontRef idx="minor">
+            <a:schemeClr val="tx1"/>
+          </a:fontRef>
+        </p:style>
+      </p:cxnSp>
+      <p:cxnSp>
+        <p:nvCxnSpPr>
+          <p:cNvPr id="28" name="直線コネクタ 27"/>
+          <p:cNvCxnSpPr/>
+          <p:nvPr/>
+        </p:nvCxnSpPr>
+        <p:spPr>
+          <a:xfrm>
+            <a:off x="7836695" y="4450932"/>
+            <a:ext cx="1074170" cy="220506"/>
+          </a:xfrm>
+          <a:prstGeom prst="line">
+            <a:avLst/>
+          </a:prstGeom>
+          <a:ln>
+            <a:solidFill>
+              <a:srgbClr val="FF0000"/>
+            </a:solidFill>
+          </a:ln>
+        </p:spPr>
+        <p:style>
+          <a:lnRef idx="1">
+            <a:schemeClr val="accent1"/>
+          </a:lnRef>
+          <a:fillRef idx="0">
+            <a:schemeClr val="accent1"/>
+          </a:fillRef>
+          <a:effectRef idx="0">
+            <a:schemeClr val="accent1"/>
+          </a:effectRef>
+          <a:fontRef idx="minor">
+            <a:schemeClr val="tx1"/>
+          </a:fontRef>
+        </p:style>
+      </p:cxnSp>
+      <p:cxnSp>
+        <p:nvCxnSpPr>
+          <p:cNvPr id="31" name="直線コネクタ 30"/>
+          <p:cNvCxnSpPr/>
+          <p:nvPr/>
+        </p:nvCxnSpPr>
+        <p:spPr>
+          <a:xfrm>
+            <a:off x="9174243" y="4572297"/>
+            <a:ext cx="2063105" cy="335460"/>
+          </a:xfrm>
+          <a:prstGeom prst="line">
+            <a:avLst/>
+          </a:prstGeom>
+          <a:ln>
+            <a:solidFill>
+              <a:srgbClr val="FF0000"/>
+            </a:solidFill>
+          </a:ln>
+        </p:spPr>
+        <p:style>
+          <a:lnRef idx="1">
+            <a:schemeClr val="accent1"/>
+          </a:lnRef>
+          <a:fillRef idx="0">
+            <a:schemeClr val="accent1"/>
+          </a:fillRef>
+          <a:effectRef idx="0">
+            <a:schemeClr val="accent1"/>
+          </a:effectRef>
+          <a:fontRef idx="minor">
+            <a:schemeClr val="tx1"/>
+          </a:fontRef>
+        </p:style>
+      </p:cxnSp>
+      <p:cxnSp>
+        <p:nvCxnSpPr>
+          <p:cNvPr id="32" name="直線コネクタ 31"/>
+          <p:cNvCxnSpPr/>
+          <p:nvPr/>
+        </p:nvCxnSpPr>
+        <p:spPr>
+          <a:xfrm>
+            <a:off x="9153524" y="4678580"/>
+            <a:ext cx="2083824" cy="452437"/>
+          </a:xfrm>
+          <a:prstGeom prst="line">
+            <a:avLst/>
+          </a:prstGeom>
+          <a:ln>
+            <a:solidFill>
+              <a:srgbClr val="FF0000"/>
+            </a:solidFill>
+          </a:ln>
+        </p:spPr>
+        <p:style>
+          <a:lnRef idx="1">
+            <a:schemeClr val="accent1"/>
+          </a:lnRef>
+          <a:fillRef idx="0">
+            <a:schemeClr val="accent1"/>
+          </a:fillRef>
+          <a:effectRef idx="0">
+            <a:schemeClr val="accent1"/>
+          </a:effectRef>
+          <a:fontRef idx="minor">
+            <a:schemeClr val="tx1"/>
+          </a:fontRef>
+        </p:style>
+      </p:cxnSp>
     </p:spTree>
     <p:extLst>
       <p:ext uri="{BB962C8B-B14F-4D97-AF65-F5344CB8AC3E}">
@@ -11988,7 +12390,7 @@
 </p:sld>
 </file>
 
-<file path=ppt/slides/slide16.xml><?xml version="1.0" encoding="utf-8"?>
+<file path=ppt/slides/slide15.xml><?xml version="1.0" encoding="utf-8"?>
 <p:sld xmlns:a="http://schemas.openxmlformats.org/drawingml/2006/main" xmlns:r="http://schemas.openxmlformats.org/officeDocument/2006/relationships" xmlns:p="http://schemas.openxmlformats.org/presentationml/2006/main">
   <p:cSld>
     <p:spTree>
@@ -12714,7 +13116,7 @@
 </p:sld>
 </file>
 
-<file path=ppt/slides/slide17.xml><?xml version="1.0" encoding="utf-8"?>
+<file path=ppt/slides/slide16.xml><?xml version="1.0" encoding="utf-8"?>
 <p:sld xmlns:a="http://schemas.openxmlformats.org/drawingml/2006/main" xmlns:r="http://schemas.openxmlformats.org/officeDocument/2006/relationships" xmlns:p="http://schemas.openxmlformats.org/presentationml/2006/main">
   <p:cSld>
     <p:spTree>
@@ -13402,7 +13804,7 @@
 </p:sld>
 </file>
 
-<file path=ppt/slides/slide18.xml><?xml version="1.0" encoding="utf-8"?>
+<file path=ppt/slides/slide17.xml><?xml version="1.0" encoding="utf-8"?>
 <p:sld xmlns:a="http://schemas.openxmlformats.org/drawingml/2006/main" xmlns:r="http://schemas.openxmlformats.org/officeDocument/2006/relationships" xmlns:p="http://schemas.openxmlformats.org/presentationml/2006/main">
   <p:cSld>
     <p:spTree>
@@ -13766,7 +14168,7 @@
 </p:sld>
 </file>
 
-<file path=ppt/slides/slide19.xml><?xml version="1.0" encoding="utf-8"?>
+<file path=ppt/slides/slide18.xml><?xml version="1.0" encoding="utf-8"?>
 <p:sld xmlns:a="http://schemas.openxmlformats.org/drawingml/2006/main" xmlns:r="http://schemas.openxmlformats.org/officeDocument/2006/relationships" xmlns:p="http://schemas.openxmlformats.org/presentationml/2006/main">
   <p:cSld>
     <p:spTree>
@@ -15349,183 +15751,7 @@
 </p:sld>
 </file>
 
-<file path=ppt/slides/slide2.xml><?xml version="1.0" encoding="utf-8"?>
-<p:sld xmlns:a="http://schemas.openxmlformats.org/drawingml/2006/main" xmlns:r="http://schemas.openxmlformats.org/officeDocument/2006/relationships" xmlns:p="http://schemas.openxmlformats.org/presentationml/2006/main">
-  <p:cSld>
-    <p:spTree>
-      <p:nvGrpSpPr>
-        <p:cNvPr id="1" name=""/>
-        <p:cNvGrpSpPr/>
-        <p:nvPr/>
-      </p:nvGrpSpPr>
-      <p:grpSpPr>
-        <a:xfrm>
-          <a:off x="0" y="0"/>
-          <a:ext cx="0" cy="0"/>
-          <a:chOff x="0" y="0"/>
-          <a:chExt cx="0" cy="0"/>
-        </a:xfrm>
-      </p:grpSpPr>
-      <p:sp>
-        <p:nvSpPr>
-          <p:cNvPr id="2" name="タイトル 1"/>
-          <p:cNvSpPr>
-            <a:spLocks noGrp="1"/>
-          </p:cNvSpPr>
-          <p:nvPr>
-            <p:ph type="title"/>
-          </p:nvPr>
-        </p:nvSpPr>
-        <p:spPr>
-          <a:xfrm>
-            <a:off x="697881" y="365126"/>
-            <a:ext cx="11049619" cy="733270"/>
-          </a:xfrm>
-        </p:spPr>
-        <p:txBody>
-          <a:bodyPr>
-            <a:normAutofit/>
-          </a:bodyPr>
-          <a:lstStyle/>
-          <a:p>
-            <a:r>
-              <a:rPr kumimoji="1" lang="en-US" altLang="ja-JP" sz="3600" dirty="0"/>
-              <a:t>Contents </a:t>
-            </a:r>
-            <a:r>
-              <a:rPr kumimoji="1" lang="ja-JP" altLang="en-US" sz="3600" dirty="0"/>
-              <a:t>画像内の特定パターンを発見する手法</a:t>
-            </a:r>
-          </a:p>
-        </p:txBody>
-      </p:sp>
-      <p:sp>
-        <p:nvSpPr>
-          <p:cNvPr id="3" name="コンテンツ プレースホルダー 2"/>
-          <p:cNvSpPr>
-            <a:spLocks noGrp="1"/>
-          </p:cNvSpPr>
-          <p:nvPr>
-            <p:ph idx="1"/>
-          </p:nvPr>
-        </p:nvSpPr>
-        <p:spPr>
-          <a:xfrm>
-            <a:off x="1254834" y="1343722"/>
-            <a:ext cx="8820192" cy="5296829"/>
-          </a:xfrm>
-        </p:spPr>
-        <p:txBody>
-          <a:bodyPr>
-            <a:normAutofit/>
-          </a:bodyPr>
-          <a:lstStyle/>
-          <a:p>
-            <a:r>
-              <a:rPr kumimoji="1" lang="ja-JP" altLang="en-US" dirty="0"/>
-              <a:t>テンプレートマッチング</a:t>
-            </a:r>
-            <a:endParaRPr lang="en-US" altLang="ja-JP" dirty="0"/>
-          </a:p>
-          <a:p>
-            <a:r>
-              <a:rPr lang="ja-JP" altLang="en-US" dirty="0"/>
-              <a:t>コーナー検出（</a:t>
-            </a:r>
-            <a:r>
-              <a:rPr kumimoji="1" lang="en-US" altLang="ja-JP" dirty="0"/>
-              <a:t>Harris corner detector/</a:t>
-            </a:r>
-            <a:r>
-              <a:rPr lang="en-US" altLang="ja-JP" dirty="0"/>
-              <a:t>FAST</a:t>
-            </a:r>
-            <a:r>
-              <a:rPr lang="ja-JP" altLang="en-US" dirty="0"/>
-              <a:t>）</a:t>
-            </a:r>
-            <a:endParaRPr lang="en-US" altLang="ja-JP" dirty="0"/>
-          </a:p>
-          <a:p>
-            <a:r>
-              <a:rPr lang="ja-JP" altLang="en-US" dirty="0"/>
-              <a:t>エッジ検出（</a:t>
-            </a:r>
-            <a:r>
-              <a:rPr lang="en-US" altLang="ja-JP" dirty="0"/>
-              <a:t>Canny edge detector</a:t>
-            </a:r>
-            <a:r>
-              <a:rPr lang="ja-JP" altLang="en-US" dirty="0"/>
-              <a:t>）</a:t>
-            </a:r>
-            <a:endParaRPr lang="en-US" altLang="ja-JP" dirty="0"/>
-          </a:p>
-          <a:p>
-            <a:r>
-              <a:rPr lang="ja-JP" altLang="en-US" dirty="0"/>
-              <a:t>直線の検出 </a:t>
-            </a:r>
-            <a:r>
-              <a:rPr lang="en-US" altLang="ja-JP" dirty="0"/>
-              <a:t>: Hough</a:t>
-            </a:r>
-            <a:r>
-              <a:rPr lang="ja-JP" altLang="en-US" dirty="0"/>
-              <a:t>変換</a:t>
-            </a:r>
-            <a:endParaRPr lang="en-US" altLang="ja-JP" dirty="0"/>
-          </a:p>
-          <a:p>
-            <a:endParaRPr lang="en-US" altLang="ja-JP" dirty="0"/>
-          </a:p>
-          <a:p>
-            <a:r>
-              <a:rPr lang="ja-JP" altLang="en-US" dirty="0"/>
-              <a:t>特徴点と特徴ベクトル</a:t>
-            </a:r>
-            <a:endParaRPr lang="en-US" altLang="ja-JP" dirty="0"/>
-          </a:p>
-          <a:p>
-            <a:pPr lvl="1"/>
-            <a:r>
-              <a:rPr lang="en-US" altLang="ja-JP" dirty="0"/>
-              <a:t>SIFT</a:t>
-            </a:r>
-            <a:r>
-              <a:rPr lang="ja-JP" altLang="en-US" dirty="0"/>
-              <a:t>特徴</a:t>
-            </a:r>
-            <a:endParaRPr lang="en-US" altLang="ja-JP" dirty="0"/>
-          </a:p>
-          <a:p>
-            <a:pPr lvl="1"/>
-            <a:r>
-              <a:rPr lang="ja-JP" altLang="en-US" dirty="0"/>
-              <a:t>特徴点の対応付け</a:t>
-            </a:r>
-            <a:endParaRPr lang="en-US" altLang="ja-JP" dirty="0"/>
-          </a:p>
-          <a:p>
-            <a:pPr lvl="1"/>
-            <a:endParaRPr lang="en-US" altLang="ja-JP" dirty="0"/>
-          </a:p>
-        </p:txBody>
-      </p:sp>
-    </p:spTree>
-    <p:extLst>
-      <p:ext uri="{BB962C8B-B14F-4D97-AF65-F5344CB8AC3E}">
-        <p14:creationId xmlns:p14="http://schemas.microsoft.com/office/powerpoint/2010/main" val="2238481771"/>
-      </p:ext>
-    </p:extLst>
-  </p:cSld>
-  <p:clrMapOvr>
-    <a:masterClrMapping/>
-  </p:clrMapOvr>
-</p:sld>
-</file>
-
-<file path=ppt/slides/slide20.xml><?xml version="1.0" encoding="utf-8"?>
+<file path=ppt/slides/slide19.xml><?xml version="1.0" encoding="utf-8"?>
 <p:sld xmlns:a="http://schemas.openxmlformats.org/drawingml/2006/main" xmlns:r="http://schemas.openxmlformats.org/officeDocument/2006/relationships" xmlns:p="http://schemas.openxmlformats.org/presentationml/2006/main">
   <p:cSld>
     <p:spTree>
@@ -19311,7 +19537,183 @@
 </p:sld>
 </file>
 
-<file path=ppt/slides/slide21.xml><?xml version="1.0" encoding="utf-8"?>
+<file path=ppt/slides/slide2.xml><?xml version="1.0" encoding="utf-8"?>
+<p:sld xmlns:a="http://schemas.openxmlformats.org/drawingml/2006/main" xmlns:r="http://schemas.openxmlformats.org/officeDocument/2006/relationships" xmlns:p="http://schemas.openxmlformats.org/presentationml/2006/main">
+  <p:cSld>
+    <p:spTree>
+      <p:nvGrpSpPr>
+        <p:cNvPr id="1" name=""/>
+        <p:cNvGrpSpPr/>
+        <p:nvPr/>
+      </p:nvGrpSpPr>
+      <p:grpSpPr>
+        <a:xfrm>
+          <a:off x="0" y="0"/>
+          <a:ext cx="0" cy="0"/>
+          <a:chOff x="0" y="0"/>
+          <a:chExt cx="0" cy="0"/>
+        </a:xfrm>
+      </p:grpSpPr>
+      <p:sp>
+        <p:nvSpPr>
+          <p:cNvPr id="2" name="タイトル 1"/>
+          <p:cNvSpPr>
+            <a:spLocks noGrp="1"/>
+          </p:cNvSpPr>
+          <p:nvPr>
+            <p:ph type="title"/>
+          </p:nvPr>
+        </p:nvSpPr>
+        <p:spPr>
+          <a:xfrm>
+            <a:off x="697881" y="365126"/>
+            <a:ext cx="11049619" cy="733270"/>
+          </a:xfrm>
+        </p:spPr>
+        <p:txBody>
+          <a:bodyPr>
+            <a:normAutofit/>
+          </a:bodyPr>
+          <a:lstStyle/>
+          <a:p>
+            <a:r>
+              <a:rPr kumimoji="1" lang="en-US" altLang="ja-JP" sz="3600" dirty="0"/>
+              <a:t>Contents </a:t>
+            </a:r>
+            <a:r>
+              <a:rPr kumimoji="1" lang="ja-JP" altLang="en-US" sz="3600" dirty="0"/>
+              <a:t>画像内の特定パターンを発見する手法</a:t>
+            </a:r>
+          </a:p>
+        </p:txBody>
+      </p:sp>
+      <p:sp>
+        <p:nvSpPr>
+          <p:cNvPr id="3" name="コンテンツ プレースホルダー 2"/>
+          <p:cNvSpPr>
+            <a:spLocks noGrp="1"/>
+          </p:cNvSpPr>
+          <p:nvPr>
+            <p:ph idx="1"/>
+          </p:nvPr>
+        </p:nvSpPr>
+        <p:spPr>
+          <a:xfrm>
+            <a:off x="1254834" y="1343722"/>
+            <a:ext cx="8820192" cy="5296829"/>
+          </a:xfrm>
+        </p:spPr>
+        <p:txBody>
+          <a:bodyPr>
+            <a:normAutofit/>
+          </a:bodyPr>
+          <a:lstStyle/>
+          <a:p>
+            <a:r>
+              <a:rPr kumimoji="1" lang="ja-JP" altLang="en-US" dirty="0"/>
+              <a:t>テンプレートマッチング</a:t>
+            </a:r>
+            <a:endParaRPr lang="en-US" altLang="ja-JP" dirty="0"/>
+          </a:p>
+          <a:p>
+            <a:r>
+              <a:rPr lang="ja-JP" altLang="en-US" dirty="0"/>
+              <a:t>コーナー検出（</a:t>
+            </a:r>
+            <a:r>
+              <a:rPr kumimoji="1" lang="en-US" altLang="ja-JP" dirty="0"/>
+              <a:t>Harris corner detector/</a:t>
+            </a:r>
+            <a:r>
+              <a:rPr lang="en-US" altLang="ja-JP" dirty="0"/>
+              <a:t>FAST</a:t>
+            </a:r>
+            <a:r>
+              <a:rPr lang="ja-JP" altLang="en-US" dirty="0"/>
+              <a:t>）</a:t>
+            </a:r>
+            <a:endParaRPr lang="en-US" altLang="ja-JP" dirty="0"/>
+          </a:p>
+          <a:p>
+            <a:r>
+              <a:rPr lang="ja-JP" altLang="en-US" dirty="0"/>
+              <a:t>エッジ検出（</a:t>
+            </a:r>
+            <a:r>
+              <a:rPr lang="en-US" altLang="ja-JP" dirty="0"/>
+              <a:t>Canny edge detector</a:t>
+            </a:r>
+            <a:r>
+              <a:rPr lang="ja-JP" altLang="en-US" dirty="0"/>
+              <a:t>）</a:t>
+            </a:r>
+            <a:endParaRPr lang="en-US" altLang="ja-JP" dirty="0"/>
+          </a:p>
+          <a:p>
+            <a:r>
+              <a:rPr lang="ja-JP" altLang="en-US" dirty="0"/>
+              <a:t>直線の検出 </a:t>
+            </a:r>
+            <a:r>
+              <a:rPr lang="en-US" altLang="ja-JP" dirty="0"/>
+              <a:t>: Hough</a:t>
+            </a:r>
+            <a:r>
+              <a:rPr lang="ja-JP" altLang="en-US" dirty="0"/>
+              <a:t>変換</a:t>
+            </a:r>
+            <a:endParaRPr lang="en-US" altLang="ja-JP" dirty="0"/>
+          </a:p>
+          <a:p>
+            <a:endParaRPr lang="en-US" altLang="ja-JP" dirty="0"/>
+          </a:p>
+          <a:p>
+            <a:r>
+              <a:rPr lang="ja-JP" altLang="en-US" dirty="0"/>
+              <a:t>特徴点と特徴ベクトル</a:t>
+            </a:r>
+            <a:endParaRPr lang="en-US" altLang="ja-JP" dirty="0"/>
+          </a:p>
+          <a:p>
+            <a:pPr lvl="1"/>
+            <a:r>
+              <a:rPr lang="en-US" altLang="ja-JP" dirty="0"/>
+              <a:t>SIFT</a:t>
+            </a:r>
+            <a:r>
+              <a:rPr lang="ja-JP" altLang="en-US" dirty="0"/>
+              <a:t>特徴</a:t>
+            </a:r>
+            <a:endParaRPr lang="en-US" altLang="ja-JP" dirty="0"/>
+          </a:p>
+          <a:p>
+            <a:pPr lvl="1"/>
+            <a:r>
+              <a:rPr lang="ja-JP" altLang="en-US" dirty="0"/>
+              <a:t>特徴点の対応付け</a:t>
+            </a:r>
+            <a:endParaRPr lang="en-US" altLang="ja-JP" dirty="0"/>
+          </a:p>
+          <a:p>
+            <a:pPr lvl="1"/>
+            <a:endParaRPr lang="en-US" altLang="ja-JP" dirty="0"/>
+          </a:p>
+        </p:txBody>
+      </p:sp>
+    </p:spTree>
+    <p:extLst>
+      <p:ext uri="{BB962C8B-B14F-4D97-AF65-F5344CB8AC3E}">
+        <p14:creationId xmlns:p14="http://schemas.microsoft.com/office/powerpoint/2010/main" val="2238481771"/>
+      </p:ext>
+    </p:extLst>
+  </p:cSld>
+  <p:clrMapOvr>
+    <a:masterClrMapping/>
+  </p:clrMapOvr>
+</p:sld>
+</file>
+
+<file path=ppt/slides/slide20.xml><?xml version="1.0" encoding="utf-8"?>
 <p:sld xmlns:a="http://schemas.openxmlformats.org/drawingml/2006/main" xmlns:r="http://schemas.openxmlformats.org/officeDocument/2006/relationships" xmlns:p="http://schemas.openxmlformats.org/presentationml/2006/main">
   <p:cSld>
     <p:spTree>
@@ -20949,7 +21351,7 @@
 </p:sld>
 </file>
 
-<file path=ppt/slides/slide22.xml><?xml version="1.0" encoding="utf-8"?>
+<file path=ppt/slides/slide21.xml><?xml version="1.0" encoding="utf-8"?>
 <p:sld xmlns:a="http://schemas.openxmlformats.org/drawingml/2006/main" xmlns:r="http://schemas.openxmlformats.org/officeDocument/2006/relationships" xmlns:p="http://schemas.openxmlformats.org/presentationml/2006/main">
   <p:cSld>
     <p:spTree>
@@ -22675,7 +23077,7 @@
 </p:sld>
 </file>
 
-<file path=ppt/slides/slide23.xml><?xml version="1.0" encoding="utf-8"?>
+<file path=ppt/slides/slide22.xml><?xml version="1.0" encoding="utf-8"?>
 <p:sld xmlns:a="http://schemas.openxmlformats.org/drawingml/2006/main" xmlns:r="http://schemas.openxmlformats.org/officeDocument/2006/relationships" xmlns:p="http://schemas.openxmlformats.org/presentationml/2006/main">
   <p:cSld>
     <p:spTree>
@@ -23021,7 +23423,7 @@
 </p:sld>
 </file>
 
-<file path=ppt/slides/slide24.xml><?xml version="1.0" encoding="utf-8"?>
+<file path=ppt/slides/slide23.xml><?xml version="1.0" encoding="utf-8"?>
 <p:sld xmlns:a="http://schemas.openxmlformats.org/drawingml/2006/main" xmlns:r="http://schemas.openxmlformats.org/officeDocument/2006/relationships" xmlns:p="http://schemas.openxmlformats.org/presentationml/2006/main">
   <p:cSld>
     <p:spTree>
@@ -23412,7 +23814,7 @@
 </p:sld>
 </file>
 
-<file path=ppt/slides/slide25.xml><?xml version="1.0" encoding="utf-8"?>
+<file path=ppt/slides/slide24.xml><?xml version="1.0" encoding="utf-8"?>
 <p:sld xmlns:a="http://schemas.openxmlformats.org/drawingml/2006/main" xmlns:r="http://schemas.openxmlformats.org/officeDocument/2006/relationships" xmlns:p="http://schemas.openxmlformats.org/presentationml/2006/main">
   <p:cSld>
     <p:spTree>
@@ -25374,7 +25776,7 @@
 </p:sld>
 </file>
 
-<file path=ppt/slides/slide26.xml><?xml version="1.0" encoding="utf-8"?>
+<file path=ppt/slides/slide25.xml><?xml version="1.0" encoding="utf-8"?>
 <p:sld xmlns:a="http://schemas.openxmlformats.org/drawingml/2006/main" xmlns:r="http://schemas.openxmlformats.org/officeDocument/2006/relationships" xmlns:p="http://schemas.openxmlformats.org/presentationml/2006/main">
   <p:cSld>
     <p:spTree>
@@ -28460,7 +28862,7 @@
 </p:sld>
 </file>
 
-<file path=ppt/slides/slide27.xml><?xml version="1.0" encoding="utf-8"?>
+<file path=ppt/slides/slide26.xml><?xml version="1.0" encoding="utf-8"?>
 <p:sld xmlns:a="http://schemas.openxmlformats.org/drawingml/2006/main" xmlns:r="http://schemas.openxmlformats.org/officeDocument/2006/relationships" xmlns:p="http://schemas.openxmlformats.org/presentationml/2006/main">
   <p:cSld>
     <p:spTree>
@@ -28806,7 +29208,7 @@
 </p:sld>
 </file>
 
-<file path=ppt/slides/slide28.xml><?xml version="1.0" encoding="utf-8"?>
+<file path=ppt/slides/slide27.xml><?xml version="1.0" encoding="utf-8"?>
 <p:sld xmlns:a="http://schemas.openxmlformats.org/drawingml/2006/main" xmlns:r="http://schemas.openxmlformats.org/officeDocument/2006/relationships" xmlns:p="http://schemas.openxmlformats.org/presentationml/2006/main">
   <p:cSld>
     <p:spTree>
@@ -29100,7 +29502,7 @@
 </p:sld>
 </file>
 
-<file path=ppt/slides/slide29.xml><?xml version="1.0" encoding="utf-8"?>
+<file path=ppt/slides/slide28.xml><?xml version="1.0" encoding="utf-8"?>
 <p:sld xmlns:a="http://schemas.openxmlformats.org/drawingml/2006/main" xmlns:r="http://schemas.openxmlformats.org/officeDocument/2006/relationships" xmlns:p="http://schemas.openxmlformats.org/presentationml/2006/main">
   <p:cSld>
     <p:spTree>
@@ -31230,7 +31632,7 @@
           <a:p>
             <a:fld id="{F35DE295-420C-4265-BE54-AE59FA4027A6}" type="slidenum">
               <a:rPr kumimoji="1" lang="ja-JP" altLang="en-US" smtClean="0"/>
-              <a:t>29</a:t>
+              <a:t>28</a:t>
             </a:fld>
             <a:endParaRPr kumimoji="1" lang="ja-JP" altLang="en-US"/>
           </a:p>
@@ -31321,6 +31723,2220 @@
     <p:extLst>
       <p:ext uri="{BB962C8B-B14F-4D97-AF65-F5344CB8AC3E}">
         <p14:creationId xmlns:p14="http://schemas.microsoft.com/office/powerpoint/2010/main" val="4119758349"/>
+      </p:ext>
+    </p:extLst>
+  </p:cSld>
+  <p:clrMapOvr>
+    <a:masterClrMapping/>
+  </p:clrMapOvr>
+</p:sld>
+</file>
+
+<file path=ppt/slides/slide29.xml><?xml version="1.0" encoding="utf-8"?>
+<p:sld xmlns:a="http://schemas.openxmlformats.org/drawingml/2006/main" xmlns:r="http://schemas.openxmlformats.org/officeDocument/2006/relationships" xmlns:p="http://schemas.openxmlformats.org/presentationml/2006/main">
+  <p:cSld>
+    <p:spTree>
+      <p:nvGrpSpPr>
+        <p:cNvPr id="1" name=""/>
+        <p:cNvGrpSpPr/>
+        <p:nvPr/>
+      </p:nvGrpSpPr>
+      <p:grpSpPr>
+        <a:xfrm>
+          <a:off x="0" y="0"/>
+          <a:ext cx="0" cy="0"/>
+          <a:chOff x="0" y="0"/>
+          <a:chExt cx="0" cy="0"/>
+        </a:xfrm>
+      </p:grpSpPr>
+      <p:sp>
+        <p:nvSpPr>
+          <p:cNvPr id="2" name="タイトル 1"/>
+          <p:cNvSpPr>
+            <a:spLocks noGrp="1"/>
+          </p:cNvSpPr>
+          <p:nvPr>
+            <p:ph type="title"/>
+          </p:nvPr>
+        </p:nvSpPr>
+        <p:spPr>
+          <a:xfrm>
+            <a:off x="4019096" y="276226"/>
+            <a:ext cx="8172904" cy="733270"/>
+          </a:xfrm>
+        </p:spPr>
+        <p:txBody>
+          <a:bodyPr>
+            <a:normAutofit/>
+          </a:bodyPr>
+          <a:lstStyle/>
+          <a:p>
+            <a:r>
+              <a:rPr kumimoji="1" lang="en-US" altLang="ja-JP" sz="3600" dirty="0"/>
+              <a:t>Structure </a:t>
+            </a:r>
+            <a:r>
+              <a:rPr lang="en-US" altLang="ja-JP" sz="3600" dirty="0"/>
+              <a:t>T</a:t>
+            </a:r>
+            <a:r>
+              <a:rPr kumimoji="1" lang="en-US" altLang="ja-JP" sz="3600" dirty="0"/>
+              <a:t>ensor Matrix</a:t>
+            </a:r>
+            <a:r>
+              <a:rPr kumimoji="1" lang="ja-JP" altLang="en-US" sz="3600" dirty="0"/>
+              <a:t>（導出）</a:t>
+            </a:r>
+          </a:p>
+        </p:txBody>
+      </p:sp>
+      <p:sp>
+        <p:nvSpPr>
+          <p:cNvPr id="25" name="コンテンツ プレースホルダー 2"/>
+          <p:cNvSpPr txBox="1">
+            <a:spLocks/>
+          </p:cNvSpPr>
+          <p:nvPr/>
+        </p:nvSpPr>
+        <p:spPr>
+          <a:xfrm>
+            <a:off x="622754" y="4032948"/>
+            <a:ext cx="7520349" cy="2825052"/>
+          </a:xfrm>
+          <a:prstGeom prst="rect">
+            <a:avLst/>
+          </a:prstGeom>
+        </p:spPr>
+        <p:txBody>
+          <a:bodyPr vert="horz" lIns="91440" tIns="45720" rIns="91440" bIns="45720" rtlCol="0">
+            <a:normAutofit/>
+          </a:bodyPr>
+          <a:lstStyle>
+            <a:lvl1pPr marL="228600" indent="-228600" algn="l" defTabSz="914400" rtl="0" eaLnBrk="1" latinLnBrk="0" hangingPunct="1">
+              <a:lnSpc>
+                <a:spcPct val="90000"/>
+              </a:lnSpc>
+              <a:spcBef>
+                <a:spcPts val="1000"/>
+              </a:spcBef>
+              <a:buFont typeface="Arial" panose="020B0604020202020204" pitchFamily="34" charset="0"/>
+              <a:buChar char="•"/>
+              <a:defRPr kumimoji="1" sz="2800" kern="1200">
+                <a:solidFill>
+                  <a:schemeClr val="tx1"/>
+                </a:solidFill>
+                <a:latin typeface="メイリオ" panose="020B0604030504040204" pitchFamily="50" charset="-128"/>
+                <a:ea typeface="メイリオ" panose="020B0604030504040204" pitchFamily="50" charset="-128"/>
+                <a:cs typeface="メイリオ" panose="020B0604030504040204" pitchFamily="50" charset="-128"/>
+              </a:defRPr>
+            </a:lvl1pPr>
+            <a:lvl2pPr marL="685800" indent="-228600" algn="l" defTabSz="914400" rtl="0" eaLnBrk="1" latinLnBrk="0" hangingPunct="1">
+              <a:lnSpc>
+                <a:spcPct val="90000"/>
+              </a:lnSpc>
+              <a:spcBef>
+                <a:spcPts val="500"/>
+              </a:spcBef>
+              <a:buFont typeface="Arial" panose="020B0604020202020204" pitchFamily="34" charset="0"/>
+              <a:buChar char="•"/>
+              <a:defRPr kumimoji="1" sz="2400" kern="1200">
+                <a:solidFill>
+                  <a:schemeClr val="tx1"/>
+                </a:solidFill>
+                <a:latin typeface="メイリオ" panose="020B0604030504040204" pitchFamily="50" charset="-128"/>
+                <a:ea typeface="メイリオ" panose="020B0604030504040204" pitchFamily="50" charset="-128"/>
+                <a:cs typeface="メイリオ" panose="020B0604030504040204" pitchFamily="50" charset="-128"/>
+              </a:defRPr>
+            </a:lvl2pPr>
+            <a:lvl3pPr marL="1143000" indent="-228600" algn="l" defTabSz="914400" rtl="0" eaLnBrk="1" latinLnBrk="0" hangingPunct="1">
+              <a:lnSpc>
+                <a:spcPct val="90000"/>
+              </a:lnSpc>
+              <a:spcBef>
+                <a:spcPts val="500"/>
+              </a:spcBef>
+              <a:buFont typeface="Arial" panose="020B0604020202020204" pitchFamily="34" charset="0"/>
+              <a:buChar char="•"/>
+              <a:defRPr kumimoji="1" sz="2000" kern="1200">
+                <a:solidFill>
+                  <a:schemeClr val="tx1"/>
+                </a:solidFill>
+                <a:latin typeface="メイリオ" panose="020B0604030504040204" pitchFamily="50" charset="-128"/>
+                <a:ea typeface="メイリオ" panose="020B0604030504040204" pitchFamily="50" charset="-128"/>
+                <a:cs typeface="メイリオ" panose="020B0604030504040204" pitchFamily="50" charset="-128"/>
+              </a:defRPr>
+            </a:lvl3pPr>
+            <a:lvl4pPr marL="1600200" indent="-228600" algn="l" defTabSz="914400" rtl="0" eaLnBrk="1" latinLnBrk="0" hangingPunct="1">
+              <a:lnSpc>
+                <a:spcPct val="90000"/>
+              </a:lnSpc>
+              <a:spcBef>
+                <a:spcPts val="500"/>
+              </a:spcBef>
+              <a:buFont typeface="Arial" panose="020B0604020202020204" pitchFamily="34" charset="0"/>
+              <a:buChar char="•"/>
+              <a:defRPr kumimoji="1" sz="1800" kern="1200">
+                <a:solidFill>
+                  <a:schemeClr val="tx1"/>
+                </a:solidFill>
+                <a:latin typeface="メイリオ" panose="020B0604030504040204" pitchFamily="50" charset="-128"/>
+                <a:ea typeface="メイリオ" panose="020B0604030504040204" pitchFamily="50" charset="-128"/>
+                <a:cs typeface="メイリオ" panose="020B0604030504040204" pitchFamily="50" charset="-128"/>
+              </a:defRPr>
+            </a:lvl4pPr>
+            <a:lvl5pPr marL="2057400" indent="-228600" algn="l" defTabSz="914400" rtl="0" eaLnBrk="1" latinLnBrk="0" hangingPunct="1">
+              <a:lnSpc>
+                <a:spcPct val="90000"/>
+              </a:lnSpc>
+              <a:spcBef>
+                <a:spcPts val="500"/>
+              </a:spcBef>
+              <a:buFont typeface="Arial" panose="020B0604020202020204" pitchFamily="34" charset="0"/>
+              <a:buChar char="•"/>
+              <a:defRPr kumimoji="1" sz="1800" kern="1200">
+                <a:solidFill>
+                  <a:schemeClr val="tx1"/>
+                </a:solidFill>
+                <a:latin typeface="メイリオ" panose="020B0604030504040204" pitchFamily="50" charset="-128"/>
+                <a:ea typeface="メイリオ" panose="020B0604030504040204" pitchFamily="50" charset="-128"/>
+                <a:cs typeface="メイリオ" panose="020B0604030504040204" pitchFamily="50" charset="-128"/>
+              </a:defRPr>
+            </a:lvl5pPr>
+            <a:lvl6pPr marL="2514600" indent="-228600" algn="l" defTabSz="914400" rtl="0" eaLnBrk="1" latinLnBrk="0" hangingPunct="1">
+              <a:lnSpc>
+                <a:spcPct val="90000"/>
+              </a:lnSpc>
+              <a:spcBef>
+                <a:spcPts val="500"/>
+              </a:spcBef>
+              <a:buFont typeface="Arial" panose="020B0604020202020204" pitchFamily="34" charset="0"/>
+              <a:buChar char="•"/>
+              <a:defRPr kumimoji="1" sz="1800" kern="1200">
+                <a:solidFill>
+                  <a:schemeClr val="tx1"/>
+                </a:solidFill>
+                <a:latin typeface="+mn-lt"/>
+                <a:ea typeface="+mn-ea"/>
+                <a:cs typeface="+mn-cs"/>
+              </a:defRPr>
+            </a:lvl6pPr>
+            <a:lvl7pPr marL="2971800" indent="-228600" algn="l" defTabSz="914400" rtl="0" eaLnBrk="1" latinLnBrk="0" hangingPunct="1">
+              <a:lnSpc>
+                <a:spcPct val="90000"/>
+              </a:lnSpc>
+              <a:spcBef>
+                <a:spcPts val="500"/>
+              </a:spcBef>
+              <a:buFont typeface="Arial" panose="020B0604020202020204" pitchFamily="34" charset="0"/>
+              <a:buChar char="•"/>
+              <a:defRPr kumimoji="1" sz="1800" kern="1200">
+                <a:solidFill>
+                  <a:schemeClr val="tx1"/>
+                </a:solidFill>
+                <a:latin typeface="+mn-lt"/>
+                <a:ea typeface="+mn-ea"/>
+                <a:cs typeface="+mn-cs"/>
+              </a:defRPr>
+            </a:lvl7pPr>
+            <a:lvl8pPr marL="3429000" indent="-228600" algn="l" defTabSz="914400" rtl="0" eaLnBrk="1" latinLnBrk="0" hangingPunct="1">
+              <a:lnSpc>
+                <a:spcPct val="90000"/>
+              </a:lnSpc>
+              <a:spcBef>
+                <a:spcPts val="500"/>
+              </a:spcBef>
+              <a:buFont typeface="Arial" panose="020B0604020202020204" pitchFamily="34" charset="0"/>
+              <a:buChar char="•"/>
+              <a:defRPr kumimoji="1" sz="1800" kern="1200">
+                <a:solidFill>
+                  <a:schemeClr val="tx1"/>
+                </a:solidFill>
+                <a:latin typeface="+mn-lt"/>
+                <a:ea typeface="+mn-ea"/>
+                <a:cs typeface="+mn-cs"/>
+              </a:defRPr>
+            </a:lvl8pPr>
+            <a:lvl9pPr marL="3886200" indent="-228600" algn="l" defTabSz="914400" rtl="0" eaLnBrk="1" latinLnBrk="0" hangingPunct="1">
+              <a:lnSpc>
+                <a:spcPct val="90000"/>
+              </a:lnSpc>
+              <a:spcBef>
+                <a:spcPts val="500"/>
+              </a:spcBef>
+              <a:buFont typeface="Arial" panose="020B0604020202020204" pitchFamily="34" charset="0"/>
+              <a:buChar char="•"/>
+              <a:defRPr kumimoji="1" sz="1800" kern="1200">
+                <a:solidFill>
+                  <a:schemeClr val="tx1"/>
+                </a:solidFill>
+                <a:latin typeface="+mn-lt"/>
+                <a:ea typeface="+mn-ea"/>
+                <a:cs typeface="+mn-cs"/>
+              </a:defRPr>
+            </a:lvl9pPr>
+          </a:lstStyle>
+          <a:p>
+            <a:pPr marL="0" indent="0">
+              <a:lnSpc>
+                <a:spcPct val="100000"/>
+              </a:lnSpc>
+              <a:spcBef>
+                <a:spcPts val="1200"/>
+              </a:spcBef>
+              <a:spcAft>
+                <a:spcPts val="600"/>
+              </a:spcAft>
+              <a:buNone/>
+            </a:pPr>
+            <a:endParaRPr lang="en-US" altLang="ja-JP" sz="2400" dirty="0"/>
+          </a:p>
+        </p:txBody>
+      </p:sp>
+      <mc:AlternateContent xmlns:mc="http://schemas.openxmlformats.org/markup-compatibility/2006" xmlns:a14="http://schemas.microsoft.com/office/drawing/2010/main">
+        <mc:Choice Requires="a14">
+          <p:sp>
+            <p:nvSpPr>
+              <p:cNvPr id="8" name="正方形/長方形 7"/>
+              <p:cNvSpPr/>
+              <p:nvPr/>
+            </p:nvSpPr>
+            <p:spPr>
+              <a:xfrm>
+                <a:off x="4011827" y="3130548"/>
+                <a:ext cx="7788876" cy="3582327"/>
+              </a:xfrm>
+              <a:prstGeom prst="rect">
+                <a:avLst/>
+              </a:prstGeom>
+            </p:spPr>
+            <p:txBody>
+              <a:bodyPr wrap="square">
+                <a:spAutoFit/>
+              </a:bodyPr>
+              <a:lstStyle/>
+              <a:p>
+                <a:pPr>
+                  <a:spcBef>
+                    <a:spcPts val="600"/>
+                  </a:spcBef>
+                </a:pPr>
+                <a:r>
+                  <a:rPr lang="ja-JP" altLang="en-US" dirty="0">
+                    <a:latin typeface="メイリオ" panose="020B0604030504040204" pitchFamily="50" charset="-128"/>
+                    <a:ea typeface="メイリオ" panose="020B0604030504040204" pitchFamily="50" charset="-128"/>
+                    <a:cs typeface="メイリオ" panose="020B0604030504040204" pitchFamily="50" charset="-128"/>
+                  </a:rPr>
+                  <a:t>今知りたいのは，どの方向</a:t>
+                </a:r>
+                <a:r>
+                  <a:rPr lang="en-US" altLang="ja-JP" dirty="0">
+                    <a:latin typeface="メイリオ" panose="020B0604030504040204" pitchFamily="50" charset="-128"/>
+                    <a:ea typeface="メイリオ" panose="020B0604030504040204" pitchFamily="50" charset="-128"/>
+                    <a:cs typeface="メイリオ" panose="020B0604030504040204" pitchFamily="50" charset="-128"/>
+                  </a:rPr>
+                  <a:t>(</a:t>
+                </a:r>
+                <a:r>
+                  <a:rPr lang="en-US" altLang="ja-JP" i="1" dirty="0" err="1">
+                    <a:latin typeface="メイリオ" panose="020B0604030504040204" pitchFamily="50" charset="-128"/>
+                    <a:ea typeface="メイリオ" panose="020B0604030504040204" pitchFamily="50" charset="-128"/>
+                    <a:cs typeface="メイリオ" panose="020B0604030504040204" pitchFamily="50" charset="-128"/>
+                  </a:rPr>
+                  <a:t>u,v</a:t>
+                </a:r>
+                <a:r>
+                  <a:rPr lang="en-US" altLang="ja-JP" dirty="0">
+                    <a:latin typeface="メイリオ" panose="020B0604030504040204" pitchFamily="50" charset="-128"/>
+                    <a:ea typeface="メイリオ" panose="020B0604030504040204" pitchFamily="50" charset="-128"/>
+                    <a:cs typeface="メイリオ" panose="020B0604030504040204" pitchFamily="50" charset="-128"/>
+                  </a:rPr>
+                  <a:t>)</a:t>
+                </a:r>
+                <a:r>
+                  <a:rPr lang="ja-JP" altLang="en-US" dirty="0">
+                    <a:latin typeface="メイリオ" panose="020B0604030504040204" pitchFamily="50" charset="-128"/>
+                    <a:ea typeface="メイリオ" panose="020B0604030504040204" pitchFamily="50" charset="-128"/>
+                    <a:cs typeface="メイリオ" panose="020B0604030504040204" pitchFamily="50" charset="-128"/>
+                  </a:rPr>
+                  <a:t>に動かすと差分が最大になるか？つまり，画像の変化が大きいか？である．そのため以下の最大化問題を考える．</a:t>
+                </a:r>
+                <a:endParaRPr lang="en-US" altLang="ja-JP" dirty="0">
+                  <a:latin typeface="メイリオ" panose="020B0604030504040204" pitchFamily="50" charset="-128"/>
+                  <a:ea typeface="メイリオ" panose="020B0604030504040204" pitchFamily="50" charset="-128"/>
+                  <a:cs typeface="メイリオ" panose="020B0604030504040204" pitchFamily="50" charset="-128"/>
+                </a:endParaRPr>
+              </a:p>
+              <a:p>
+                <a:pPr>
+                  <a:spcBef>
+                    <a:spcPts val="600"/>
+                  </a:spcBef>
+                </a:pPr>
+                <a14:m>
+                  <m:oMathPara xmlns:m="http://schemas.openxmlformats.org/officeDocument/2006/math">
+                    <m:oMathParaPr>
+                      <m:jc m:val="centerGroup"/>
+                    </m:oMathParaPr>
+                    <m:oMath xmlns:m="http://schemas.openxmlformats.org/officeDocument/2006/math">
+                      <m:r>
+                        <a:rPr lang="en-US" altLang="ja-JP" b="0" i="1" smtClean="0">
+                          <a:latin typeface="Cambria Math" panose="02040503050406030204" pitchFamily="18" charset="0"/>
+                        </a:rPr>
+                        <m:t>𝑎𝑟𝑔𝑚𝑎𝑥</m:t>
+                      </m:r>
+                      <m:f>
+                        <m:fPr>
+                          <m:ctrlPr>
+                            <a:rPr lang="en-US" altLang="ja-JP" b="1" i="1" smtClean="0">
+                              <a:latin typeface="Cambria Math" panose="02040503050406030204" pitchFamily="18" charset="0"/>
+                            </a:rPr>
+                          </m:ctrlPr>
+                        </m:fPr>
+                        <m:num>
+                          <m:d>
+                            <m:dPr>
+                              <m:ctrlPr>
+                                <a:rPr lang="en-US" altLang="ja-JP" i="1">
+                                  <a:latin typeface="Cambria Math" panose="02040503050406030204" pitchFamily="18" charset="0"/>
+                                </a:rPr>
+                              </m:ctrlPr>
+                            </m:dPr>
+                            <m:e>
+                              <m:r>
+                                <a:rPr lang="en-US" altLang="ja-JP" b="0" i="1" smtClean="0">
+                                  <a:latin typeface="Cambria Math" panose="02040503050406030204" pitchFamily="18" charset="0"/>
+                                </a:rPr>
+                                <m:t>𝑢</m:t>
+                              </m:r>
+                              <m:r>
+                                <a:rPr lang="en-US" altLang="ja-JP" i="1">
+                                  <a:latin typeface="Cambria Math" panose="02040503050406030204" pitchFamily="18" charset="0"/>
+                                </a:rPr>
+                                <m:t>,</m:t>
+                              </m:r>
+                              <m:r>
+                                <a:rPr lang="en-US" altLang="ja-JP" b="0" i="1" smtClean="0">
+                                  <a:latin typeface="Cambria Math" panose="02040503050406030204" pitchFamily="18" charset="0"/>
+                                </a:rPr>
+                                <m:t>𝑣</m:t>
+                              </m:r>
+                            </m:e>
+                          </m:d>
+                          <m:r>
+                            <a:rPr lang="en-US" altLang="ja-JP" b="1">
+                              <a:latin typeface="Cambria Math" panose="02040503050406030204" pitchFamily="18" charset="0"/>
+                            </a:rPr>
+                            <m:t>𝐀</m:t>
+                          </m:r>
+                          <m:d>
+                            <m:dPr>
+                              <m:ctrlPr>
+                                <a:rPr lang="en-US" altLang="ja-JP" b="1" i="1">
+                                  <a:latin typeface="Cambria Math" panose="02040503050406030204" pitchFamily="18" charset="0"/>
+                                </a:rPr>
+                              </m:ctrlPr>
+                            </m:dPr>
+                            <m:e>
+                              <m:m>
+                                <m:mPr>
+                                  <m:mcs>
+                                    <m:mc>
+                                      <m:mcPr>
+                                        <m:count m:val="1"/>
+                                        <m:mcJc m:val="center"/>
+                                      </m:mcPr>
+                                    </m:mc>
+                                  </m:mcs>
+                                  <m:ctrlPr>
+                                    <a:rPr lang="en-US" altLang="ja-JP" i="1">
+                                      <a:latin typeface="Cambria Math" panose="02040503050406030204" pitchFamily="18" charset="0"/>
+                                    </a:rPr>
+                                  </m:ctrlPr>
+                                </m:mPr>
+                                <m:mr>
+                                  <m:e>
+                                    <m:r>
+                                      <a:rPr lang="en-US" altLang="ja-JP" b="0" i="1" smtClean="0">
+                                        <a:latin typeface="Cambria Math" panose="02040503050406030204" pitchFamily="18" charset="0"/>
+                                      </a:rPr>
+                                      <m:t>𝑢</m:t>
+                                    </m:r>
+                                  </m:e>
+                                </m:mr>
+                                <m:mr>
+                                  <m:e>
+                                    <m:r>
+                                      <a:rPr lang="en-US" altLang="ja-JP" b="0" i="1" smtClean="0">
+                                        <a:latin typeface="Cambria Math" panose="02040503050406030204" pitchFamily="18" charset="0"/>
+                                      </a:rPr>
+                                      <m:t>𝑣</m:t>
+                                    </m:r>
+                                  </m:e>
+                                </m:mr>
+                              </m:m>
+                            </m:e>
+                          </m:d>
+                        </m:num>
+                        <m:den>
+                          <m:d>
+                            <m:dPr>
+                              <m:ctrlPr>
+                                <a:rPr lang="en-US" altLang="ja-JP" i="1">
+                                  <a:latin typeface="Cambria Math" panose="02040503050406030204" pitchFamily="18" charset="0"/>
+                                </a:rPr>
+                              </m:ctrlPr>
+                            </m:dPr>
+                            <m:e>
+                              <m:r>
+                                <a:rPr lang="en-US" altLang="ja-JP" b="0" i="1" smtClean="0">
+                                  <a:latin typeface="Cambria Math" panose="02040503050406030204" pitchFamily="18" charset="0"/>
+                                </a:rPr>
+                                <m:t>𝑢</m:t>
+                              </m:r>
+                              <m:r>
+                                <a:rPr lang="en-US" altLang="ja-JP" i="1">
+                                  <a:latin typeface="Cambria Math" panose="02040503050406030204" pitchFamily="18" charset="0"/>
+                                </a:rPr>
+                                <m:t>,</m:t>
+                              </m:r>
+                              <m:r>
+                                <a:rPr lang="en-US" altLang="ja-JP" b="0" i="1" smtClean="0">
+                                  <a:latin typeface="Cambria Math" panose="02040503050406030204" pitchFamily="18" charset="0"/>
+                                </a:rPr>
+                                <m:t>𝑣</m:t>
+                              </m:r>
+                            </m:e>
+                          </m:d>
+                          <m:d>
+                            <m:dPr>
+                              <m:ctrlPr>
+                                <a:rPr lang="en-US" altLang="ja-JP" b="1" i="1">
+                                  <a:latin typeface="Cambria Math" panose="02040503050406030204" pitchFamily="18" charset="0"/>
+                                </a:rPr>
+                              </m:ctrlPr>
+                            </m:dPr>
+                            <m:e>
+                              <m:m>
+                                <m:mPr>
+                                  <m:mcs>
+                                    <m:mc>
+                                      <m:mcPr>
+                                        <m:count m:val="1"/>
+                                        <m:mcJc m:val="center"/>
+                                      </m:mcPr>
+                                    </m:mc>
+                                  </m:mcs>
+                                  <m:ctrlPr>
+                                    <a:rPr lang="en-US" altLang="ja-JP" i="1">
+                                      <a:latin typeface="Cambria Math" panose="02040503050406030204" pitchFamily="18" charset="0"/>
+                                    </a:rPr>
+                                  </m:ctrlPr>
+                                </m:mPr>
+                                <m:mr>
+                                  <m:e>
+                                    <m:r>
+                                      <a:rPr lang="en-US" altLang="ja-JP" b="0" i="1" smtClean="0">
+                                        <a:latin typeface="Cambria Math" panose="02040503050406030204" pitchFamily="18" charset="0"/>
+                                      </a:rPr>
+                                      <m:t>𝑢</m:t>
+                                    </m:r>
+                                  </m:e>
+                                </m:mr>
+                                <m:mr>
+                                  <m:e>
+                                    <m:r>
+                                      <a:rPr lang="en-US" altLang="ja-JP" b="0" i="1" smtClean="0">
+                                        <a:latin typeface="Cambria Math" panose="02040503050406030204" pitchFamily="18" charset="0"/>
+                                      </a:rPr>
+                                      <m:t>𝑣</m:t>
+                                    </m:r>
+                                  </m:e>
+                                </m:mr>
+                              </m:m>
+                            </m:e>
+                          </m:d>
+                        </m:den>
+                      </m:f>
+                    </m:oMath>
+                  </m:oMathPara>
+                </a14:m>
+                <a:endParaRPr lang="en-US" altLang="ja-JP" dirty="0">
+                  <a:latin typeface="メイリオ" panose="020B0604030504040204" pitchFamily="50" charset="-128"/>
+                  <a:ea typeface="メイリオ" panose="020B0604030504040204" pitchFamily="50" charset="-128"/>
+                  <a:cs typeface="メイリオ" panose="020B0604030504040204" pitchFamily="50" charset="-128"/>
+                </a:endParaRPr>
+              </a:p>
+              <a:p>
+                <a:pPr>
+                  <a:spcBef>
+                    <a:spcPts val="600"/>
+                  </a:spcBef>
+                </a:pPr>
+                <a:r>
+                  <a:rPr lang="ja-JP" altLang="en-US" dirty="0">
+                    <a:latin typeface="メイリオ" panose="020B0604030504040204" pitchFamily="50" charset="-128"/>
+                    <a:ea typeface="メイリオ" panose="020B0604030504040204" pitchFamily="50" charset="-128"/>
+                    <a:cs typeface="メイリオ" panose="020B0604030504040204" pitchFamily="50" charset="-128"/>
+                  </a:rPr>
+                  <a:t>この目的関数はレイリー商と呼ばれ，</a:t>
+                </a:r>
+                <a:r>
+                  <a:rPr lang="en-US" altLang="ja-JP" dirty="0">
+                    <a:latin typeface="メイリオ" panose="020B0604030504040204" pitchFamily="50" charset="-128"/>
+                    <a:ea typeface="メイリオ" panose="020B0604030504040204" pitchFamily="50" charset="-128"/>
+                    <a:cs typeface="メイリオ" panose="020B0604030504040204" pitchFamily="50" charset="-128"/>
+                  </a:rPr>
+                  <a:t>(</a:t>
+                </a:r>
+                <a:r>
+                  <a:rPr lang="en-US" altLang="ja-JP" i="1" dirty="0" err="1">
+                    <a:latin typeface="メイリオ" panose="020B0604030504040204" pitchFamily="50" charset="-128"/>
+                    <a:ea typeface="メイリオ" panose="020B0604030504040204" pitchFamily="50" charset="-128"/>
+                    <a:cs typeface="メイリオ" panose="020B0604030504040204" pitchFamily="50" charset="-128"/>
+                  </a:rPr>
+                  <a:t>u,v</a:t>
+                </a:r>
+                <a:r>
+                  <a:rPr lang="en-US" altLang="ja-JP" dirty="0">
+                    <a:latin typeface="メイリオ" panose="020B0604030504040204" pitchFamily="50" charset="-128"/>
+                    <a:ea typeface="メイリオ" panose="020B0604030504040204" pitchFamily="50" charset="-128"/>
+                    <a:cs typeface="メイリオ" panose="020B0604030504040204" pitchFamily="50" charset="-128"/>
+                  </a:rPr>
+                  <a:t>)</a:t>
+                </a:r>
+                <a:r>
+                  <a:rPr lang="ja-JP" altLang="en-US" dirty="0">
+                    <a:latin typeface="メイリオ" panose="020B0604030504040204" pitchFamily="50" charset="-128"/>
+                    <a:ea typeface="メイリオ" panose="020B0604030504040204" pitchFamily="50" charset="-128"/>
+                    <a:cs typeface="メイリオ" panose="020B0604030504040204" pitchFamily="50" charset="-128"/>
+                  </a:rPr>
+                  <a:t>が行列</a:t>
+                </a:r>
+                <a:r>
+                  <a:rPr lang="en-US" altLang="ja-JP" dirty="0">
+                    <a:latin typeface="メイリオ" panose="020B0604030504040204" pitchFamily="50" charset="-128"/>
+                    <a:ea typeface="メイリオ" panose="020B0604030504040204" pitchFamily="50" charset="-128"/>
+                    <a:cs typeface="メイリオ" panose="020B0604030504040204" pitchFamily="50" charset="-128"/>
+                  </a:rPr>
+                  <a:t>A</a:t>
+                </a:r>
+                <a:r>
+                  <a:rPr lang="ja-JP" altLang="en-US" dirty="0">
+                    <a:latin typeface="メイリオ" panose="020B0604030504040204" pitchFamily="50" charset="-128"/>
+                    <a:ea typeface="メイリオ" panose="020B0604030504040204" pitchFamily="50" charset="-128"/>
+                    <a:cs typeface="メイリオ" panose="020B0604030504040204" pitchFamily="50" charset="-128"/>
+                  </a:rPr>
+                  <a:t>の固有ベクトルに一致するとき，最大値（最小値）をとり，最大値・最小値は固有値と一致することが知られている</a:t>
+                </a:r>
+                <a:r>
+                  <a:rPr lang="en-US" altLang="ja-JP" dirty="0">
+                    <a:latin typeface="メイリオ" panose="020B0604030504040204" pitchFamily="50" charset="-128"/>
+                    <a:ea typeface="メイリオ" panose="020B0604030504040204" pitchFamily="50" charset="-128"/>
+                    <a:cs typeface="メイリオ" panose="020B0604030504040204" pitchFamily="50" charset="-128"/>
+                  </a:rPr>
+                  <a:t>(</a:t>
+                </a:r>
+                <a:r>
+                  <a:rPr lang="ja-JP" altLang="en-US" dirty="0">
+                    <a:latin typeface="メイリオ" panose="020B0604030504040204" pitchFamily="50" charset="-128"/>
+                    <a:ea typeface="メイリオ" panose="020B0604030504040204" pitchFamily="50" charset="-128"/>
+                    <a:cs typeface="メイリオ" panose="020B0604030504040204" pitchFamily="50" charset="-128"/>
+                  </a:rPr>
+                  <a:t>証明省略</a:t>
+                </a:r>
+                <a:r>
+                  <a:rPr lang="en-US" altLang="ja-JP" dirty="0">
+                    <a:latin typeface="メイリオ" panose="020B0604030504040204" pitchFamily="50" charset="-128"/>
+                    <a:ea typeface="メイリオ" panose="020B0604030504040204" pitchFamily="50" charset="-128"/>
+                    <a:cs typeface="メイリオ" panose="020B0604030504040204" pitchFamily="50" charset="-128"/>
+                  </a:rPr>
+                  <a:t>)</a:t>
+                </a:r>
+                <a:r>
+                  <a:rPr lang="ja-JP" altLang="en-US" dirty="0" err="1">
+                    <a:latin typeface="メイリオ" panose="020B0604030504040204" pitchFamily="50" charset="-128"/>
+                    <a:ea typeface="メイリオ" panose="020B0604030504040204" pitchFamily="50" charset="-128"/>
+                    <a:cs typeface="メイリオ" panose="020B0604030504040204" pitchFamily="50" charset="-128"/>
+                  </a:rPr>
+                  <a:t>．</a:t>
+                </a:r>
+                <a:endParaRPr lang="en-US" altLang="ja-JP" dirty="0">
+                  <a:latin typeface="メイリオ" panose="020B0604030504040204" pitchFamily="50" charset="-128"/>
+                  <a:ea typeface="メイリオ" panose="020B0604030504040204" pitchFamily="50" charset="-128"/>
+                  <a:cs typeface="メイリオ" panose="020B0604030504040204" pitchFamily="50" charset="-128"/>
+                </a:endParaRPr>
+              </a:p>
+              <a:p>
+                <a:pPr>
+                  <a:spcBef>
+                    <a:spcPts val="600"/>
+                  </a:spcBef>
+                </a:pPr>
+                <a:r>
+                  <a:rPr lang="ja-JP" altLang="en-US" dirty="0">
+                    <a:latin typeface="メイリオ" panose="020B0604030504040204" pitchFamily="50" charset="-128"/>
+                    <a:ea typeface="メイリオ" panose="020B0604030504040204" pitchFamily="50" charset="-128"/>
+                    <a:cs typeface="メイリオ" panose="020B0604030504040204" pitchFamily="50" charset="-128"/>
+                  </a:rPr>
+                  <a:t>つまり，</a:t>
+                </a:r>
+                <a:r>
+                  <a:rPr lang="en-US" altLang="ja-JP" dirty="0">
+                    <a:latin typeface="メイリオ" panose="020B0604030504040204" pitchFamily="50" charset="-128"/>
+                    <a:ea typeface="メイリオ" panose="020B0604030504040204" pitchFamily="50" charset="-128"/>
+                    <a:cs typeface="メイリオ" panose="020B0604030504040204" pitchFamily="50" charset="-128"/>
+                  </a:rPr>
+                  <a:t>Structure Tensor matrix</a:t>
+                </a:r>
+                <a:r>
+                  <a:rPr lang="ja-JP" altLang="en-US" dirty="0">
+                    <a:latin typeface="メイリオ" panose="020B0604030504040204" pitchFamily="50" charset="-128"/>
+                    <a:ea typeface="メイリオ" panose="020B0604030504040204" pitchFamily="50" charset="-128"/>
+                    <a:cs typeface="メイリオ" panose="020B0604030504040204" pitchFamily="50" charset="-128"/>
+                  </a:rPr>
+                  <a:t>の固有値固有ベクトルを</a:t>
+                </a:r>
+                <a14:m>
+                  <m:oMath xmlns:m="http://schemas.openxmlformats.org/officeDocument/2006/math">
+                    <m:sSub>
+                      <m:sSubPr>
+                        <m:ctrlPr>
+                          <a:rPr lang="en-US" altLang="ja-JP" i="1">
+                            <a:latin typeface="Cambria Math" panose="02040503050406030204" pitchFamily="18" charset="0"/>
+                          </a:rPr>
+                        </m:ctrlPr>
+                      </m:sSubPr>
+                      <m:e>
+                        <m:r>
+                          <a:rPr lang="en-US" altLang="ja-JP" i="1">
+                            <a:latin typeface="Cambria Math" panose="02040503050406030204" pitchFamily="18" charset="0"/>
+                          </a:rPr>
+                          <m:t>𝜆</m:t>
+                        </m:r>
+                      </m:e>
+                      <m:sub>
+                        <m:r>
+                          <a:rPr lang="en-US" altLang="ja-JP" i="1">
+                            <a:latin typeface="Cambria Math" panose="02040503050406030204" pitchFamily="18" charset="0"/>
+                          </a:rPr>
+                          <m:t>1</m:t>
+                        </m:r>
+                      </m:sub>
+                    </m:sSub>
+                    <m:r>
+                      <a:rPr lang="en-US" altLang="ja-JP" i="1">
+                        <a:latin typeface="Cambria Math" panose="02040503050406030204" pitchFamily="18" charset="0"/>
+                      </a:rPr>
+                      <m:t>, </m:t>
+                    </m:r>
+                    <m:sSub>
+                      <m:sSubPr>
+                        <m:ctrlPr>
+                          <a:rPr lang="en-US" altLang="ja-JP" i="1">
+                            <a:latin typeface="Cambria Math" panose="02040503050406030204" pitchFamily="18" charset="0"/>
+                          </a:rPr>
+                        </m:ctrlPr>
+                      </m:sSubPr>
+                      <m:e>
+                        <m:r>
+                          <a:rPr lang="en-US" altLang="ja-JP" i="1">
+                            <a:latin typeface="Cambria Math" panose="02040503050406030204" pitchFamily="18" charset="0"/>
+                          </a:rPr>
+                          <m:t>𝜆</m:t>
+                        </m:r>
+                      </m:e>
+                      <m:sub>
+                        <m:r>
+                          <a:rPr lang="en-US" altLang="ja-JP" i="1">
+                            <a:latin typeface="Cambria Math" panose="02040503050406030204" pitchFamily="18" charset="0"/>
+                          </a:rPr>
+                          <m:t>2</m:t>
+                        </m:r>
+                      </m:sub>
+                    </m:sSub>
+                  </m:oMath>
+                </a14:m>
+                <a:r>
+                  <a:rPr lang="en-US" altLang="ja-JP" dirty="0"/>
+                  <a:t> (</a:t>
+                </a:r>
+                <a14:m>
+                  <m:oMath xmlns:m="http://schemas.openxmlformats.org/officeDocument/2006/math">
+                    <m:sSub>
+                      <m:sSubPr>
+                        <m:ctrlPr>
+                          <a:rPr lang="en-US" altLang="ja-JP" i="1">
+                            <a:latin typeface="Cambria Math" panose="02040503050406030204" pitchFamily="18" charset="0"/>
+                          </a:rPr>
+                        </m:ctrlPr>
+                      </m:sSubPr>
+                      <m:e>
+                        <m:r>
+                          <a:rPr lang="en-US" altLang="ja-JP" i="1">
+                            <a:latin typeface="Cambria Math" panose="02040503050406030204" pitchFamily="18" charset="0"/>
+                          </a:rPr>
+                          <m:t>𝜆</m:t>
+                        </m:r>
+                      </m:e>
+                      <m:sub>
+                        <m:r>
+                          <a:rPr lang="en-US" altLang="ja-JP" i="1">
+                            <a:latin typeface="Cambria Math" panose="02040503050406030204" pitchFamily="18" charset="0"/>
+                          </a:rPr>
+                          <m:t>1</m:t>
+                        </m:r>
+                      </m:sub>
+                    </m:sSub>
+                    <m:r>
+                      <a:rPr lang="en-US" altLang="ja-JP" i="1">
+                        <a:latin typeface="Cambria Math" panose="02040503050406030204" pitchFamily="18" charset="0"/>
+                      </a:rPr>
+                      <m:t>&gt;</m:t>
+                    </m:r>
+                    <m:sSub>
+                      <m:sSubPr>
+                        <m:ctrlPr>
+                          <a:rPr lang="en-US" altLang="ja-JP" i="1">
+                            <a:latin typeface="Cambria Math" panose="02040503050406030204" pitchFamily="18" charset="0"/>
+                          </a:rPr>
+                        </m:ctrlPr>
+                      </m:sSubPr>
+                      <m:e>
+                        <m:r>
+                          <a:rPr lang="en-US" altLang="ja-JP" i="1">
+                            <a:latin typeface="Cambria Math" panose="02040503050406030204" pitchFamily="18" charset="0"/>
+                          </a:rPr>
+                          <m:t>𝜆</m:t>
+                        </m:r>
+                      </m:e>
+                      <m:sub>
+                        <m:r>
+                          <a:rPr lang="en-US" altLang="ja-JP" i="1">
+                            <a:latin typeface="Cambria Math" panose="02040503050406030204" pitchFamily="18" charset="0"/>
+                          </a:rPr>
+                          <m:t>2</m:t>
+                        </m:r>
+                      </m:sub>
+                    </m:sSub>
+                  </m:oMath>
+                </a14:m>
+                <a:r>
+                  <a:rPr lang="en-US" altLang="ja-JP" dirty="0"/>
+                  <a:t>)</a:t>
+                </a:r>
+              </a:p>
+              <a:p>
+                <a:pPr>
+                  <a:spcBef>
+                    <a:spcPts val="600"/>
+                  </a:spcBef>
+                </a:pPr>
+                <a14:m>
+                  <m:oMath xmlns:m="http://schemas.openxmlformats.org/officeDocument/2006/math">
+                    <m:sSub>
+                      <m:sSubPr>
+                        <m:ctrlPr>
+                          <a:rPr lang="en-US" altLang="ja-JP" i="1">
+                            <a:latin typeface="Cambria Math" panose="02040503050406030204" pitchFamily="18" charset="0"/>
+                          </a:rPr>
+                        </m:ctrlPr>
+                      </m:sSubPr>
+                      <m:e>
+                        <m:r>
+                          <a:rPr lang="en-US" altLang="ja-JP" b="1">
+                            <a:latin typeface="Cambria Math" panose="02040503050406030204" pitchFamily="18" charset="0"/>
+                          </a:rPr>
+                          <m:t>𝐯</m:t>
+                        </m:r>
+                      </m:e>
+                      <m:sub>
+                        <m:r>
+                          <a:rPr lang="en-US" altLang="ja-JP" i="1">
+                            <a:latin typeface="Cambria Math" panose="02040503050406030204" pitchFamily="18" charset="0"/>
+                          </a:rPr>
+                          <m:t>1</m:t>
+                        </m:r>
+                      </m:sub>
+                    </m:sSub>
+                    <m:r>
+                      <a:rPr lang="en-US" altLang="ja-JP" i="1">
+                        <a:latin typeface="Cambria Math" panose="02040503050406030204" pitchFamily="18" charset="0"/>
+                      </a:rPr>
+                      <m:t>, </m:t>
+                    </m:r>
+                    <m:sSub>
+                      <m:sSubPr>
+                        <m:ctrlPr>
+                          <a:rPr lang="en-US" altLang="ja-JP" b="1" i="1">
+                            <a:latin typeface="Cambria Math" panose="02040503050406030204" pitchFamily="18" charset="0"/>
+                          </a:rPr>
+                        </m:ctrlPr>
+                      </m:sSubPr>
+                      <m:e>
+                        <m:r>
+                          <a:rPr lang="en-US" altLang="ja-JP" b="1">
+                            <a:latin typeface="Cambria Math" panose="02040503050406030204" pitchFamily="18" charset="0"/>
+                          </a:rPr>
+                          <m:t>𝐯</m:t>
+                        </m:r>
+                      </m:e>
+                      <m:sub>
+                        <m:r>
+                          <a:rPr lang="en-US" altLang="ja-JP">
+                            <a:latin typeface="Cambria Math" panose="02040503050406030204" pitchFamily="18" charset="0"/>
+                          </a:rPr>
+                          <m:t>2</m:t>
+                        </m:r>
+                      </m:sub>
+                    </m:sSub>
+                  </m:oMath>
+                </a14:m>
+                <a:r>
+                  <a:rPr lang="ja-JP" altLang="en-US" dirty="0">
+                    <a:latin typeface="メイリオ" panose="020B0604030504040204" pitchFamily="50" charset="-128"/>
+                    <a:ea typeface="メイリオ" panose="020B0604030504040204" pitchFamily="50" charset="-128"/>
+                    <a:cs typeface="メイリオ" panose="020B0604030504040204" pitchFamily="50" charset="-128"/>
+                  </a:rPr>
+                  <a:t>とすると，</a:t>
+                </a:r>
+                <a:r>
+                  <a:rPr lang="en-US" altLang="ja-JP" dirty="0">
+                    <a:latin typeface="メイリオ" panose="020B0604030504040204" pitchFamily="50" charset="-128"/>
+                    <a:ea typeface="メイリオ" panose="020B0604030504040204" pitchFamily="50" charset="-128"/>
+                    <a:cs typeface="メイリオ" panose="020B0604030504040204" pitchFamily="50" charset="-128"/>
+                  </a:rPr>
+                  <a:t>(</a:t>
+                </a:r>
+                <a:r>
+                  <a:rPr lang="en-US" altLang="ja-JP" i="1" dirty="0" err="1">
+                    <a:latin typeface="メイリオ" panose="020B0604030504040204" pitchFamily="50" charset="-128"/>
+                    <a:ea typeface="メイリオ" panose="020B0604030504040204" pitchFamily="50" charset="-128"/>
+                    <a:cs typeface="メイリオ" panose="020B0604030504040204" pitchFamily="50" charset="-128"/>
+                  </a:rPr>
+                  <a:t>u,v</a:t>
+                </a:r>
+                <a:r>
+                  <a:rPr lang="en-US" altLang="ja-JP" dirty="0">
+                    <a:latin typeface="メイリオ" panose="020B0604030504040204" pitchFamily="50" charset="-128"/>
+                    <a:ea typeface="メイリオ" panose="020B0604030504040204" pitchFamily="50" charset="-128"/>
+                    <a:cs typeface="メイリオ" panose="020B0604030504040204" pitchFamily="50" charset="-128"/>
+                  </a:rPr>
+                  <a:t>)</a:t>
+                </a:r>
+                <a:r>
+                  <a:rPr lang="ja-JP" altLang="en-US" dirty="0">
+                    <a:latin typeface="メイリオ" panose="020B0604030504040204" pitchFamily="50" charset="-128"/>
+                    <a:ea typeface="メイリオ" panose="020B0604030504040204" pitchFamily="50" charset="-128"/>
+                    <a:cs typeface="メイリオ" panose="020B0604030504040204" pitchFamily="50" charset="-128"/>
+                  </a:rPr>
+                  <a:t>が</a:t>
+                </a:r>
+                <a14:m>
+                  <m:oMath xmlns:m="http://schemas.openxmlformats.org/officeDocument/2006/math">
+                    <m:sSub>
+                      <m:sSubPr>
+                        <m:ctrlPr>
+                          <a:rPr lang="en-US" altLang="ja-JP" i="1">
+                            <a:latin typeface="Cambria Math" panose="02040503050406030204" pitchFamily="18" charset="0"/>
+                          </a:rPr>
+                        </m:ctrlPr>
+                      </m:sSubPr>
+                      <m:e>
+                        <m:r>
+                          <a:rPr lang="en-US" altLang="ja-JP" b="1">
+                            <a:latin typeface="Cambria Math" panose="02040503050406030204" pitchFamily="18" charset="0"/>
+                          </a:rPr>
+                          <m:t>𝐯</m:t>
+                        </m:r>
+                      </m:e>
+                      <m:sub>
+                        <m:r>
+                          <a:rPr lang="en-US" altLang="ja-JP" i="1">
+                            <a:latin typeface="Cambria Math" panose="02040503050406030204" pitchFamily="18" charset="0"/>
+                          </a:rPr>
+                          <m:t>1</m:t>
+                        </m:r>
+                      </m:sub>
+                    </m:sSub>
+                  </m:oMath>
+                </a14:m>
+                <a:r>
+                  <a:rPr lang="ja-JP" altLang="en-US" dirty="0">
+                    <a:latin typeface="メイリオ" panose="020B0604030504040204" pitchFamily="50" charset="-128"/>
+                    <a:ea typeface="メイリオ" panose="020B0604030504040204" pitchFamily="50" charset="-128"/>
+                    <a:cs typeface="メイリオ" panose="020B0604030504040204" pitchFamily="50" charset="-128"/>
+                  </a:rPr>
+                  <a:t>に一致するときに画像は最も大きく変化する．</a:t>
+                </a:r>
+                <a:endParaRPr lang="en-US" altLang="ja-JP" dirty="0">
+                  <a:latin typeface="メイリオ" panose="020B0604030504040204" pitchFamily="50" charset="-128"/>
+                  <a:ea typeface="メイリオ" panose="020B0604030504040204" pitchFamily="50" charset="-128"/>
+                  <a:cs typeface="メイリオ" panose="020B0604030504040204" pitchFamily="50" charset="-128"/>
+                </a:endParaRPr>
+              </a:p>
+              <a:p>
+                <a:pPr>
+                  <a:spcBef>
+                    <a:spcPts val="600"/>
+                  </a:spcBef>
+                </a:pPr>
+                <a:r>
+                  <a:rPr lang="ja-JP" altLang="en-US" dirty="0">
+                    <a:latin typeface="メイリオ" panose="020B0604030504040204" pitchFamily="50" charset="-128"/>
+                    <a:ea typeface="メイリオ" panose="020B0604030504040204" pitchFamily="50" charset="-128"/>
+                    <a:cs typeface="メイリオ" panose="020B0604030504040204" pitchFamily="50" charset="-128"/>
+                  </a:rPr>
+                  <a:t>また</a:t>
+                </a:r>
+                <a:r>
+                  <a:rPr lang="en-US" altLang="ja-JP" dirty="0">
+                    <a:latin typeface="メイリオ" panose="020B0604030504040204" pitchFamily="50" charset="-128"/>
+                    <a:ea typeface="メイリオ" panose="020B0604030504040204" pitchFamily="50" charset="-128"/>
+                    <a:cs typeface="メイリオ" panose="020B0604030504040204" pitchFamily="50" charset="-128"/>
+                  </a:rPr>
+                  <a:t>(</a:t>
+                </a:r>
+                <a:r>
+                  <a:rPr lang="en-US" altLang="ja-JP" i="1" dirty="0" err="1">
+                    <a:latin typeface="メイリオ" panose="020B0604030504040204" pitchFamily="50" charset="-128"/>
+                    <a:ea typeface="メイリオ" panose="020B0604030504040204" pitchFamily="50" charset="-128"/>
+                    <a:cs typeface="メイリオ" panose="020B0604030504040204" pitchFamily="50" charset="-128"/>
+                  </a:rPr>
+                  <a:t>u,v</a:t>
+                </a:r>
+                <a:r>
+                  <a:rPr lang="en-US" altLang="ja-JP" dirty="0">
+                    <a:latin typeface="メイリオ" panose="020B0604030504040204" pitchFamily="50" charset="-128"/>
+                    <a:ea typeface="メイリオ" panose="020B0604030504040204" pitchFamily="50" charset="-128"/>
+                    <a:cs typeface="メイリオ" panose="020B0604030504040204" pitchFamily="50" charset="-128"/>
+                  </a:rPr>
+                  <a:t>)</a:t>
+                </a:r>
+                <a:r>
+                  <a:rPr lang="ja-JP" altLang="en-US" dirty="0">
+                    <a:latin typeface="メイリオ" panose="020B0604030504040204" pitchFamily="50" charset="-128"/>
+                    <a:ea typeface="メイリオ" panose="020B0604030504040204" pitchFamily="50" charset="-128"/>
+                    <a:cs typeface="メイリオ" panose="020B0604030504040204" pitchFamily="50" charset="-128"/>
+                  </a:rPr>
+                  <a:t>が</a:t>
+                </a:r>
+                <a14:m>
+                  <m:oMath xmlns:m="http://schemas.openxmlformats.org/officeDocument/2006/math">
+                    <m:sSub>
+                      <m:sSubPr>
+                        <m:ctrlPr>
+                          <a:rPr lang="en-US" altLang="ja-JP" i="1">
+                            <a:latin typeface="Cambria Math" panose="02040503050406030204" pitchFamily="18" charset="0"/>
+                          </a:rPr>
+                        </m:ctrlPr>
+                      </m:sSubPr>
+                      <m:e>
+                        <m:r>
+                          <a:rPr lang="en-US" altLang="ja-JP" b="1">
+                            <a:latin typeface="Cambria Math" panose="02040503050406030204" pitchFamily="18" charset="0"/>
+                          </a:rPr>
+                          <m:t>𝐯</m:t>
+                        </m:r>
+                      </m:e>
+                      <m:sub>
+                        <m:r>
+                          <a:rPr lang="en-US" altLang="ja-JP" b="0" i="1" smtClean="0">
+                            <a:latin typeface="Cambria Math" panose="02040503050406030204" pitchFamily="18" charset="0"/>
+                          </a:rPr>
+                          <m:t>2</m:t>
+                        </m:r>
+                      </m:sub>
+                    </m:sSub>
+                  </m:oMath>
+                </a14:m>
+                <a:r>
+                  <a:rPr lang="ja-JP" altLang="en-US" dirty="0">
+                    <a:latin typeface="メイリオ" panose="020B0604030504040204" pitchFamily="50" charset="-128"/>
+                    <a:ea typeface="メイリオ" panose="020B0604030504040204" pitchFamily="50" charset="-128"/>
+                    <a:cs typeface="メイリオ" panose="020B0604030504040204" pitchFamily="50" charset="-128"/>
+                  </a:rPr>
+                  <a:t>に一致するとき画像の変化は最小になる．</a:t>
+                </a:r>
+                <a:endParaRPr lang="en-US" altLang="ja-JP" dirty="0">
+                  <a:latin typeface="メイリオ" panose="020B0604030504040204" pitchFamily="50" charset="-128"/>
+                  <a:ea typeface="メイリオ" panose="020B0604030504040204" pitchFamily="50" charset="-128"/>
+                  <a:cs typeface="メイリオ" panose="020B0604030504040204" pitchFamily="50" charset="-128"/>
+                </a:endParaRPr>
+              </a:p>
+            </p:txBody>
+          </p:sp>
+        </mc:Choice>
+        <mc:Fallback xmlns="">
+          <p:sp>
+            <p:nvSpPr>
+              <p:cNvPr id="8" name="正方形/長方形 7"/>
+              <p:cNvSpPr>
+                <a:spLocks noRot="1" noChangeAspect="1" noMove="1" noResize="1" noEditPoints="1" noAdjustHandles="1" noChangeArrowheads="1" noChangeShapeType="1" noTextEdit="1"/>
+              </p:cNvSpPr>
+              <p:nvPr/>
+            </p:nvSpPr>
+            <p:spPr>
+              <a:xfrm>
+                <a:off x="4011827" y="3130548"/>
+                <a:ext cx="7788876" cy="3582327"/>
+              </a:xfrm>
+              <a:prstGeom prst="rect">
+                <a:avLst/>
+              </a:prstGeom>
+              <a:blipFill>
+                <a:blip r:embed="rId3"/>
+                <a:stretch>
+                  <a:fillRect l="-626" t="-852" r="-1017"/>
+                </a:stretch>
+              </a:blipFill>
+            </p:spPr>
+            <p:txBody>
+              <a:bodyPr/>
+              <a:lstStyle/>
+              <a:p>
+                <a:r>
+                  <a:rPr lang="ja-JP" altLang="en-US">
+                    <a:noFill/>
+                  </a:rPr>
+                  <a:t> </a:t>
+                </a:r>
+              </a:p>
+            </p:txBody>
+          </p:sp>
+        </mc:Fallback>
+      </mc:AlternateContent>
+      <p:sp>
+        <p:nvSpPr>
+          <p:cNvPr id="9" name="スライド番号プレースホルダー 8"/>
+          <p:cNvSpPr>
+            <a:spLocks noGrp="1"/>
+          </p:cNvSpPr>
+          <p:nvPr>
+            <p:ph type="sldNum" sz="quarter" idx="12"/>
+          </p:nvPr>
+        </p:nvSpPr>
+        <p:spPr/>
+        <p:txBody>
+          <a:bodyPr/>
+          <a:lstStyle/>
+          <a:p>
+            <a:fld id="{F35DE295-420C-4265-BE54-AE59FA4027A6}" type="slidenum">
+              <a:rPr kumimoji="1" lang="ja-JP" altLang="en-US" smtClean="0"/>
+              <a:t>29</a:t>
+            </a:fld>
+            <a:endParaRPr kumimoji="1" lang="ja-JP" altLang="en-US"/>
+          </a:p>
+        </p:txBody>
+      </p:sp>
+      <p:grpSp>
+        <p:nvGrpSpPr>
+          <p:cNvPr id="27" name="グループ化 26"/>
+          <p:cNvGrpSpPr/>
+          <p:nvPr/>
+        </p:nvGrpSpPr>
+        <p:grpSpPr>
+          <a:xfrm>
+            <a:off x="456277" y="333828"/>
+            <a:ext cx="3284910" cy="3296896"/>
+            <a:chOff x="538403" y="1145540"/>
+            <a:chExt cx="2881072" cy="2891584"/>
+          </a:xfrm>
+        </p:grpSpPr>
+        <p:grpSp>
+          <p:nvGrpSpPr>
+            <p:cNvPr id="28" name="グループ化 27"/>
+            <p:cNvGrpSpPr/>
+            <p:nvPr/>
+          </p:nvGrpSpPr>
+          <p:grpSpPr>
+            <a:xfrm>
+              <a:off x="559998" y="1145540"/>
+              <a:ext cx="2859477" cy="2891584"/>
+              <a:chOff x="588572" y="1355090"/>
+              <a:chExt cx="2264384" cy="2289809"/>
+            </a:xfrm>
+          </p:grpSpPr>
+          <p:pic>
+            <p:nvPicPr>
+              <p:cNvPr id="34" name="図 33"/>
+              <p:cNvPicPr>
+                <a:picLocks noChangeAspect="1"/>
+              </p:cNvPicPr>
+              <p:nvPr/>
+            </p:nvPicPr>
+            <p:blipFill rotWithShape="1">
+              <a:blip r:embed="rId4">
+                <a:extLst>
+                  <a:ext uri="{28A0092B-C50C-407E-A947-70E740481C1C}">
+                    <a14:useLocalDpi xmlns:a14="http://schemas.microsoft.com/office/drawing/2010/main" val="0"/>
+                  </a:ext>
+                </a:extLst>
+              </a:blip>
+              <a:srcRect l="61147" t="28862" r="33520" b="63944"/>
+              <a:stretch/>
+            </p:blipFill>
+            <p:spPr>
+              <a:xfrm>
+                <a:off x="588572" y="1355090"/>
+                <a:ext cx="2264384" cy="2289809"/>
+              </a:xfrm>
+              <a:prstGeom prst="rect">
+                <a:avLst/>
+              </a:prstGeom>
+            </p:spPr>
+          </p:pic>
+          <p:grpSp>
+            <p:nvGrpSpPr>
+              <p:cNvPr id="35" name="グループ化 34"/>
+              <p:cNvGrpSpPr/>
+              <p:nvPr/>
+            </p:nvGrpSpPr>
+            <p:grpSpPr>
+              <a:xfrm>
+                <a:off x="1347788" y="1972918"/>
+                <a:ext cx="919313" cy="870295"/>
+                <a:chOff x="1347788" y="1972918"/>
+                <a:chExt cx="919313" cy="870295"/>
+              </a:xfrm>
+            </p:grpSpPr>
+            <p:sp>
+              <p:nvSpPr>
+                <p:cNvPr id="36" name="正方形/長方形 35"/>
+                <p:cNvSpPr/>
+                <p:nvPr/>
+              </p:nvSpPr>
+              <p:spPr>
+                <a:xfrm>
+                  <a:off x="1347788" y="2138363"/>
+                  <a:ext cx="704850" cy="704850"/>
+                </a:xfrm>
+                <a:prstGeom prst="rect">
+                  <a:avLst/>
+                </a:prstGeom>
+                <a:noFill/>
+                <a:ln w="22225">
+                  <a:solidFill>
+                    <a:srgbClr val="FF0000"/>
+                  </a:solidFill>
+                </a:ln>
+              </p:spPr>
+              <p:style>
+                <a:lnRef idx="2">
+                  <a:schemeClr val="accent1">
+                    <a:shade val="50000"/>
+                  </a:schemeClr>
+                </a:lnRef>
+                <a:fillRef idx="1">
+                  <a:schemeClr val="accent1"/>
+                </a:fillRef>
+                <a:effectRef idx="0">
+                  <a:schemeClr val="accent1"/>
+                </a:effectRef>
+                <a:fontRef idx="minor">
+                  <a:schemeClr val="lt1"/>
+                </a:fontRef>
+              </p:style>
+              <p:txBody>
+                <a:bodyPr rtlCol="0" anchor="ctr"/>
+                <a:lstStyle/>
+                <a:p>
+                  <a:pPr algn="ctr"/>
+                  <a:endParaRPr kumimoji="1" lang="ja-JP" altLang="en-US"/>
+                </a:p>
+              </p:txBody>
+            </p:sp>
+            <p:sp>
+              <p:nvSpPr>
+                <p:cNvPr id="37" name="正方形/長方形 36"/>
+                <p:cNvSpPr/>
+                <p:nvPr/>
+              </p:nvSpPr>
+              <p:spPr>
+                <a:xfrm>
+                  <a:off x="1562251" y="1972918"/>
+                  <a:ext cx="704850" cy="704850"/>
+                </a:xfrm>
+                <a:prstGeom prst="rect">
+                  <a:avLst/>
+                </a:prstGeom>
+                <a:noFill/>
+                <a:ln w="22225">
+                  <a:solidFill>
+                    <a:srgbClr val="FF0000"/>
+                  </a:solidFill>
+                </a:ln>
+              </p:spPr>
+              <p:style>
+                <a:lnRef idx="2">
+                  <a:schemeClr val="accent1">
+                    <a:shade val="50000"/>
+                  </a:schemeClr>
+                </a:lnRef>
+                <a:fillRef idx="1">
+                  <a:schemeClr val="accent1"/>
+                </a:fillRef>
+                <a:effectRef idx="0">
+                  <a:schemeClr val="accent1"/>
+                </a:effectRef>
+                <a:fontRef idx="minor">
+                  <a:schemeClr val="lt1"/>
+                </a:fontRef>
+              </p:style>
+              <p:txBody>
+                <a:bodyPr rtlCol="0" anchor="ctr"/>
+                <a:lstStyle/>
+                <a:p>
+                  <a:pPr algn="ctr"/>
+                  <a:endParaRPr kumimoji="1" lang="ja-JP" altLang="en-US"/>
+                </a:p>
+              </p:txBody>
+            </p:sp>
+          </p:grpSp>
+        </p:grpSp>
+        <p:sp>
+          <p:nvSpPr>
+            <p:cNvPr id="29" name="正方形/長方形 28"/>
+            <p:cNvSpPr/>
+            <p:nvPr/>
+          </p:nvSpPr>
+          <p:spPr>
+            <a:xfrm>
+              <a:off x="1165117" y="2701409"/>
+              <a:ext cx="374260" cy="620860"/>
+            </a:xfrm>
+            <a:prstGeom prst="rect">
+              <a:avLst/>
+            </a:prstGeom>
+          </p:spPr>
+          <p:txBody>
+            <a:bodyPr wrap="none">
+              <a:spAutoFit/>
+            </a:bodyPr>
+            <a:lstStyle/>
+            <a:p>
+              <a:r>
+                <a:rPr lang="en-US" altLang="ja-JP" sz="4000" b="1" dirty="0"/>
+                <a:t>S</a:t>
+              </a:r>
+              <a:endParaRPr lang="ja-JP" altLang="en-US" sz="4000" b="1" dirty="0"/>
+            </a:p>
+          </p:txBody>
+        </p:sp>
+        <p:sp>
+          <p:nvSpPr>
+            <p:cNvPr id="30" name="正方形/長方形 29"/>
+            <p:cNvSpPr/>
+            <p:nvPr/>
+          </p:nvSpPr>
+          <p:spPr>
+            <a:xfrm>
+              <a:off x="538403" y="1624272"/>
+              <a:ext cx="734180" cy="458897"/>
+            </a:xfrm>
+            <a:prstGeom prst="rect">
+              <a:avLst/>
+            </a:prstGeom>
+          </p:spPr>
+          <p:txBody>
+            <a:bodyPr wrap="none">
+              <a:spAutoFit/>
+            </a:bodyPr>
+            <a:lstStyle/>
+            <a:p>
+              <a:r>
+                <a:rPr lang="en-US" altLang="ja-JP" sz="2800" dirty="0"/>
+                <a:t>(</a:t>
+              </a:r>
+              <a:r>
+                <a:rPr lang="en-US" altLang="ja-JP" sz="2800" i="1" dirty="0" err="1"/>
+                <a:t>u,v</a:t>
+              </a:r>
+              <a:r>
+                <a:rPr lang="en-US" altLang="ja-JP" sz="2800" dirty="0"/>
+                <a:t>)</a:t>
+              </a:r>
+              <a:endParaRPr lang="ja-JP" altLang="en-US" sz="2800" dirty="0"/>
+            </a:p>
+          </p:txBody>
+        </p:sp>
+        <p:cxnSp>
+          <p:nvCxnSpPr>
+            <p:cNvPr id="31" name="直線矢印コネクタ 30"/>
+            <p:cNvCxnSpPr/>
+            <p:nvPr/>
+          </p:nvCxnSpPr>
+          <p:spPr>
+            <a:xfrm flipV="1">
+              <a:off x="1514284" y="1921281"/>
+              <a:ext cx="270825" cy="219781"/>
+            </a:xfrm>
+            <a:prstGeom prst="straightConnector1">
+              <a:avLst/>
+            </a:prstGeom>
+            <a:ln>
+              <a:solidFill>
+                <a:srgbClr val="FFFF00"/>
+              </a:solidFill>
+              <a:tailEnd type="triangle"/>
+            </a:ln>
+          </p:spPr>
+          <p:style>
+            <a:lnRef idx="1">
+              <a:schemeClr val="accent1"/>
+            </a:lnRef>
+            <a:fillRef idx="0">
+              <a:schemeClr val="accent1"/>
+            </a:fillRef>
+            <a:effectRef idx="0">
+              <a:schemeClr val="accent1"/>
+            </a:effectRef>
+            <a:fontRef idx="minor">
+              <a:schemeClr val="tx1"/>
+            </a:fontRef>
+          </p:style>
+        </p:cxnSp>
+        <p:sp>
+          <p:nvSpPr>
+            <p:cNvPr id="32" name="フリーフォーム 31"/>
+            <p:cNvSpPr/>
+            <p:nvPr/>
+          </p:nvSpPr>
+          <p:spPr>
+            <a:xfrm rot="1015020">
+              <a:off x="1194530" y="1901674"/>
+              <a:ext cx="436319" cy="40098"/>
+            </a:xfrm>
+            <a:custGeom>
+              <a:avLst/>
+              <a:gdLst>
+                <a:gd name="connsiteX0" fmla="*/ 807243 w 807243"/>
+                <a:gd name="connsiteY0" fmla="*/ 69135 h 81041"/>
+                <a:gd name="connsiteX1" fmla="*/ 330993 w 807243"/>
+                <a:gd name="connsiteY1" fmla="*/ 79 h 81041"/>
+                <a:gd name="connsiteX2" fmla="*/ 0 w 807243"/>
+                <a:gd name="connsiteY2" fmla="*/ 81041 h 81041"/>
+              </a:gdLst>
+              <a:ahLst/>
+              <a:cxnLst>
+                <a:cxn ang="0">
+                  <a:pos x="connsiteX0" y="connsiteY0"/>
+                </a:cxn>
+                <a:cxn ang="0">
+                  <a:pos x="connsiteX1" y="connsiteY1"/>
+                </a:cxn>
+                <a:cxn ang="0">
+                  <a:pos x="connsiteX2" y="connsiteY2"/>
+                </a:cxn>
+              </a:cxnLst>
+              <a:rect l="l" t="t" r="r" b="b"/>
+              <a:pathLst>
+                <a:path w="807243" h="81041">
+                  <a:moveTo>
+                    <a:pt x="807243" y="69135"/>
+                  </a:moveTo>
+                  <a:cubicBezTo>
+                    <a:pt x="636388" y="33615"/>
+                    <a:pt x="465533" y="-1905"/>
+                    <a:pt x="330993" y="79"/>
+                  </a:cubicBezTo>
+                  <a:cubicBezTo>
+                    <a:pt x="196452" y="2063"/>
+                    <a:pt x="98226" y="41552"/>
+                    <a:pt x="0" y="81041"/>
+                  </a:cubicBezTo>
+                </a:path>
+              </a:pathLst>
+            </a:custGeom>
+            <a:noFill/>
+            <a:ln>
+              <a:solidFill>
+                <a:schemeClr val="tx1"/>
+              </a:solidFill>
+            </a:ln>
+          </p:spPr>
+          <p:style>
+            <a:lnRef idx="2">
+              <a:schemeClr val="accent1">
+                <a:shade val="50000"/>
+              </a:schemeClr>
+            </a:lnRef>
+            <a:fillRef idx="1">
+              <a:schemeClr val="accent1"/>
+            </a:fillRef>
+            <a:effectRef idx="0">
+              <a:schemeClr val="accent1"/>
+            </a:effectRef>
+            <a:fontRef idx="minor">
+              <a:schemeClr val="lt1"/>
+            </a:fontRef>
+          </p:style>
+          <p:txBody>
+            <a:bodyPr rtlCol="0" anchor="ctr"/>
+            <a:lstStyle/>
+            <a:p>
+              <a:pPr algn="ctr"/>
+              <a:endParaRPr kumimoji="1" lang="ja-JP" altLang="en-US"/>
+            </a:p>
+          </p:txBody>
+        </p:sp>
+        <p:sp>
+          <p:nvSpPr>
+            <p:cNvPr id="33" name="正方形/長方形 32"/>
+            <p:cNvSpPr/>
+            <p:nvPr/>
+          </p:nvSpPr>
+          <p:spPr>
+            <a:xfrm>
+              <a:off x="1818478" y="1430330"/>
+              <a:ext cx="384101" cy="620860"/>
+            </a:xfrm>
+            <a:prstGeom prst="rect">
+              <a:avLst/>
+            </a:prstGeom>
+          </p:spPr>
+          <p:txBody>
+            <a:bodyPr wrap="none">
+              <a:spAutoFit/>
+            </a:bodyPr>
+            <a:lstStyle/>
+            <a:p>
+              <a:r>
+                <a:rPr lang="en-US" altLang="ja-JP" sz="4000" b="1" dirty="0"/>
+                <a:t>T</a:t>
+              </a:r>
+              <a:endParaRPr lang="ja-JP" altLang="en-US" sz="4000" b="1" dirty="0"/>
+            </a:p>
+          </p:txBody>
+        </p:sp>
+      </p:grpSp>
+      <mc:AlternateContent xmlns:mc="http://schemas.openxmlformats.org/markup-compatibility/2006" xmlns:a14="http://schemas.microsoft.com/office/drawing/2010/main">
+        <mc:Choice Requires="a14">
+          <p:sp>
+            <p:nvSpPr>
+              <p:cNvPr id="38" name="コンテンツ プレースホルダー 2"/>
+              <p:cNvSpPr>
+                <a:spLocks noGrp="1"/>
+              </p:cNvSpPr>
+              <p:nvPr>
+                <p:ph idx="1"/>
+              </p:nvPr>
+            </p:nvSpPr>
+            <p:spPr>
+              <a:xfrm>
+                <a:off x="4019096" y="1070218"/>
+                <a:ext cx="8013247" cy="1915205"/>
+              </a:xfrm>
+            </p:spPr>
+            <p:txBody>
+              <a:bodyPr>
+                <a:normAutofit/>
+              </a:bodyPr>
+              <a:lstStyle/>
+              <a:p>
+                <a:pPr marL="0" indent="0">
+                  <a:lnSpc>
+                    <a:spcPct val="100000"/>
+                  </a:lnSpc>
+                  <a:spcBef>
+                    <a:spcPts val="1200"/>
+                  </a:spcBef>
+                  <a:buNone/>
+                </a:pPr>
+                <a:r>
+                  <a:rPr lang="ja-JP" altLang="en-US" sz="2400" dirty="0"/>
+                  <a:t>窓領域</a:t>
+                </a:r>
+                <a:r>
+                  <a:rPr lang="en-US" altLang="ja-JP" sz="2400" dirty="0"/>
+                  <a:t>S</a:t>
+                </a:r>
+                <a:r>
+                  <a:rPr lang="ja-JP" altLang="en-US" sz="2400" dirty="0"/>
+                  <a:t>と</a:t>
+                </a:r>
+                <a:r>
+                  <a:rPr lang="en-US" altLang="ja-JP" sz="2400" dirty="0"/>
+                  <a:t>S</a:t>
+                </a:r>
+                <a:r>
+                  <a:rPr lang="ja-JP" altLang="en-US" sz="2400" dirty="0"/>
+                  <a:t>を</a:t>
+                </a:r>
+                <a:r>
+                  <a:rPr lang="en-US" altLang="ja-JP" sz="2400" dirty="0"/>
+                  <a:t>(</a:t>
+                </a:r>
+                <a:r>
+                  <a:rPr lang="en-US" altLang="ja-JP" sz="2400" i="1" dirty="0" err="1"/>
+                  <a:t>u</a:t>
+                </a:r>
+                <a:r>
+                  <a:rPr lang="en-US" altLang="ja-JP" sz="2400" dirty="0" err="1"/>
+                  <a:t>,</a:t>
+                </a:r>
+                <a:r>
+                  <a:rPr lang="en-US" altLang="ja-JP" sz="2400" i="1" dirty="0" err="1"/>
+                  <a:t>v</a:t>
+                </a:r>
+                <a:r>
+                  <a:rPr lang="en-US" altLang="ja-JP" sz="2400" dirty="0"/>
+                  <a:t>)</a:t>
+                </a:r>
+                <a:r>
+                  <a:rPr lang="ja-JP" altLang="en-US" sz="2400" dirty="0" err="1"/>
+                  <a:t>だけ</a:t>
+                </a:r>
+                <a:r>
+                  <a:rPr lang="ja-JP" altLang="en-US" sz="2400" dirty="0"/>
+                  <a:t>移動した領域</a:t>
+                </a:r>
+                <a:r>
+                  <a:rPr lang="en-US" altLang="ja-JP" sz="2400" dirty="0"/>
+                  <a:t>T</a:t>
+                </a:r>
+                <a:r>
+                  <a:rPr lang="ja-JP" altLang="en-US" sz="2400" dirty="0"/>
+                  <a:t>の二乗誤差は以下の通り</a:t>
+                </a:r>
+                <a:endParaRPr lang="en-US" altLang="ja-JP" sz="2400" dirty="0"/>
+              </a:p>
+              <a:p>
+                <a:pPr marL="0" indent="0">
+                  <a:lnSpc>
+                    <a:spcPct val="100000"/>
+                  </a:lnSpc>
+                  <a:spcBef>
+                    <a:spcPts val="1200"/>
+                  </a:spcBef>
+                  <a:buNone/>
+                </a:pPr>
+                <a14:m>
+                  <m:oMathPara xmlns:m="http://schemas.openxmlformats.org/officeDocument/2006/math">
+                    <m:oMathParaPr>
+                      <m:jc m:val="centerGroup"/>
+                    </m:oMathParaPr>
+                    <m:oMath xmlns:m="http://schemas.openxmlformats.org/officeDocument/2006/math">
+                      <m:r>
+                        <a:rPr lang="en-US" altLang="ja-JP" sz="2400" i="1">
+                          <a:latin typeface="Cambria Math" panose="02040503050406030204" pitchFamily="18" charset="0"/>
+                        </a:rPr>
+                        <m:t>𝐷</m:t>
+                      </m:r>
+                      <m:d>
+                        <m:dPr>
+                          <m:ctrlPr>
+                            <a:rPr lang="en-US" altLang="ja-JP" sz="2400" i="1">
+                              <a:latin typeface="Cambria Math" panose="02040503050406030204" pitchFamily="18" charset="0"/>
+                            </a:rPr>
+                          </m:ctrlPr>
+                        </m:dPr>
+                        <m:e>
+                          <m:r>
+                            <a:rPr lang="en-US" altLang="ja-JP" sz="2400" i="1">
+                              <a:latin typeface="Cambria Math" panose="02040503050406030204" pitchFamily="18" charset="0"/>
+                            </a:rPr>
+                            <m:t>𝑢</m:t>
+                          </m:r>
+                          <m:r>
+                            <a:rPr lang="en-US" altLang="ja-JP" sz="2400" i="1">
+                              <a:latin typeface="Cambria Math" panose="02040503050406030204" pitchFamily="18" charset="0"/>
+                            </a:rPr>
+                            <m:t>,</m:t>
+                          </m:r>
+                          <m:r>
+                            <a:rPr lang="en-US" altLang="ja-JP" sz="2400" i="1">
+                              <a:latin typeface="Cambria Math" panose="02040503050406030204" pitchFamily="18" charset="0"/>
+                            </a:rPr>
+                            <m:t>𝑣</m:t>
+                          </m:r>
+                        </m:e>
+                      </m:d>
+                      <m:r>
+                        <a:rPr lang="en-US" altLang="ja-JP" sz="2400" i="1">
+                          <a:latin typeface="Cambria Math" panose="02040503050406030204" pitchFamily="18" charset="0"/>
+                        </a:rPr>
+                        <m:t>=</m:t>
+                      </m:r>
+                      <m:d>
+                        <m:dPr>
+                          <m:ctrlPr>
+                            <a:rPr lang="en-US" altLang="ja-JP" sz="2400" i="1">
+                              <a:latin typeface="Cambria Math" panose="02040503050406030204" pitchFamily="18" charset="0"/>
+                            </a:rPr>
+                          </m:ctrlPr>
+                        </m:dPr>
+                        <m:e>
+                          <m:r>
+                            <a:rPr lang="en-US" altLang="ja-JP" sz="2400" i="1">
+                              <a:latin typeface="Cambria Math" panose="02040503050406030204" pitchFamily="18" charset="0"/>
+                            </a:rPr>
+                            <m:t>𝑢</m:t>
+                          </m:r>
+                          <m:r>
+                            <a:rPr lang="en-US" altLang="ja-JP" sz="2400" i="1">
+                              <a:latin typeface="Cambria Math" panose="02040503050406030204" pitchFamily="18" charset="0"/>
+                            </a:rPr>
+                            <m:t>,</m:t>
+                          </m:r>
+                          <m:r>
+                            <a:rPr lang="en-US" altLang="ja-JP" sz="2400" i="1">
+                              <a:latin typeface="Cambria Math" panose="02040503050406030204" pitchFamily="18" charset="0"/>
+                            </a:rPr>
+                            <m:t>𝑣</m:t>
+                          </m:r>
+                        </m:e>
+                      </m:d>
+                      <m:r>
+                        <a:rPr lang="en-US" altLang="ja-JP" sz="2400" b="1">
+                          <a:latin typeface="Cambria Math" panose="02040503050406030204" pitchFamily="18" charset="0"/>
+                        </a:rPr>
+                        <m:t>𝐀</m:t>
+                      </m:r>
+                      <m:d>
+                        <m:dPr>
+                          <m:ctrlPr>
+                            <a:rPr lang="en-US" altLang="ja-JP" sz="2400" b="1" i="1">
+                              <a:latin typeface="Cambria Math" panose="02040503050406030204" pitchFamily="18" charset="0"/>
+                            </a:rPr>
+                          </m:ctrlPr>
+                        </m:dPr>
+                        <m:e>
+                          <m:m>
+                            <m:mPr>
+                              <m:mcs>
+                                <m:mc>
+                                  <m:mcPr>
+                                    <m:count m:val="1"/>
+                                    <m:mcJc m:val="center"/>
+                                  </m:mcPr>
+                                </m:mc>
+                              </m:mcs>
+                              <m:ctrlPr>
+                                <a:rPr lang="en-US" altLang="ja-JP" sz="2400" i="1">
+                                  <a:latin typeface="Cambria Math" panose="02040503050406030204" pitchFamily="18" charset="0"/>
+                                </a:rPr>
+                              </m:ctrlPr>
+                            </m:mPr>
+                            <m:mr>
+                              <m:e>
+                                <m:r>
+                                  <a:rPr lang="en-US" altLang="ja-JP" sz="2400" i="1">
+                                    <a:latin typeface="Cambria Math" panose="02040503050406030204" pitchFamily="18" charset="0"/>
+                                  </a:rPr>
+                                  <m:t>𝑢</m:t>
+                                </m:r>
+                              </m:e>
+                            </m:mr>
+                            <m:mr>
+                              <m:e>
+                                <m:r>
+                                  <a:rPr lang="en-US" altLang="ja-JP" sz="2400" i="1">
+                                    <a:latin typeface="Cambria Math" panose="02040503050406030204" pitchFamily="18" charset="0"/>
+                                  </a:rPr>
+                                  <m:t>𝑣</m:t>
+                                </m:r>
+                              </m:e>
+                            </m:mr>
+                          </m:m>
+                        </m:e>
+                      </m:d>
+                      <m:r>
+                        <a:rPr lang="en-US" altLang="ja-JP" sz="2400" smtClean="0">
+                          <a:latin typeface="Cambria Math" panose="02040503050406030204" pitchFamily="18" charset="0"/>
+                        </a:rPr>
+                        <m:t>, </m:t>
+                      </m:r>
+                      <m:r>
+                        <a:rPr lang="en-US" altLang="ja-JP" sz="2400" b="1" i="1" smtClean="0">
+                          <a:latin typeface="Cambria Math" panose="02040503050406030204" pitchFamily="18" charset="0"/>
+                        </a:rPr>
+                        <m:t> </m:t>
+                      </m:r>
+                      <m:r>
+                        <a:rPr lang="en-US" altLang="ja-JP" sz="2400" b="1">
+                          <a:latin typeface="Cambria Math" panose="02040503050406030204" pitchFamily="18" charset="0"/>
+                        </a:rPr>
+                        <m:t>𝐀</m:t>
+                      </m:r>
+                      <m:r>
+                        <a:rPr lang="en-US" altLang="ja-JP" sz="2400" i="1">
+                          <a:latin typeface="Cambria Math" panose="02040503050406030204" pitchFamily="18" charset="0"/>
+                        </a:rPr>
+                        <m:t>=</m:t>
+                      </m:r>
+                      <m:nary>
+                        <m:naryPr>
+                          <m:chr m:val="∑"/>
+                          <m:supHide m:val="on"/>
+                          <m:ctrlPr>
+                            <a:rPr lang="en-US" altLang="ja-JP" sz="2400" i="1">
+                              <a:latin typeface="Cambria Math" panose="02040503050406030204" pitchFamily="18" charset="0"/>
+                            </a:rPr>
+                          </m:ctrlPr>
+                        </m:naryPr>
+                        <m:sub>
+                          <m:d>
+                            <m:dPr>
+                              <m:ctrlPr>
+                                <a:rPr lang="en-US" altLang="ja-JP" sz="2400" i="1">
+                                  <a:latin typeface="Cambria Math" panose="02040503050406030204" pitchFamily="18" charset="0"/>
+                                </a:rPr>
+                              </m:ctrlPr>
+                            </m:dPr>
+                            <m:e>
+                              <m:r>
+                                <m:rPr>
+                                  <m:brk m:alnAt="7"/>
+                                </m:rPr>
+                                <a:rPr lang="en-US" altLang="ja-JP" sz="2400" i="1">
+                                  <a:latin typeface="Cambria Math" panose="02040503050406030204" pitchFamily="18" charset="0"/>
+                                </a:rPr>
+                                <m:t>𝑥</m:t>
+                              </m:r>
+                              <m:r>
+                                <a:rPr lang="en-US" altLang="ja-JP" sz="2400" i="1">
+                                  <a:latin typeface="Cambria Math" panose="02040503050406030204" pitchFamily="18" charset="0"/>
+                                </a:rPr>
+                                <m:t>,</m:t>
+                              </m:r>
+                              <m:r>
+                                <a:rPr lang="en-US" altLang="ja-JP" sz="2400" i="1">
+                                  <a:latin typeface="Cambria Math" panose="02040503050406030204" pitchFamily="18" charset="0"/>
+                                </a:rPr>
+                                <m:t>𝑦</m:t>
+                              </m:r>
+                            </m:e>
+                          </m:d>
+                          <m:r>
+                            <a:rPr lang="en-US" altLang="ja-JP" sz="2400" i="1">
+                              <a:latin typeface="Cambria Math" panose="02040503050406030204" pitchFamily="18" charset="0"/>
+                            </a:rPr>
+                            <m:t>∈</m:t>
+                          </m:r>
+                          <m:r>
+                            <a:rPr lang="en-US" altLang="ja-JP" sz="2400" i="1">
+                              <a:latin typeface="Cambria Math" panose="02040503050406030204" pitchFamily="18" charset="0"/>
+                            </a:rPr>
+                            <m:t>𝑆</m:t>
+                          </m:r>
+                        </m:sub>
+                        <m:sup/>
+                        <m:e>
+                          <m:r>
+                            <a:rPr lang="en-US" altLang="ja-JP" sz="2400" i="1">
+                              <a:latin typeface="Cambria Math" panose="02040503050406030204" pitchFamily="18" charset="0"/>
+                            </a:rPr>
+                            <m:t>𝐺</m:t>
+                          </m:r>
+                          <m:d>
+                            <m:dPr>
+                              <m:ctrlPr>
+                                <a:rPr lang="en-US" altLang="ja-JP" sz="2400" i="1">
+                                  <a:latin typeface="Cambria Math" panose="02040503050406030204" pitchFamily="18" charset="0"/>
+                                </a:rPr>
+                              </m:ctrlPr>
+                            </m:dPr>
+                            <m:e>
+                              <m:r>
+                                <a:rPr lang="en-US" altLang="ja-JP" sz="2400" i="1">
+                                  <a:latin typeface="Cambria Math" panose="02040503050406030204" pitchFamily="18" charset="0"/>
+                                </a:rPr>
+                                <m:t>𝑥</m:t>
+                              </m:r>
+                              <m:r>
+                                <a:rPr lang="en-US" altLang="ja-JP" sz="2400" i="1">
+                                  <a:latin typeface="Cambria Math" panose="02040503050406030204" pitchFamily="18" charset="0"/>
+                                </a:rPr>
+                                <m:t>,</m:t>
+                              </m:r>
+                              <m:r>
+                                <a:rPr lang="en-US" altLang="ja-JP" sz="2400" i="1">
+                                  <a:latin typeface="Cambria Math" panose="02040503050406030204" pitchFamily="18" charset="0"/>
+                                </a:rPr>
+                                <m:t>𝑦</m:t>
+                              </m:r>
+                            </m:e>
+                          </m:d>
+                        </m:e>
+                      </m:nary>
+                      <m:d>
+                        <m:dPr>
+                          <m:ctrlPr>
+                            <a:rPr lang="en-US" altLang="ja-JP" sz="2400" i="1">
+                              <a:latin typeface="Cambria Math" panose="02040503050406030204" pitchFamily="18" charset="0"/>
+                            </a:rPr>
+                          </m:ctrlPr>
+                        </m:dPr>
+                        <m:e>
+                          <m:m>
+                            <m:mPr>
+                              <m:mcs>
+                                <m:mc>
+                                  <m:mcPr>
+                                    <m:count m:val="2"/>
+                                    <m:mcJc m:val="center"/>
+                                  </m:mcPr>
+                                </m:mc>
+                              </m:mcs>
+                              <m:ctrlPr>
+                                <a:rPr lang="en-US" altLang="ja-JP" sz="2400" i="1">
+                                  <a:latin typeface="Cambria Math" panose="02040503050406030204" pitchFamily="18" charset="0"/>
+                                </a:rPr>
+                              </m:ctrlPr>
+                            </m:mPr>
+                            <m:mr>
+                              <m:e>
+                                <m:sSub>
+                                  <m:sSubPr>
+                                    <m:ctrlPr>
+                                      <a:rPr lang="en-US" altLang="ja-JP" sz="2400" i="1">
+                                        <a:latin typeface="Cambria Math" panose="02040503050406030204" pitchFamily="18" charset="0"/>
+                                      </a:rPr>
+                                    </m:ctrlPr>
+                                  </m:sSubPr>
+                                  <m:e>
+                                    <m:r>
+                                      <m:rPr>
+                                        <m:brk m:alnAt="7"/>
+                                      </m:rPr>
+                                      <a:rPr lang="en-US" altLang="ja-JP" sz="2400" i="1">
+                                        <a:latin typeface="Cambria Math" panose="02040503050406030204" pitchFamily="18" charset="0"/>
+                                      </a:rPr>
+                                      <m:t>𝐼</m:t>
+                                    </m:r>
+                                  </m:e>
+                                  <m:sub>
+                                    <m:r>
+                                      <m:rPr>
+                                        <m:brk m:alnAt="7"/>
+                                      </m:rPr>
+                                      <a:rPr lang="en-US" altLang="ja-JP" sz="2400" i="1">
+                                        <a:latin typeface="Cambria Math" panose="02040503050406030204" pitchFamily="18" charset="0"/>
+                                      </a:rPr>
+                                      <m:t>𝑥</m:t>
+                                    </m:r>
+                                  </m:sub>
+                                </m:sSub>
+                                <m:sSub>
+                                  <m:sSubPr>
+                                    <m:ctrlPr>
+                                      <a:rPr lang="en-US" altLang="ja-JP" sz="2400" i="1">
+                                        <a:latin typeface="Cambria Math" panose="02040503050406030204" pitchFamily="18" charset="0"/>
+                                      </a:rPr>
+                                    </m:ctrlPr>
+                                  </m:sSubPr>
+                                  <m:e>
+                                    <m:r>
+                                      <m:rPr>
+                                        <m:brk m:alnAt="7"/>
+                                      </m:rPr>
+                                      <a:rPr lang="en-US" altLang="ja-JP" sz="2400" i="1">
+                                        <a:latin typeface="Cambria Math" panose="02040503050406030204" pitchFamily="18" charset="0"/>
+                                      </a:rPr>
+                                      <m:t>𝐼</m:t>
+                                    </m:r>
+                                  </m:e>
+                                  <m:sub>
+                                    <m:r>
+                                      <m:rPr>
+                                        <m:brk m:alnAt="7"/>
+                                      </m:rPr>
+                                      <a:rPr lang="en-US" altLang="ja-JP" sz="2400" i="1">
+                                        <a:latin typeface="Cambria Math" panose="02040503050406030204" pitchFamily="18" charset="0"/>
+                                      </a:rPr>
+                                      <m:t>𝑥</m:t>
+                                    </m:r>
+                                  </m:sub>
+                                </m:sSub>
+                              </m:e>
+                              <m:e>
+                                <m:sSub>
+                                  <m:sSubPr>
+                                    <m:ctrlPr>
+                                      <a:rPr lang="en-US" altLang="ja-JP" sz="2400" i="1">
+                                        <a:latin typeface="Cambria Math" panose="02040503050406030204" pitchFamily="18" charset="0"/>
+                                      </a:rPr>
+                                    </m:ctrlPr>
+                                  </m:sSubPr>
+                                  <m:e>
+                                    <m:r>
+                                      <m:rPr>
+                                        <m:brk m:alnAt="7"/>
+                                      </m:rPr>
+                                      <a:rPr lang="en-US" altLang="ja-JP" sz="2400" i="1">
+                                        <a:latin typeface="Cambria Math" panose="02040503050406030204" pitchFamily="18" charset="0"/>
+                                      </a:rPr>
+                                      <m:t>𝐼</m:t>
+                                    </m:r>
+                                  </m:e>
+                                  <m:sub>
+                                    <m:r>
+                                      <m:rPr>
+                                        <m:brk m:alnAt="7"/>
+                                      </m:rPr>
+                                      <a:rPr lang="en-US" altLang="ja-JP" sz="2400" i="1">
+                                        <a:latin typeface="Cambria Math" panose="02040503050406030204" pitchFamily="18" charset="0"/>
+                                      </a:rPr>
+                                      <m:t>𝑥</m:t>
+                                    </m:r>
+                                  </m:sub>
+                                </m:sSub>
+                                <m:sSub>
+                                  <m:sSubPr>
+                                    <m:ctrlPr>
+                                      <a:rPr lang="en-US" altLang="ja-JP" sz="2400" i="1">
+                                        <a:latin typeface="Cambria Math" panose="02040503050406030204" pitchFamily="18" charset="0"/>
+                                      </a:rPr>
+                                    </m:ctrlPr>
+                                  </m:sSubPr>
+                                  <m:e>
+                                    <m:r>
+                                      <m:rPr>
+                                        <m:brk m:alnAt="7"/>
+                                      </m:rPr>
+                                      <a:rPr lang="en-US" altLang="ja-JP" sz="2400" i="1">
+                                        <a:latin typeface="Cambria Math" panose="02040503050406030204" pitchFamily="18" charset="0"/>
+                                      </a:rPr>
+                                      <m:t>𝐼</m:t>
+                                    </m:r>
+                                  </m:e>
+                                  <m:sub>
+                                    <m:r>
+                                      <a:rPr lang="en-US" altLang="ja-JP" sz="2400" i="1">
+                                        <a:latin typeface="Cambria Math" panose="02040503050406030204" pitchFamily="18" charset="0"/>
+                                      </a:rPr>
+                                      <m:t>𝑦</m:t>
+                                    </m:r>
+                                  </m:sub>
+                                </m:sSub>
+                              </m:e>
+                            </m:mr>
+                            <m:mr>
+                              <m:e>
+                                <m:sSub>
+                                  <m:sSubPr>
+                                    <m:ctrlPr>
+                                      <a:rPr lang="en-US" altLang="ja-JP" sz="2400" i="1">
+                                        <a:latin typeface="Cambria Math" panose="02040503050406030204" pitchFamily="18" charset="0"/>
+                                      </a:rPr>
+                                    </m:ctrlPr>
+                                  </m:sSubPr>
+                                  <m:e>
+                                    <m:r>
+                                      <m:rPr>
+                                        <m:brk m:alnAt="7"/>
+                                      </m:rPr>
+                                      <a:rPr lang="en-US" altLang="ja-JP" sz="2400" i="1">
+                                        <a:latin typeface="Cambria Math" panose="02040503050406030204" pitchFamily="18" charset="0"/>
+                                      </a:rPr>
+                                      <m:t>𝐼</m:t>
+                                    </m:r>
+                                  </m:e>
+                                  <m:sub>
+                                    <m:r>
+                                      <m:rPr>
+                                        <m:brk m:alnAt="7"/>
+                                      </m:rPr>
+                                      <a:rPr lang="en-US" altLang="ja-JP" sz="2400" i="1">
+                                        <a:latin typeface="Cambria Math" panose="02040503050406030204" pitchFamily="18" charset="0"/>
+                                      </a:rPr>
+                                      <m:t>𝑥</m:t>
+                                    </m:r>
+                                  </m:sub>
+                                </m:sSub>
+                                <m:sSub>
+                                  <m:sSubPr>
+                                    <m:ctrlPr>
+                                      <a:rPr lang="en-US" altLang="ja-JP" sz="2400" i="1">
+                                        <a:latin typeface="Cambria Math" panose="02040503050406030204" pitchFamily="18" charset="0"/>
+                                      </a:rPr>
+                                    </m:ctrlPr>
+                                  </m:sSubPr>
+                                  <m:e>
+                                    <m:r>
+                                      <m:rPr>
+                                        <m:brk m:alnAt="7"/>
+                                      </m:rPr>
+                                      <a:rPr lang="en-US" altLang="ja-JP" sz="2400" i="1">
+                                        <a:latin typeface="Cambria Math" panose="02040503050406030204" pitchFamily="18" charset="0"/>
+                                      </a:rPr>
+                                      <m:t>𝐼</m:t>
+                                    </m:r>
+                                  </m:e>
+                                  <m:sub>
+                                    <m:r>
+                                      <a:rPr lang="en-US" altLang="ja-JP" sz="2400" i="1">
+                                        <a:latin typeface="Cambria Math" panose="02040503050406030204" pitchFamily="18" charset="0"/>
+                                      </a:rPr>
+                                      <m:t>𝑦</m:t>
+                                    </m:r>
+                                  </m:sub>
+                                </m:sSub>
+                              </m:e>
+                              <m:e>
+                                <m:sSub>
+                                  <m:sSubPr>
+                                    <m:ctrlPr>
+                                      <a:rPr lang="en-US" altLang="ja-JP" sz="2400" i="1">
+                                        <a:latin typeface="Cambria Math" panose="02040503050406030204" pitchFamily="18" charset="0"/>
+                                      </a:rPr>
+                                    </m:ctrlPr>
+                                  </m:sSubPr>
+                                  <m:e>
+                                    <m:r>
+                                      <m:rPr>
+                                        <m:brk m:alnAt="7"/>
+                                      </m:rPr>
+                                      <a:rPr lang="en-US" altLang="ja-JP" sz="2400" i="1">
+                                        <a:latin typeface="Cambria Math" panose="02040503050406030204" pitchFamily="18" charset="0"/>
+                                      </a:rPr>
+                                      <m:t>𝐼</m:t>
+                                    </m:r>
+                                  </m:e>
+                                  <m:sub>
+                                    <m:r>
+                                      <a:rPr lang="en-US" altLang="ja-JP" sz="2400" i="1">
+                                        <a:latin typeface="Cambria Math" panose="02040503050406030204" pitchFamily="18" charset="0"/>
+                                      </a:rPr>
+                                      <m:t>𝑦</m:t>
+                                    </m:r>
+                                  </m:sub>
+                                </m:sSub>
+                                <m:sSub>
+                                  <m:sSubPr>
+                                    <m:ctrlPr>
+                                      <a:rPr lang="en-US" altLang="ja-JP" sz="2400" i="1">
+                                        <a:latin typeface="Cambria Math" panose="02040503050406030204" pitchFamily="18" charset="0"/>
+                                      </a:rPr>
+                                    </m:ctrlPr>
+                                  </m:sSubPr>
+                                  <m:e>
+                                    <m:r>
+                                      <m:rPr>
+                                        <m:brk m:alnAt="7"/>
+                                      </m:rPr>
+                                      <a:rPr lang="en-US" altLang="ja-JP" sz="2400" i="1">
+                                        <a:latin typeface="Cambria Math" panose="02040503050406030204" pitchFamily="18" charset="0"/>
+                                      </a:rPr>
+                                      <m:t>𝐼</m:t>
+                                    </m:r>
+                                  </m:e>
+                                  <m:sub>
+                                    <m:r>
+                                      <a:rPr lang="en-US" altLang="ja-JP" sz="2400" i="1">
+                                        <a:latin typeface="Cambria Math" panose="02040503050406030204" pitchFamily="18" charset="0"/>
+                                      </a:rPr>
+                                      <m:t>𝑦</m:t>
+                                    </m:r>
+                                  </m:sub>
+                                </m:sSub>
+                              </m:e>
+                            </m:mr>
+                          </m:m>
+                        </m:e>
+                      </m:d>
+                    </m:oMath>
+                  </m:oMathPara>
+                </a14:m>
+                <a:endParaRPr lang="en-US" altLang="ja-JP" sz="2400" dirty="0"/>
+              </a:p>
+            </p:txBody>
+          </p:sp>
+        </mc:Choice>
+        <mc:Fallback xmlns="">
+          <p:sp>
+            <p:nvSpPr>
+              <p:cNvPr id="38" name="コンテンツ プレースホルダー 2"/>
+              <p:cNvSpPr>
+                <a:spLocks noGrp="1" noRot="1" noChangeAspect="1" noMove="1" noResize="1" noEditPoints="1" noAdjustHandles="1" noChangeArrowheads="1" noChangeShapeType="1" noTextEdit="1"/>
+              </p:cNvSpPr>
+              <p:nvPr>
+                <p:ph idx="1"/>
+              </p:nvPr>
+            </p:nvSpPr>
+            <p:spPr>
+              <a:xfrm>
+                <a:off x="4019096" y="1070218"/>
+                <a:ext cx="8013247" cy="1915205"/>
+              </a:xfrm>
+              <a:blipFill>
+                <a:blip r:embed="rId5"/>
+                <a:stretch>
+                  <a:fillRect l="-1141" t="-2548"/>
+                </a:stretch>
+              </a:blipFill>
+            </p:spPr>
+            <p:txBody>
+              <a:bodyPr/>
+              <a:lstStyle/>
+              <a:p>
+                <a:r>
+                  <a:rPr lang="ja-JP" altLang="en-US">
+                    <a:noFill/>
+                  </a:rPr>
+                  <a:t> </a:t>
+                </a:r>
+              </a:p>
+            </p:txBody>
+          </p:sp>
+        </mc:Fallback>
+      </mc:AlternateContent>
+      <p:sp>
+        <p:nvSpPr>
+          <p:cNvPr id="18" name="タイトル 1"/>
+          <p:cNvSpPr txBox="1">
+            <a:spLocks/>
+          </p:cNvSpPr>
+          <p:nvPr/>
+        </p:nvSpPr>
+        <p:spPr>
+          <a:xfrm>
+            <a:off x="213755" y="-178130"/>
+            <a:ext cx="2071665" cy="733270"/>
+          </a:xfrm>
+          <a:prstGeom prst="rect">
+            <a:avLst/>
+          </a:prstGeom>
+        </p:spPr>
+        <p:txBody>
+          <a:bodyPr vert="horz" lIns="91440" tIns="45720" rIns="91440" bIns="45720" rtlCol="0" anchor="ctr">
+            <a:normAutofit/>
+          </a:bodyPr>
+          <a:lstStyle>
+            <a:lvl1pPr algn="l" defTabSz="914400" rtl="0" eaLnBrk="1" latinLnBrk="0" hangingPunct="1">
+              <a:lnSpc>
+                <a:spcPct val="90000"/>
+              </a:lnSpc>
+              <a:spcBef>
+                <a:spcPct val="0"/>
+              </a:spcBef>
+              <a:buNone/>
+              <a:defRPr kumimoji="1" sz="4400" kern="1200">
+                <a:solidFill>
+                  <a:schemeClr val="tx1"/>
+                </a:solidFill>
+                <a:latin typeface="メイリオ" panose="020B0604030504040204" pitchFamily="50" charset="-128"/>
+                <a:ea typeface="メイリオ" panose="020B0604030504040204" pitchFamily="50" charset="-128"/>
+                <a:cs typeface="メイリオ" panose="020B0604030504040204" pitchFamily="50" charset="-128"/>
+              </a:defRPr>
+            </a:lvl1pPr>
+          </a:lstStyle>
+          <a:p>
+            <a:r>
+              <a:rPr lang="ja-JP" altLang="en-US" sz="2000" b="1" dirty="0">
+                <a:solidFill>
+                  <a:srgbClr val="FF0000"/>
+                </a:solidFill>
+              </a:rPr>
+              <a:t>補足資料</a:t>
+            </a:r>
+          </a:p>
+        </p:txBody>
+      </p:sp>
+    </p:spTree>
+    <p:extLst>
+      <p:ext uri="{BB962C8B-B14F-4D97-AF65-F5344CB8AC3E}">
+        <p14:creationId xmlns:p14="http://schemas.microsoft.com/office/powerpoint/2010/main" val="2532168903"/>
       </p:ext>
     </p:extLst>
   </p:cSld>
@@ -33688,2220 +36304,6 @@
 </p:sld>
 </file>
 
-<file path=ppt/slides/slide30.xml><?xml version="1.0" encoding="utf-8"?>
-<p:sld xmlns:a="http://schemas.openxmlformats.org/drawingml/2006/main" xmlns:r="http://schemas.openxmlformats.org/officeDocument/2006/relationships" xmlns:p="http://schemas.openxmlformats.org/presentationml/2006/main">
-  <p:cSld>
-    <p:spTree>
-      <p:nvGrpSpPr>
-        <p:cNvPr id="1" name=""/>
-        <p:cNvGrpSpPr/>
-        <p:nvPr/>
-      </p:nvGrpSpPr>
-      <p:grpSpPr>
-        <a:xfrm>
-          <a:off x="0" y="0"/>
-          <a:ext cx="0" cy="0"/>
-          <a:chOff x="0" y="0"/>
-          <a:chExt cx="0" cy="0"/>
-        </a:xfrm>
-      </p:grpSpPr>
-      <p:sp>
-        <p:nvSpPr>
-          <p:cNvPr id="2" name="タイトル 1"/>
-          <p:cNvSpPr>
-            <a:spLocks noGrp="1"/>
-          </p:cNvSpPr>
-          <p:nvPr>
-            <p:ph type="title"/>
-          </p:nvPr>
-        </p:nvSpPr>
-        <p:spPr>
-          <a:xfrm>
-            <a:off x="4019096" y="276226"/>
-            <a:ext cx="8172904" cy="733270"/>
-          </a:xfrm>
-        </p:spPr>
-        <p:txBody>
-          <a:bodyPr>
-            <a:normAutofit/>
-          </a:bodyPr>
-          <a:lstStyle/>
-          <a:p>
-            <a:r>
-              <a:rPr kumimoji="1" lang="en-US" altLang="ja-JP" sz="3600" dirty="0"/>
-              <a:t>Structure </a:t>
-            </a:r>
-            <a:r>
-              <a:rPr lang="en-US" altLang="ja-JP" sz="3600" dirty="0"/>
-              <a:t>T</a:t>
-            </a:r>
-            <a:r>
-              <a:rPr kumimoji="1" lang="en-US" altLang="ja-JP" sz="3600" dirty="0"/>
-              <a:t>ensor Matrix</a:t>
-            </a:r>
-            <a:r>
-              <a:rPr kumimoji="1" lang="ja-JP" altLang="en-US" sz="3600" dirty="0"/>
-              <a:t>（導出）</a:t>
-            </a:r>
-          </a:p>
-        </p:txBody>
-      </p:sp>
-      <p:sp>
-        <p:nvSpPr>
-          <p:cNvPr id="25" name="コンテンツ プレースホルダー 2"/>
-          <p:cNvSpPr txBox="1">
-            <a:spLocks/>
-          </p:cNvSpPr>
-          <p:nvPr/>
-        </p:nvSpPr>
-        <p:spPr>
-          <a:xfrm>
-            <a:off x="622754" y="4032948"/>
-            <a:ext cx="7520349" cy="2825052"/>
-          </a:xfrm>
-          <a:prstGeom prst="rect">
-            <a:avLst/>
-          </a:prstGeom>
-        </p:spPr>
-        <p:txBody>
-          <a:bodyPr vert="horz" lIns="91440" tIns="45720" rIns="91440" bIns="45720" rtlCol="0">
-            <a:normAutofit/>
-          </a:bodyPr>
-          <a:lstStyle>
-            <a:lvl1pPr marL="228600" indent="-228600" algn="l" defTabSz="914400" rtl="0" eaLnBrk="1" latinLnBrk="0" hangingPunct="1">
-              <a:lnSpc>
-                <a:spcPct val="90000"/>
-              </a:lnSpc>
-              <a:spcBef>
-                <a:spcPts val="1000"/>
-              </a:spcBef>
-              <a:buFont typeface="Arial" panose="020B0604020202020204" pitchFamily="34" charset="0"/>
-              <a:buChar char="•"/>
-              <a:defRPr kumimoji="1" sz="2800" kern="1200">
-                <a:solidFill>
-                  <a:schemeClr val="tx1"/>
-                </a:solidFill>
-                <a:latin typeface="メイリオ" panose="020B0604030504040204" pitchFamily="50" charset="-128"/>
-                <a:ea typeface="メイリオ" panose="020B0604030504040204" pitchFamily="50" charset="-128"/>
-                <a:cs typeface="メイリオ" panose="020B0604030504040204" pitchFamily="50" charset="-128"/>
-              </a:defRPr>
-            </a:lvl1pPr>
-            <a:lvl2pPr marL="685800" indent="-228600" algn="l" defTabSz="914400" rtl="0" eaLnBrk="1" latinLnBrk="0" hangingPunct="1">
-              <a:lnSpc>
-                <a:spcPct val="90000"/>
-              </a:lnSpc>
-              <a:spcBef>
-                <a:spcPts val="500"/>
-              </a:spcBef>
-              <a:buFont typeface="Arial" panose="020B0604020202020204" pitchFamily="34" charset="0"/>
-              <a:buChar char="•"/>
-              <a:defRPr kumimoji="1" sz="2400" kern="1200">
-                <a:solidFill>
-                  <a:schemeClr val="tx1"/>
-                </a:solidFill>
-                <a:latin typeface="メイリオ" panose="020B0604030504040204" pitchFamily="50" charset="-128"/>
-                <a:ea typeface="メイリオ" panose="020B0604030504040204" pitchFamily="50" charset="-128"/>
-                <a:cs typeface="メイリオ" panose="020B0604030504040204" pitchFamily="50" charset="-128"/>
-              </a:defRPr>
-            </a:lvl2pPr>
-            <a:lvl3pPr marL="1143000" indent="-228600" algn="l" defTabSz="914400" rtl="0" eaLnBrk="1" latinLnBrk="0" hangingPunct="1">
-              <a:lnSpc>
-                <a:spcPct val="90000"/>
-              </a:lnSpc>
-              <a:spcBef>
-                <a:spcPts val="500"/>
-              </a:spcBef>
-              <a:buFont typeface="Arial" panose="020B0604020202020204" pitchFamily="34" charset="0"/>
-              <a:buChar char="•"/>
-              <a:defRPr kumimoji="1" sz="2000" kern="1200">
-                <a:solidFill>
-                  <a:schemeClr val="tx1"/>
-                </a:solidFill>
-                <a:latin typeface="メイリオ" panose="020B0604030504040204" pitchFamily="50" charset="-128"/>
-                <a:ea typeface="メイリオ" panose="020B0604030504040204" pitchFamily="50" charset="-128"/>
-                <a:cs typeface="メイリオ" panose="020B0604030504040204" pitchFamily="50" charset="-128"/>
-              </a:defRPr>
-            </a:lvl3pPr>
-            <a:lvl4pPr marL="1600200" indent="-228600" algn="l" defTabSz="914400" rtl="0" eaLnBrk="1" latinLnBrk="0" hangingPunct="1">
-              <a:lnSpc>
-                <a:spcPct val="90000"/>
-              </a:lnSpc>
-              <a:spcBef>
-                <a:spcPts val="500"/>
-              </a:spcBef>
-              <a:buFont typeface="Arial" panose="020B0604020202020204" pitchFamily="34" charset="0"/>
-              <a:buChar char="•"/>
-              <a:defRPr kumimoji="1" sz="1800" kern="1200">
-                <a:solidFill>
-                  <a:schemeClr val="tx1"/>
-                </a:solidFill>
-                <a:latin typeface="メイリオ" panose="020B0604030504040204" pitchFamily="50" charset="-128"/>
-                <a:ea typeface="メイリオ" panose="020B0604030504040204" pitchFamily="50" charset="-128"/>
-                <a:cs typeface="メイリオ" panose="020B0604030504040204" pitchFamily="50" charset="-128"/>
-              </a:defRPr>
-            </a:lvl4pPr>
-            <a:lvl5pPr marL="2057400" indent="-228600" algn="l" defTabSz="914400" rtl="0" eaLnBrk="1" latinLnBrk="0" hangingPunct="1">
-              <a:lnSpc>
-                <a:spcPct val="90000"/>
-              </a:lnSpc>
-              <a:spcBef>
-                <a:spcPts val="500"/>
-              </a:spcBef>
-              <a:buFont typeface="Arial" panose="020B0604020202020204" pitchFamily="34" charset="0"/>
-              <a:buChar char="•"/>
-              <a:defRPr kumimoji="1" sz="1800" kern="1200">
-                <a:solidFill>
-                  <a:schemeClr val="tx1"/>
-                </a:solidFill>
-                <a:latin typeface="メイリオ" panose="020B0604030504040204" pitchFamily="50" charset="-128"/>
-                <a:ea typeface="メイリオ" panose="020B0604030504040204" pitchFamily="50" charset="-128"/>
-                <a:cs typeface="メイリオ" panose="020B0604030504040204" pitchFamily="50" charset="-128"/>
-              </a:defRPr>
-            </a:lvl5pPr>
-            <a:lvl6pPr marL="2514600" indent="-228600" algn="l" defTabSz="914400" rtl="0" eaLnBrk="1" latinLnBrk="0" hangingPunct="1">
-              <a:lnSpc>
-                <a:spcPct val="90000"/>
-              </a:lnSpc>
-              <a:spcBef>
-                <a:spcPts val="500"/>
-              </a:spcBef>
-              <a:buFont typeface="Arial" panose="020B0604020202020204" pitchFamily="34" charset="0"/>
-              <a:buChar char="•"/>
-              <a:defRPr kumimoji="1" sz="1800" kern="1200">
-                <a:solidFill>
-                  <a:schemeClr val="tx1"/>
-                </a:solidFill>
-                <a:latin typeface="+mn-lt"/>
-                <a:ea typeface="+mn-ea"/>
-                <a:cs typeface="+mn-cs"/>
-              </a:defRPr>
-            </a:lvl6pPr>
-            <a:lvl7pPr marL="2971800" indent="-228600" algn="l" defTabSz="914400" rtl="0" eaLnBrk="1" latinLnBrk="0" hangingPunct="1">
-              <a:lnSpc>
-                <a:spcPct val="90000"/>
-              </a:lnSpc>
-              <a:spcBef>
-                <a:spcPts val="500"/>
-              </a:spcBef>
-              <a:buFont typeface="Arial" panose="020B0604020202020204" pitchFamily="34" charset="0"/>
-              <a:buChar char="•"/>
-              <a:defRPr kumimoji="1" sz="1800" kern="1200">
-                <a:solidFill>
-                  <a:schemeClr val="tx1"/>
-                </a:solidFill>
-                <a:latin typeface="+mn-lt"/>
-                <a:ea typeface="+mn-ea"/>
-                <a:cs typeface="+mn-cs"/>
-              </a:defRPr>
-            </a:lvl7pPr>
-            <a:lvl8pPr marL="3429000" indent="-228600" algn="l" defTabSz="914400" rtl="0" eaLnBrk="1" latinLnBrk="0" hangingPunct="1">
-              <a:lnSpc>
-                <a:spcPct val="90000"/>
-              </a:lnSpc>
-              <a:spcBef>
-                <a:spcPts val="500"/>
-              </a:spcBef>
-              <a:buFont typeface="Arial" panose="020B0604020202020204" pitchFamily="34" charset="0"/>
-              <a:buChar char="•"/>
-              <a:defRPr kumimoji="1" sz="1800" kern="1200">
-                <a:solidFill>
-                  <a:schemeClr val="tx1"/>
-                </a:solidFill>
-                <a:latin typeface="+mn-lt"/>
-                <a:ea typeface="+mn-ea"/>
-                <a:cs typeface="+mn-cs"/>
-              </a:defRPr>
-            </a:lvl8pPr>
-            <a:lvl9pPr marL="3886200" indent="-228600" algn="l" defTabSz="914400" rtl="0" eaLnBrk="1" latinLnBrk="0" hangingPunct="1">
-              <a:lnSpc>
-                <a:spcPct val="90000"/>
-              </a:lnSpc>
-              <a:spcBef>
-                <a:spcPts val="500"/>
-              </a:spcBef>
-              <a:buFont typeface="Arial" panose="020B0604020202020204" pitchFamily="34" charset="0"/>
-              <a:buChar char="•"/>
-              <a:defRPr kumimoji="1" sz="1800" kern="1200">
-                <a:solidFill>
-                  <a:schemeClr val="tx1"/>
-                </a:solidFill>
-                <a:latin typeface="+mn-lt"/>
-                <a:ea typeface="+mn-ea"/>
-                <a:cs typeface="+mn-cs"/>
-              </a:defRPr>
-            </a:lvl9pPr>
-          </a:lstStyle>
-          <a:p>
-            <a:pPr marL="0" indent="0">
-              <a:lnSpc>
-                <a:spcPct val="100000"/>
-              </a:lnSpc>
-              <a:spcBef>
-                <a:spcPts val="1200"/>
-              </a:spcBef>
-              <a:spcAft>
-                <a:spcPts val="600"/>
-              </a:spcAft>
-              <a:buNone/>
-            </a:pPr>
-            <a:endParaRPr lang="en-US" altLang="ja-JP" sz="2400" dirty="0"/>
-          </a:p>
-        </p:txBody>
-      </p:sp>
-      <mc:AlternateContent xmlns:mc="http://schemas.openxmlformats.org/markup-compatibility/2006" xmlns:a14="http://schemas.microsoft.com/office/drawing/2010/main">
-        <mc:Choice Requires="a14">
-          <p:sp>
-            <p:nvSpPr>
-              <p:cNvPr id="8" name="正方形/長方形 7"/>
-              <p:cNvSpPr/>
-              <p:nvPr/>
-            </p:nvSpPr>
-            <p:spPr>
-              <a:xfrm>
-                <a:off x="4011827" y="3130548"/>
-                <a:ext cx="7788876" cy="3582327"/>
-              </a:xfrm>
-              <a:prstGeom prst="rect">
-                <a:avLst/>
-              </a:prstGeom>
-            </p:spPr>
-            <p:txBody>
-              <a:bodyPr wrap="square">
-                <a:spAutoFit/>
-              </a:bodyPr>
-              <a:lstStyle/>
-              <a:p>
-                <a:pPr>
-                  <a:spcBef>
-                    <a:spcPts val="600"/>
-                  </a:spcBef>
-                </a:pPr>
-                <a:r>
-                  <a:rPr lang="ja-JP" altLang="en-US" dirty="0">
-                    <a:latin typeface="メイリオ" panose="020B0604030504040204" pitchFamily="50" charset="-128"/>
-                    <a:ea typeface="メイリオ" panose="020B0604030504040204" pitchFamily="50" charset="-128"/>
-                    <a:cs typeface="メイリオ" panose="020B0604030504040204" pitchFamily="50" charset="-128"/>
-                  </a:rPr>
-                  <a:t>今知りたいのは，どの方向</a:t>
-                </a:r>
-                <a:r>
-                  <a:rPr lang="en-US" altLang="ja-JP" dirty="0">
-                    <a:latin typeface="メイリオ" panose="020B0604030504040204" pitchFamily="50" charset="-128"/>
-                    <a:ea typeface="メイリオ" panose="020B0604030504040204" pitchFamily="50" charset="-128"/>
-                    <a:cs typeface="メイリオ" panose="020B0604030504040204" pitchFamily="50" charset="-128"/>
-                  </a:rPr>
-                  <a:t>(</a:t>
-                </a:r>
-                <a:r>
-                  <a:rPr lang="en-US" altLang="ja-JP" i="1" dirty="0" err="1">
-                    <a:latin typeface="メイリオ" panose="020B0604030504040204" pitchFamily="50" charset="-128"/>
-                    <a:ea typeface="メイリオ" panose="020B0604030504040204" pitchFamily="50" charset="-128"/>
-                    <a:cs typeface="メイリオ" panose="020B0604030504040204" pitchFamily="50" charset="-128"/>
-                  </a:rPr>
-                  <a:t>u,v</a:t>
-                </a:r>
-                <a:r>
-                  <a:rPr lang="en-US" altLang="ja-JP" dirty="0">
-                    <a:latin typeface="メイリオ" panose="020B0604030504040204" pitchFamily="50" charset="-128"/>
-                    <a:ea typeface="メイリオ" panose="020B0604030504040204" pitchFamily="50" charset="-128"/>
-                    <a:cs typeface="メイリオ" panose="020B0604030504040204" pitchFamily="50" charset="-128"/>
-                  </a:rPr>
-                  <a:t>)</a:t>
-                </a:r>
-                <a:r>
-                  <a:rPr lang="ja-JP" altLang="en-US" dirty="0">
-                    <a:latin typeface="メイリオ" panose="020B0604030504040204" pitchFamily="50" charset="-128"/>
-                    <a:ea typeface="メイリオ" panose="020B0604030504040204" pitchFamily="50" charset="-128"/>
-                    <a:cs typeface="メイリオ" panose="020B0604030504040204" pitchFamily="50" charset="-128"/>
-                  </a:rPr>
-                  <a:t>に動かすと差分が最大になるか？つまり，画像の変化が大きいか？である．そのため以下の最大化問題を考える．</a:t>
-                </a:r>
-                <a:endParaRPr lang="en-US" altLang="ja-JP" dirty="0">
-                  <a:latin typeface="メイリオ" panose="020B0604030504040204" pitchFamily="50" charset="-128"/>
-                  <a:ea typeface="メイリオ" panose="020B0604030504040204" pitchFamily="50" charset="-128"/>
-                  <a:cs typeface="メイリオ" panose="020B0604030504040204" pitchFamily="50" charset="-128"/>
-                </a:endParaRPr>
-              </a:p>
-              <a:p>
-                <a:pPr>
-                  <a:spcBef>
-                    <a:spcPts val="600"/>
-                  </a:spcBef>
-                </a:pPr>
-                <a14:m>
-                  <m:oMathPara xmlns:m="http://schemas.openxmlformats.org/officeDocument/2006/math">
-                    <m:oMathParaPr>
-                      <m:jc m:val="centerGroup"/>
-                    </m:oMathParaPr>
-                    <m:oMath xmlns:m="http://schemas.openxmlformats.org/officeDocument/2006/math">
-                      <m:r>
-                        <a:rPr lang="en-US" altLang="ja-JP" b="0" i="1" smtClean="0">
-                          <a:latin typeface="Cambria Math" panose="02040503050406030204" pitchFamily="18" charset="0"/>
-                        </a:rPr>
-                        <m:t>𝑎𝑟𝑔𝑚𝑎𝑥</m:t>
-                      </m:r>
-                      <m:f>
-                        <m:fPr>
-                          <m:ctrlPr>
-                            <a:rPr lang="en-US" altLang="ja-JP" b="1" i="1" smtClean="0">
-                              <a:latin typeface="Cambria Math" panose="02040503050406030204" pitchFamily="18" charset="0"/>
-                            </a:rPr>
-                          </m:ctrlPr>
-                        </m:fPr>
-                        <m:num>
-                          <m:d>
-                            <m:dPr>
-                              <m:ctrlPr>
-                                <a:rPr lang="en-US" altLang="ja-JP" i="1">
-                                  <a:latin typeface="Cambria Math" panose="02040503050406030204" pitchFamily="18" charset="0"/>
-                                </a:rPr>
-                              </m:ctrlPr>
-                            </m:dPr>
-                            <m:e>
-                              <m:r>
-                                <a:rPr lang="en-US" altLang="ja-JP" b="0" i="1" smtClean="0">
-                                  <a:latin typeface="Cambria Math" panose="02040503050406030204" pitchFamily="18" charset="0"/>
-                                </a:rPr>
-                                <m:t>𝑢</m:t>
-                              </m:r>
-                              <m:r>
-                                <a:rPr lang="en-US" altLang="ja-JP" i="1">
-                                  <a:latin typeface="Cambria Math" panose="02040503050406030204" pitchFamily="18" charset="0"/>
-                                </a:rPr>
-                                <m:t>,</m:t>
-                              </m:r>
-                              <m:r>
-                                <a:rPr lang="en-US" altLang="ja-JP" b="0" i="1" smtClean="0">
-                                  <a:latin typeface="Cambria Math" panose="02040503050406030204" pitchFamily="18" charset="0"/>
-                                </a:rPr>
-                                <m:t>𝑣</m:t>
-                              </m:r>
-                            </m:e>
-                          </m:d>
-                          <m:r>
-                            <a:rPr lang="en-US" altLang="ja-JP" b="1">
-                              <a:latin typeface="Cambria Math" panose="02040503050406030204" pitchFamily="18" charset="0"/>
-                            </a:rPr>
-                            <m:t>𝐀</m:t>
-                          </m:r>
-                          <m:d>
-                            <m:dPr>
-                              <m:ctrlPr>
-                                <a:rPr lang="en-US" altLang="ja-JP" b="1" i="1">
-                                  <a:latin typeface="Cambria Math" panose="02040503050406030204" pitchFamily="18" charset="0"/>
-                                </a:rPr>
-                              </m:ctrlPr>
-                            </m:dPr>
-                            <m:e>
-                              <m:m>
-                                <m:mPr>
-                                  <m:mcs>
-                                    <m:mc>
-                                      <m:mcPr>
-                                        <m:count m:val="1"/>
-                                        <m:mcJc m:val="center"/>
-                                      </m:mcPr>
-                                    </m:mc>
-                                  </m:mcs>
-                                  <m:ctrlPr>
-                                    <a:rPr lang="en-US" altLang="ja-JP" i="1">
-                                      <a:latin typeface="Cambria Math" panose="02040503050406030204" pitchFamily="18" charset="0"/>
-                                    </a:rPr>
-                                  </m:ctrlPr>
-                                </m:mPr>
-                                <m:mr>
-                                  <m:e>
-                                    <m:r>
-                                      <a:rPr lang="en-US" altLang="ja-JP" b="0" i="1" smtClean="0">
-                                        <a:latin typeface="Cambria Math" panose="02040503050406030204" pitchFamily="18" charset="0"/>
-                                      </a:rPr>
-                                      <m:t>𝑢</m:t>
-                                    </m:r>
-                                  </m:e>
-                                </m:mr>
-                                <m:mr>
-                                  <m:e>
-                                    <m:r>
-                                      <a:rPr lang="en-US" altLang="ja-JP" b="0" i="1" smtClean="0">
-                                        <a:latin typeface="Cambria Math" panose="02040503050406030204" pitchFamily="18" charset="0"/>
-                                      </a:rPr>
-                                      <m:t>𝑣</m:t>
-                                    </m:r>
-                                  </m:e>
-                                </m:mr>
-                              </m:m>
-                            </m:e>
-                          </m:d>
-                        </m:num>
-                        <m:den>
-                          <m:d>
-                            <m:dPr>
-                              <m:ctrlPr>
-                                <a:rPr lang="en-US" altLang="ja-JP" i="1">
-                                  <a:latin typeface="Cambria Math" panose="02040503050406030204" pitchFamily="18" charset="0"/>
-                                </a:rPr>
-                              </m:ctrlPr>
-                            </m:dPr>
-                            <m:e>
-                              <m:r>
-                                <a:rPr lang="en-US" altLang="ja-JP" b="0" i="1" smtClean="0">
-                                  <a:latin typeface="Cambria Math" panose="02040503050406030204" pitchFamily="18" charset="0"/>
-                                </a:rPr>
-                                <m:t>𝑢</m:t>
-                              </m:r>
-                              <m:r>
-                                <a:rPr lang="en-US" altLang="ja-JP" i="1">
-                                  <a:latin typeface="Cambria Math" panose="02040503050406030204" pitchFamily="18" charset="0"/>
-                                </a:rPr>
-                                <m:t>,</m:t>
-                              </m:r>
-                              <m:r>
-                                <a:rPr lang="en-US" altLang="ja-JP" b="0" i="1" smtClean="0">
-                                  <a:latin typeface="Cambria Math" panose="02040503050406030204" pitchFamily="18" charset="0"/>
-                                </a:rPr>
-                                <m:t>𝑣</m:t>
-                              </m:r>
-                            </m:e>
-                          </m:d>
-                          <m:d>
-                            <m:dPr>
-                              <m:ctrlPr>
-                                <a:rPr lang="en-US" altLang="ja-JP" b="1" i="1">
-                                  <a:latin typeface="Cambria Math" panose="02040503050406030204" pitchFamily="18" charset="0"/>
-                                </a:rPr>
-                              </m:ctrlPr>
-                            </m:dPr>
-                            <m:e>
-                              <m:m>
-                                <m:mPr>
-                                  <m:mcs>
-                                    <m:mc>
-                                      <m:mcPr>
-                                        <m:count m:val="1"/>
-                                        <m:mcJc m:val="center"/>
-                                      </m:mcPr>
-                                    </m:mc>
-                                  </m:mcs>
-                                  <m:ctrlPr>
-                                    <a:rPr lang="en-US" altLang="ja-JP" i="1">
-                                      <a:latin typeface="Cambria Math" panose="02040503050406030204" pitchFamily="18" charset="0"/>
-                                    </a:rPr>
-                                  </m:ctrlPr>
-                                </m:mPr>
-                                <m:mr>
-                                  <m:e>
-                                    <m:r>
-                                      <a:rPr lang="en-US" altLang="ja-JP" b="0" i="1" smtClean="0">
-                                        <a:latin typeface="Cambria Math" panose="02040503050406030204" pitchFamily="18" charset="0"/>
-                                      </a:rPr>
-                                      <m:t>𝑢</m:t>
-                                    </m:r>
-                                  </m:e>
-                                </m:mr>
-                                <m:mr>
-                                  <m:e>
-                                    <m:r>
-                                      <a:rPr lang="en-US" altLang="ja-JP" b="0" i="1" smtClean="0">
-                                        <a:latin typeface="Cambria Math" panose="02040503050406030204" pitchFamily="18" charset="0"/>
-                                      </a:rPr>
-                                      <m:t>𝑣</m:t>
-                                    </m:r>
-                                  </m:e>
-                                </m:mr>
-                              </m:m>
-                            </m:e>
-                          </m:d>
-                        </m:den>
-                      </m:f>
-                    </m:oMath>
-                  </m:oMathPara>
-                </a14:m>
-                <a:endParaRPr lang="en-US" altLang="ja-JP" dirty="0">
-                  <a:latin typeface="メイリオ" panose="020B0604030504040204" pitchFamily="50" charset="-128"/>
-                  <a:ea typeface="メイリオ" panose="020B0604030504040204" pitchFamily="50" charset="-128"/>
-                  <a:cs typeface="メイリオ" panose="020B0604030504040204" pitchFamily="50" charset="-128"/>
-                </a:endParaRPr>
-              </a:p>
-              <a:p>
-                <a:pPr>
-                  <a:spcBef>
-                    <a:spcPts val="600"/>
-                  </a:spcBef>
-                </a:pPr>
-                <a:r>
-                  <a:rPr lang="ja-JP" altLang="en-US" dirty="0">
-                    <a:latin typeface="メイリオ" panose="020B0604030504040204" pitchFamily="50" charset="-128"/>
-                    <a:ea typeface="メイリオ" panose="020B0604030504040204" pitchFamily="50" charset="-128"/>
-                    <a:cs typeface="メイリオ" panose="020B0604030504040204" pitchFamily="50" charset="-128"/>
-                  </a:rPr>
-                  <a:t>この目的関数はレイリー商と呼ばれ，</a:t>
-                </a:r>
-                <a:r>
-                  <a:rPr lang="en-US" altLang="ja-JP" dirty="0">
-                    <a:latin typeface="メイリオ" panose="020B0604030504040204" pitchFamily="50" charset="-128"/>
-                    <a:ea typeface="メイリオ" panose="020B0604030504040204" pitchFamily="50" charset="-128"/>
-                    <a:cs typeface="メイリオ" panose="020B0604030504040204" pitchFamily="50" charset="-128"/>
-                  </a:rPr>
-                  <a:t>(</a:t>
-                </a:r>
-                <a:r>
-                  <a:rPr lang="en-US" altLang="ja-JP" i="1" dirty="0" err="1">
-                    <a:latin typeface="メイリオ" panose="020B0604030504040204" pitchFamily="50" charset="-128"/>
-                    <a:ea typeface="メイリオ" panose="020B0604030504040204" pitchFamily="50" charset="-128"/>
-                    <a:cs typeface="メイリオ" panose="020B0604030504040204" pitchFamily="50" charset="-128"/>
-                  </a:rPr>
-                  <a:t>u,v</a:t>
-                </a:r>
-                <a:r>
-                  <a:rPr lang="en-US" altLang="ja-JP" dirty="0">
-                    <a:latin typeface="メイリオ" panose="020B0604030504040204" pitchFamily="50" charset="-128"/>
-                    <a:ea typeface="メイリオ" panose="020B0604030504040204" pitchFamily="50" charset="-128"/>
-                    <a:cs typeface="メイリオ" panose="020B0604030504040204" pitchFamily="50" charset="-128"/>
-                  </a:rPr>
-                  <a:t>)</a:t>
-                </a:r>
-                <a:r>
-                  <a:rPr lang="ja-JP" altLang="en-US" dirty="0">
-                    <a:latin typeface="メイリオ" panose="020B0604030504040204" pitchFamily="50" charset="-128"/>
-                    <a:ea typeface="メイリオ" panose="020B0604030504040204" pitchFamily="50" charset="-128"/>
-                    <a:cs typeface="メイリオ" panose="020B0604030504040204" pitchFamily="50" charset="-128"/>
-                  </a:rPr>
-                  <a:t>が行列</a:t>
-                </a:r>
-                <a:r>
-                  <a:rPr lang="en-US" altLang="ja-JP" dirty="0">
-                    <a:latin typeface="メイリオ" panose="020B0604030504040204" pitchFamily="50" charset="-128"/>
-                    <a:ea typeface="メイリオ" panose="020B0604030504040204" pitchFamily="50" charset="-128"/>
-                    <a:cs typeface="メイリオ" panose="020B0604030504040204" pitchFamily="50" charset="-128"/>
-                  </a:rPr>
-                  <a:t>A</a:t>
-                </a:r>
-                <a:r>
-                  <a:rPr lang="ja-JP" altLang="en-US" dirty="0">
-                    <a:latin typeface="メイリオ" panose="020B0604030504040204" pitchFamily="50" charset="-128"/>
-                    <a:ea typeface="メイリオ" panose="020B0604030504040204" pitchFamily="50" charset="-128"/>
-                    <a:cs typeface="メイリオ" panose="020B0604030504040204" pitchFamily="50" charset="-128"/>
-                  </a:rPr>
-                  <a:t>の固有ベクトルに一致するとき，最大値（最小値）をとり，最大値・最小値は固有値と一致することが知られている</a:t>
-                </a:r>
-                <a:r>
-                  <a:rPr lang="en-US" altLang="ja-JP" dirty="0">
-                    <a:latin typeface="メイリオ" panose="020B0604030504040204" pitchFamily="50" charset="-128"/>
-                    <a:ea typeface="メイリオ" panose="020B0604030504040204" pitchFamily="50" charset="-128"/>
-                    <a:cs typeface="メイリオ" panose="020B0604030504040204" pitchFamily="50" charset="-128"/>
-                  </a:rPr>
-                  <a:t>(</a:t>
-                </a:r>
-                <a:r>
-                  <a:rPr lang="ja-JP" altLang="en-US" dirty="0">
-                    <a:latin typeface="メイリオ" panose="020B0604030504040204" pitchFamily="50" charset="-128"/>
-                    <a:ea typeface="メイリオ" panose="020B0604030504040204" pitchFamily="50" charset="-128"/>
-                    <a:cs typeface="メイリオ" panose="020B0604030504040204" pitchFamily="50" charset="-128"/>
-                  </a:rPr>
-                  <a:t>証明省略</a:t>
-                </a:r>
-                <a:r>
-                  <a:rPr lang="en-US" altLang="ja-JP" dirty="0">
-                    <a:latin typeface="メイリオ" panose="020B0604030504040204" pitchFamily="50" charset="-128"/>
-                    <a:ea typeface="メイリオ" panose="020B0604030504040204" pitchFamily="50" charset="-128"/>
-                    <a:cs typeface="メイリオ" panose="020B0604030504040204" pitchFamily="50" charset="-128"/>
-                  </a:rPr>
-                  <a:t>)</a:t>
-                </a:r>
-                <a:r>
-                  <a:rPr lang="ja-JP" altLang="en-US" dirty="0" err="1">
-                    <a:latin typeface="メイリオ" panose="020B0604030504040204" pitchFamily="50" charset="-128"/>
-                    <a:ea typeface="メイリオ" panose="020B0604030504040204" pitchFamily="50" charset="-128"/>
-                    <a:cs typeface="メイリオ" panose="020B0604030504040204" pitchFamily="50" charset="-128"/>
-                  </a:rPr>
-                  <a:t>．</a:t>
-                </a:r>
-                <a:endParaRPr lang="en-US" altLang="ja-JP" dirty="0">
-                  <a:latin typeface="メイリオ" panose="020B0604030504040204" pitchFamily="50" charset="-128"/>
-                  <a:ea typeface="メイリオ" panose="020B0604030504040204" pitchFamily="50" charset="-128"/>
-                  <a:cs typeface="メイリオ" panose="020B0604030504040204" pitchFamily="50" charset="-128"/>
-                </a:endParaRPr>
-              </a:p>
-              <a:p>
-                <a:pPr>
-                  <a:spcBef>
-                    <a:spcPts val="600"/>
-                  </a:spcBef>
-                </a:pPr>
-                <a:r>
-                  <a:rPr lang="ja-JP" altLang="en-US" dirty="0">
-                    <a:latin typeface="メイリオ" panose="020B0604030504040204" pitchFamily="50" charset="-128"/>
-                    <a:ea typeface="メイリオ" panose="020B0604030504040204" pitchFamily="50" charset="-128"/>
-                    <a:cs typeface="メイリオ" panose="020B0604030504040204" pitchFamily="50" charset="-128"/>
-                  </a:rPr>
-                  <a:t>つまり，</a:t>
-                </a:r>
-                <a:r>
-                  <a:rPr lang="en-US" altLang="ja-JP" dirty="0">
-                    <a:latin typeface="メイリオ" panose="020B0604030504040204" pitchFamily="50" charset="-128"/>
-                    <a:ea typeface="メイリオ" panose="020B0604030504040204" pitchFamily="50" charset="-128"/>
-                    <a:cs typeface="メイリオ" panose="020B0604030504040204" pitchFamily="50" charset="-128"/>
-                  </a:rPr>
-                  <a:t>Structure Tensor matrix</a:t>
-                </a:r>
-                <a:r>
-                  <a:rPr lang="ja-JP" altLang="en-US" dirty="0">
-                    <a:latin typeface="メイリオ" panose="020B0604030504040204" pitchFamily="50" charset="-128"/>
-                    <a:ea typeface="メイリオ" panose="020B0604030504040204" pitchFamily="50" charset="-128"/>
-                    <a:cs typeface="メイリオ" panose="020B0604030504040204" pitchFamily="50" charset="-128"/>
-                  </a:rPr>
-                  <a:t>の固有値固有ベクトルを</a:t>
-                </a:r>
-                <a14:m>
-                  <m:oMath xmlns:m="http://schemas.openxmlformats.org/officeDocument/2006/math">
-                    <m:sSub>
-                      <m:sSubPr>
-                        <m:ctrlPr>
-                          <a:rPr lang="en-US" altLang="ja-JP" i="1">
-                            <a:latin typeface="Cambria Math" panose="02040503050406030204" pitchFamily="18" charset="0"/>
-                          </a:rPr>
-                        </m:ctrlPr>
-                      </m:sSubPr>
-                      <m:e>
-                        <m:r>
-                          <a:rPr lang="en-US" altLang="ja-JP" i="1">
-                            <a:latin typeface="Cambria Math" panose="02040503050406030204" pitchFamily="18" charset="0"/>
-                          </a:rPr>
-                          <m:t>𝜆</m:t>
-                        </m:r>
-                      </m:e>
-                      <m:sub>
-                        <m:r>
-                          <a:rPr lang="en-US" altLang="ja-JP" i="1">
-                            <a:latin typeface="Cambria Math" panose="02040503050406030204" pitchFamily="18" charset="0"/>
-                          </a:rPr>
-                          <m:t>1</m:t>
-                        </m:r>
-                      </m:sub>
-                    </m:sSub>
-                    <m:r>
-                      <a:rPr lang="en-US" altLang="ja-JP" i="1">
-                        <a:latin typeface="Cambria Math" panose="02040503050406030204" pitchFamily="18" charset="0"/>
-                      </a:rPr>
-                      <m:t>, </m:t>
-                    </m:r>
-                    <m:sSub>
-                      <m:sSubPr>
-                        <m:ctrlPr>
-                          <a:rPr lang="en-US" altLang="ja-JP" i="1">
-                            <a:latin typeface="Cambria Math" panose="02040503050406030204" pitchFamily="18" charset="0"/>
-                          </a:rPr>
-                        </m:ctrlPr>
-                      </m:sSubPr>
-                      <m:e>
-                        <m:r>
-                          <a:rPr lang="en-US" altLang="ja-JP" i="1">
-                            <a:latin typeface="Cambria Math" panose="02040503050406030204" pitchFamily="18" charset="0"/>
-                          </a:rPr>
-                          <m:t>𝜆</m:t>
-                        </m:r>
-                      </m:e>
-                      <m:sub>
-                        <m:r>
-                          <a:rPr lang="en-US" altLang="ja-JP" i="1">
-                            <a:latin typeface="Cambria Math" panose="02040503050406030204" pitchFamily="18" charset="0"/>
-                          </a:rPr>
-                          <m:t>2</m:t>
-                        </m:r>
-                      </m:sub>
-                    </m:sSub>
-                  </m:oMath>
-                </a14:m>
-                <a:r>
-                  <a:rPr lang="en-US" altLang="ja-JP" dirty="0"/>
-                  <a:t> (</a:t>
-                </a:r>
-                <a14:m>
-                  <m:oMath xmlns:m="http://schemas.openxmlformats.org/officeDocument/2006/math">
-                    <m:sSub>
-                      <m:sSubPr>
-                        <m:ctrlPr>
-                          <a:rPr lang="en-US" altLang="ja-JP" i="1">
-                            <a:latin typeface="Cambria Math" panose="02040503050406030204" pitchFamily="18" charset="0"/>
-                          </a:rPr>
-                        </m:ctrlPr>
-                      </m:sSubPr>
-                      <m:e>
-                        <m:r>
-                          <a:rPr lang="en-US" altLang="ja-JP" i="1">
-                            <a:latin typeface="Cambria Math" panose="02040503050406030204" pitchFamily="18" charset="0"/>
-                          </a:rPr>
-                          <m:t>𝜆</m:t>
-                        </m:r>
-                      </m:e>
-                      <m:sub>
-                        <m:r>
-                          <a:rPr lang="en-US" altLang="ja-JP" i="1">
-                            <a:latin typeface="Cambria Math" panose="02040503050406030204" pitchFamily="18" charset="0"/>
-                          </a:rPr>
-                          <m:t>1</m:t>
-                        </m:r>
-                      </m:sub>
-                    </m:sSub>
-                    <m:r>
-                      <a:rPr lang="en-US" altLang="ja-JP" i="1">
-                        <a:latin typeface="Cambria Math" panose="02040503050406030204" pitchFamily="18" charset="0"/>
-                      </a:rPr>
-                      <m:t>&gt;</m:t>
-                    </m:r>
-                    <m:sSub>
-                      <m:sSubPr>
-                        <m:ctrlPr>
-                          <a:rPr lang="en-US" altLang="ja-JP" i="1">
-                            <a:latin typeface="Cambria Math" panose="02040503050406030204" pitchFamily="18" charset="0"/>
-                          </a:rPr>
-                        </m:ctrlPr>
-                      </m:sSubPr>
-                      <m:e>
-                        <m:r>
-                          <a:rPr lang="en-US" altLang="ja-JP" i="1">
-                            <a:latin typeface="Cambria Math" panose="02040503050406030204" pitchFamily="18" charset="0"/>
-                          </a:rPr>
-                          <m:t>𝜆</m:t>
-                        </m:r>
-                      </m:e>
-                      <m:sub>
-                        <m:r>
-                          <a:rPr lang="en-US" altLang="ja-JP" i="1">
-                            <a:latin typeface="Cambria Math" panose="02040503050406030204" pitchFamily="18" charset="0"/>
-                          </a:rPr>
-                          <m:t>2</m:t>
-                        </m:r>
-                      </m:sub>
-                    </m:sSub>
-                  </m:oMath>
-                </a14:m>
-                <a:r>
-                  <a:rPr lang="en-US" altLang="ja-JP" dirty="0"/>
-                  <a:t>)</a:t>
-                </a:r>
-              </a:p>
-              <a:p>
-                <a:pPr>
-                  <a:spcBef>
-                    <a:spcPts val="600"/>
-                  </a:spcBef>
-                </a:pPr>
-                <a14:m>
-                  <m:oMath xmlns:m="http://schemas.openxmlformats.org/officeDocument/2006/math">
-                    <m:sSub>
-                      <m:sSubPr>
-                        <m:ctrlPr>
-                          <a:rPr lang="en-US" altLang="ja-JP" i="1">
-                            <a:latin typeface="Cambria Math" panose="02040503050406030204" pitchFamily="18" charset="0"/>
-                          </a:rPr>
-                        </m:ctrlPr>
-                      </m:sSubPr>
-                      <m:e>
-                        <m:r>
-                          <a:rPr lang="en-US" altLang="ja-JP" b="1">
-                            <a:latin typeface="Cambria Math" panose="02040503050406030204" pitchFamily="18" charset="0"/>
-                          </a:rPr>
-                          <m:t>𝐯</m:t>
-                        </m:r>
-                      </m:e>
-                      <m:sub>
-                        <m:r>
-                          <a:rPr lang="en-US" altLang="ja-JP" i="1">
-                            <a:latin typeface="Cambria Math" panose="02040503050406030204" pitchFamily="18" charset="0"/>
-                          </a:rPr>
-                          <m:t>1</m:t>
-                        </m:r>
-                      </m:sub>
-                    </m:sSub>
-                    <m:r>
-                      <a:rPr lang="en-US" altLang="ja-JP" i="1">
-                        <a:latin typeface="Cambria Math" panose="02040503050406030204" pitchFamily="18" charset="0"/>
-                      </a:rPr>
-                      <m:t>, </m:t>
-                    </m:r>
-                    <m:sSub>
-                      <m:sSubPr>
-                        <m:ctrlPr>
-                          <a:rPr lang="en-US" altLang="ja-JP" b="1" i="1">
-                            <a:latin typeface="Cambria Math" panose="02040503050406030204" pitchFamily="18" charset="0"/>
-                          </a:rPr>
-                        </m:ctrlPr>
-                      </m:sSubPr>
-                      <m:e>
-                        <m:r>
-                          <a:rPr lang="en-US" altLang="ja-JP" b="1">
-                            <a:latin typeface="Cambria Math" panose="02040503050406030204" pitchFamily="18" charset="0"/>
-                          </a:rPr>
-                          <m:t>𝐯</m:t>
-                        </m:r>
-                      </m:e>
-                      <m:sub>
-                        <m:r>
-                          <a:rPr lang="en-US" altLang="ja-JP">
-                            <a:latin typeface="Cambria Math" panose="02040503050406030204" pitchFamily="18" charset="0"/>
-                          </a:rPr>
-                          <m:t>2</m:t>
-                        </m:r>
-                      </m:sub>
-                    </m:sSub>
-                  </m:oMath>
-                </a14:m>
-                <a:r>
-                  <a:rPr lang="ja-JP" altLang="en-US" dirty="0">
-                    <a:latin typeface="メイリオ" panose="020B0604030504040204" pitchFamily="50" charset="-128"/>
-                    <a:ea typeface="メイリオ" panose="020B0604030504040204" pitchFamily="50" charset="-128"/>
-                    <a:cs typeface="メイリオ" panose="020B0604030504040204" pitchFamily="50" charset="-128"/>
-                  </a:rPr>
-                  <a:t>とすると，</a:t>
-                </a:r>
-                <a:r>
-                  <a:rPr lang="en-US" altLang="ja-JP" dirty="0">
-                    <a:latin typeface="メイリオ" panose="020B0604030504040204" pitchFamily="50" charset="-128"/>
-                    <a:ea typeface="メイリオ" panose="020B0604030504040204" pitchFamily="50" charset="-128"/>
-                    <a:cs typeface="メイリオ" panose="020B0604030504040204" pitchFamily="50" charset="-128"/>
-                  </a:rPr>
-                  <a:t>(</a:t>
-                </a:r>
-                <a:r>
-                  <a:rPr lang="en-US" altLang="ja-JP" i="1" dirty="0" err="1">
-                    <a:latin typeface="メイリオ" panose="020B0604030504040204" pitchFamily="50" charset="-128"/>
-                    <a:ea typeface="メイリオ" panose="020B0604030504040204" pitchFamily="50" charset="-128"/>
-                    <a:cs typeface="メイリオ" panose="020B0604030504040204" pitchFamily="50" charset="-128"/>
-                  </a:rPr>
-                  <a:t>u,v</a:t>
-                </a:r>
-                <a:r>
-                  <a:rPr lang="en-US" altLang="ja-JP" dirty="0">
-                    <a:latin typeface="メイリオ" panose="020B0604030504040204" pitchFamily="50" charset="-128"/>
-                    <a:ea typeface="メイリオ" panose="020B0604030504040204" pitchFamily="50" charset="-128"/>
-                    <a:cs typeface="メイリオ" panose="020B0604030504040204" pitchFamily="50" charset="-128"/>
-                  </a:rPr>
-                  <a:t>)</a:t>
-                </a:r>
-                <a:r>
-                  <a:rPr lang="ja-JP" altLang="en-US" dirty="0">
-                    <a:latin typeface="メイリオ" panose="020B0604030504040204" pitchFamily="50" charset="-128"/>
-                    <a:ea typeface="メイリオ" panose="020B0604030504040204" pitchFamily="50" charset="-128"/>
-                    <a:cs typeface="メイリオ" panose="020B0604030504040204" pitchFamily="50" charset="-128"/>
-                  </a:rPr>
-                  <a:t>が</a:t>
-                </a:r>
-                <a14:m>
-                  <m:oMath xmlns:m="http://schemas.openxmlformats.org/officeDocument/2006/math">
-                    <m:sSub>
-                      <m:sSubPr>
-                        <m:ctrlPr>
-                          <a:rPr lang="en-US" altLang="ja-JP" i="1">
-                            <a:latin typeface="Cambria Math" panose="02040503050406030204" pitchFamily="18" charset="0"/>
-                          </a:rPr>
-                        </m:ctrlPr>
-                      </m:sSubPr>
-                      <m:e>
-                        <m:r>
-                          <a:rPr lang="en-US" altLang="ja-JP" b="1">
-                            <a:latin typeface="Cambria Math" panose="02040503050406030204" pitchFamily="18" charset="0"/>
-                          </a:rPr>
-                          <m:t>𝐯</m:t>
-                        </m:r>
-                      </m:e>
-                      <m:sub>
-                        <m:r>
-                          <a:rPr lang="en-US" altLang="ja-JP" i="1">
-                            <a:latin typeface="Cambria Math" panose="02040503050406030204" pitchFamily="18" charset="0"/>
-                          </a:rPr>
-                          <m:t>1</m:t>
-                        </m:r>
-                      </m:sub>
-                    </m:sSub>
-                  </m:oMath>
-                </a14:m>
-                <a:r>
-                  <a:rPr lang="ja-JP" altLang="en-US" dirty="0">
-                    <a:latin typeface="メイリオ" panose="020B0604030504040204" pitchFamily="50" charset="-128"/>
-                    <a:ea typeface="メイリオ" panose="020B0604030504040204" pitchFamily="50" charset="-128"/>
-                    <a:cs typeface="メイリオ" panose="020B0604030504040204" pitchFamily="50" charset="-128"/>
-                  </a:rPr>
-                  <a:t>に一致するときに画像は最も大きく変化する．</a:t>
-                </a:r>
-                <a:endParaRPr lang="en-US" altLang="ja-JP" dirty="0">
-                  <a:latin typeface="メイリオ" panose="020B0604030504040204" pitchFamily="50" charset="-128"/>
-                  <a:ea typeface="メイリオ" panose="020B0604030504040204" pitchFamily="50" charset="-128"/>
-                  <a:cs typeface="メイリオ" panose="020B0604030504040204" pitchFamily="50" charset="-128"/>
-                </a:endParaRPr>
-              </a:p>
-              <a:p>
-                <a:pPr>
-                  <a:spcBef>
-                    <a:spcPts val="600"/>
-                  </a:spcBef>
-                </a:pPr>
-                <a:r>
-                  <a:rPr lang="ja-JP" altLang="en-US" dirty="0">
-                    <a:latin typeface="メイリオ" panose="020B0604030504040204" pitchFamily="50" charset="-128"/>
-                    <a:ea typeface="メイリオ" panose="020B0604030504040204" pitchFamily="50" charset="-128"/>
-                    <a:cs typeface="メイリオ" panose="020B0604030504040204" pitchFamily="50" charset="-128"/>
-                  </a:rPr>
-                  <a:t>また</a:t>
-                </a:r>
-                <a:r>
-                  <a:rPr lang="en-US" altLang="ja-JP" dirty="0">
-                    <a:latin typeface="メイリオ" panose="020B0604030504040204" pitchFamily="50" charset="-128"/>
-                    <a:ea typeface="メイリオ" panose="020B0604030504040204" pitchFamily="50" charset="-128"/>
-                    <a:cs typeface="メイリオ" panose="020B0604030504040204" pitchFamily="50" charset="-128"/>
-                  </a:rPr>
-                  <a:t>(</a:t>
-                </a:r>
-                <a:r>
-                  <a:rPr lang="en-US" altLang="ja-JP" i="1" dirty="0" err="1">
-                    <a:latin typeface="メイリオ" panose="020B0604030504040204" pitchFamily="50" charset="-128"/>
-                    <a:ea typeface="メイリオ" panose="020B0604030504040204" pitchFamily="50" charset="-128"/>
-                    <a:cs typeface="メイリオ" panose="020B0604030504040204" pitchFamily="50" charset="-128"/>
-                  </a:rPr>
-                  <a:t>u,v</a:t>
-                </a:r>
-                <a:r>
-                  <a:rPr lang="en-US" altLang="ja-JP" dirty="0">
-                    <a:latin typeface="メイリオ" panose="020B0604030504040204" pitchFamily="50" charset="-128"/>
-                    <a:ea typeface="メイリオ" panose="020B0604030504040204" pitchFamily="50" charset="-128"/>
-                    <a:cs typeface="メイリオ" panose="020B0604030504040204" pitchFamily="50" charset="-128"/>
-                  </a:rPr>
-                  <a:t>)</a:t>
-                </a:r>
-                <a:r>
-                  <a:rPr lang="ja-JP" altLang="en-US" dirty="0">
-                    <a:latin typeface="メイリオ" panose="020B0604030504040204" pitchFamily="50" charset="-128"/>
-                    <a:ea typeface="メイリオ" panose="020B0604030504040204" pitchFamily="50" charset="-128"/>
-                    <a:cs typeface="メイリオ" panose="020B0604030504040204" pitchFamily="50" charset="-128"/>
-                  </a:rPr>
-                  <a:t>が</a:t>
-                </a:r>
-                <a14:m>
-                  <m:oMath xmlns:m="http://schemas.openxmlformats.org/officeDocument/2006/math">
-                    <m:sSub>
-                      <m:sSubPr>
-                        <m:ctrlPr>
-                          <a:rPr lang="en-US" altLang="ja-JP" i="1">
-                            <a:latin typeface="Cambria Math" panose="02040503050406030204" pitchFamily="18" charset="0"/>
-                          </a:rPr>
-                        </m:ctrlPr>
-                      </m:sSubPr>
-                      <m:e>
-                        <m:r>
-                          <a:rPr lang="en-US" altLang="ja-JP" b="1">
-                            <a:latin typeface="Cambria Math" panose="02040503050406030204" pitchFamily="18" charset="0"/>
-                          </a:rPr>
-                          <m:t>𝐯</m:t>
-                        </m:r>
-                      </m:e>
-                      <m:sub>
-                        <m:r>
-                          <a:rPr lang="en-US" altLang="ja-JP" b="0" i="1" smtClean="0">
-                            <a:latin typeface="Cambria Math" panose="02040503050406030204" pitchFamily="18" charset="0"/>
-                          </a:rPr>
-                          <m:t>2</m:t>
-                        </m:r>
-                      </m:sub>
-                    </m:sSub>
-                  </m:oMath>
-                </a14:m>
-                <a:r>
-                  <a:rPr lang="ja-JP" altLang="en-US" dirty="0">
-                    <a:latin typeface="メイリオ" panose="020B0604030504040204" pitchFamily="50" charset="-128"/>
-                    <a:ea typeface="メイリオ" panose="020B0604030504040204" pitchFamily="50" charset="-128"/>
-                    <a:cs typeface="メイリオ" panose="020B0604030504040204" pitchFamily="50" charset="-128"/>
-                  </a:rPr>
-                  <a:t>に一致するとき画像の変化は最小になる．</a:t>
-                </a:r>
-                <a:endParaRPr lang="en-US" altLang="ja-JP" dirty="0">
-                  <a:latin typeface="メイリオ" panose="020B0604030504040204" pitchFamily="50" charset="-128"/>
-                  <a:ea typeface="メイリオ" panose="020B0604030504040204" pitchFamily="50" charset="-128"/>
-                  <a:cs typeface="メイリオ" panose="020B0604030504040204" pitchFamily="50" charset="-128"/>
-                </a:endParaRPr>
-              </a:p>
-            </p:txBody>
-          </p:sp>
-        </mc:Choice>
-        <mc:Fallback xmlns="">
-          <p:sp>
-            <p:nvSpPr>
-              <p:cNvPr id="8" name="正方形/長方形 7"/>
-              <p:cNvSpPr>
-                <a:spLocks noRot="1" noChangeAspect="1" noMove="1" noResize="1" noEditPoints="1" noAdjustHandles="1" noChangeArrowheads="1" noChangeShapeType="1" noTextEdit="1"/>
-              </p:cNvSpPr>
-              <p:nvPr/>
-            </p:nvSpPr>
-            <p:spPr>
-              <a:xfrm>
-                <a:off x="4011827" y="3130548"/>
-                <a:ext cx="7788876" cy="3582327"/>
-              </a:xfrm>
-              <a:prstGeom prst="rect">
-                <a:avLst/>
-              </a:prstGeom>
-              <a:blipFill>
-                <a:blip r:embed="rId3"/>
-                <a:stretch>
-                  <a:fillRect l="-626" t="-852" r="-1017"/>
-                </a:stretch>
-              </a:blipFill>
-            </p:spPr>
-            <p:txBody>
-              <a:bodyPr/>
-              <a:lstStyle/>
-              <a:p>
-                <a:r>
-                  <a:rPr lang="ja-JP" altLang="en-US">
-                    <a:noFill/>
-                  </a:rPr>
-                  <a:t> </a:t>
-                </a:r>
-              </a:p>
-            </p:txBody>
-          </p:sp>
-        </mc:Fallback>
-      </mc:AlternateContent>
-      <p:sp>
-        <p:nvSpPr>
-          <p:cNvPr id="9" name="スライド番号プレースホルダー 8"/>
-          <p:cNvSpPr>
-            <a:spLocks noGrp="1"/>
-          </p:cNvSpPr>
-          <p:nvPr>
-            <p:ph type="sldNum" sz="quarter" idx="12"/>
-          </p:nvPr>
-        </p:nvSpPr>
-        <p:spPr/>
-        <p:txBody>
-          <a:bodyPr/>
-          <a:lstStyle/>
-          <a:p>
-            <a:fld id="{F35DE295-420C-4265-BE54-AE59FA4027A6}" type="slidenum">
-              <a:rPr kumimoji="1" lang="ja-JP" altLang="en-US" smtClean="0"/>
-              <a:t>30</a:t>
-            </a:fld>
-            <a:endParaRPr kumimoji="1" lang="ja-JP" altLang="en-US"/>
-          </a:p>
-        </p:txBody>
-      </p:sp>
-      <p:grpSp>
-        <p:nvGrpSpPr>
-          <p:cNvPr id="27" name="グループ化 26"/>
-          <p:cNvGrpSpPr/>
-          <p:nvPr/>
-        </p:nvGrpSpPr>
-        <p:grpSpPr>
-          <a:xfrm>
-            <a:off x="456277" y="333828"/>
-            <a:ext cx="3284910" cy="3296896"/>
-            <a:chOff x="538403" y="1145540"/>
-            <a:chExt cx="2881072" cy="2891584"/>
-          </a:xfrm>
-        </p:grpSpPr>
-        <p:grpSp>
-          <p:nvGrpSpPr>
-            <p:cNvPr id="28" name="グループ化 27"/>
-            <p:cNvGrpSpPr/>
-            <p:nvPr/>
-          </p:nvGrpSpPr>
-          <p:grpSpPr>
-            <a:xfrm>
-              <a:off x="559998" y="1145540"/>
-              <a:ext cx="2859477" cy="2891584"/>
-              <a:chOff x="588572" y="1355090"/>
-              <a:chExt cx="2264384" cy="2289809"/>
-            </a:xfrm>
-          </p:grpSpPr>
-          <p:pic>
-            <p:nvPicPr>
-              <p:cNvPr id="34" name="図 33"/>
-              <p:cNvPicPr>
-                <a:picLocks noChangeAspect="1"/>
-              </p:cNvPicPr>
-              <p:nvPr/>
-            </p:nvPicPr>
-            <p:blipFill rotWithShape="1">
-              <a:blip r:embed="rId4">
-                <a:extLst>
-                  <a:ext uri="{28A0092B-C50C-407E-A947-70E740481C1C}">
-                    <a14:useLocalDpi xmlns:a14="http://schemas.microsoft.com/office/drawing/2010/main" val="0"/>
-                  </a:ext>
-                </a:extLst>
-              </a:blip>
-              <a:srcRect l="61147" t="28862" r="33520" b="63944"/>
-              <a:stretch/>
-            </p:blipFill>
-            <p:spPr>
-              <a:xfrm>
-                <a:off x="588572" y="1355090"/>
-                <a:ext cx="2264384" cy="2289809"/>
-              </a:xfrm>
-              <a:prstGeom prst="rect">
-                <a:avLst/>
-              </a:prstGeom>
-            </p:spPr>
-          </p:pic>
-          <p:grpSp>
-            <p:nvGrpSpPr>
-              <p:cNvPr id="35" name="グループ化 34"/>
-              <p:cNvGrpSpPr/>
-              <p:nvPr/>
-            </p:nvGrpSpPr>
-            <p:grpSpPr>
-              <a:xfrm>
-                <a:off x="1347788" y="1972918"/>
-                <a:ext cx="919313" cy="870295"/>
-                <a:chOff x="1347788" y="1972918"/>
-                <a:chExt cx="919313" cy="870295"/>
-              </a:xfrm>
-            </p:grpSpPr>
-            <p:sp>
-              <p:nvSpPr>
-                <p:cNvPr id="36" name="正方形/長方形 35"/>
-                <p:cNvSpPr/>
-                <p:nvPr/>
-              </p:nvSpPr>
-              <p:spPr>
-                <a:xfrm>
-                  <a:off x="1347788" y="2138363"/>
-                  <a:ext cx="704850" cy="704850"/>
-                </a:xfrm>
-                <a:prstGeom prst="rect">
-                  <a:avLst/>
-                </a:prstGeom>
-                <a:noFill/>
-                <a:ln w="22225">
-                  <a:solidFill>
-                    <a:srgbClr val="FF0000"/>
-                  </a:solidFill>
-                </a:ln>
-              </p:spPr>
-              <p:style>
-                <a:lnRef idx="2">
-                  <a:schemeClr val="accent1">
-                    <a:shade val="50000"/>
-                  </a:schemeClr>
-                </a:lnRef>
-                <a:fillRef idx="1">
-                  <a:schemeClr val="accent1"/>
-                </a:fillRef>
-                <a:effectRef idx="0">
-                  <a:schemeClr val="accent1"/>
-                </a:effectRef>
-                <a:fontRef idx="minor">
-                  <a:schemeClr val="lt1"/>
-                </a:fontRef>
-              </p:style>
-              <p:txBody>
-                <a:bodyPr rtlCol="0" anchor="ctr"/>
-                <a:lstStyle/>
-                <a:p>
-                  <a:pPr algn="ctr"/>
-                  <a:endParaRPr kumimoji="1" lang="ja-JP" altLang="en-US"/>
-                </a:p>
-              </p:txBody>
-            </p:sp>
-            <p:sp>
-              <p:nvSpPr>
-                <p:cNvPr id="37" name="正方形/長方形 36"/>
-                <p:cNvSpPr/>
-                <p:nvPr/>
-              </p:nvSpPr>
-              <p:spPr>
-                <a:xfrm>
-                  <a:off x="1562251" y="1972918"/>
-                  <a:ext cx="704850" cy="704850"/>
-                </a:xfrm>
-                <a:prstGeom prst="rect">
-                  <a:avLst/>
-                </a:prstGeom>
-                <a:noFill/>
-                <a:ln w="22225">
-                  <a:solidFill>
-                    <a:srgbClr val="FF0000"/>
-                  </a:solidFill>
-                </a:ln>
-              </p:spPr>
-              <p:style>
-                <a:lnRef idx="2">
-                  <a:schemeClr val="accent1">
-                    <a:shade val="50000"/>
-                  </a:schemeClr>
-                </a:lnRef>
-                <a:fillRef idx="1">
-                  <a:schemeClr val="accent1"/>
-                </a:fillRef>
-                <a:effectRef idx="0">
-                  <a:schemeClr val="accent1"/>
-                </a:effectRef>
-                <a:fontRef idx="minor">
-                  <a:schemeClr val="lt1"/>
-                </a:fontRef>
-              </p:style>
-              <p:txBody>
-                <a:bodyPr rtlCol="0" anchor="ctr"/>
-                <a:lstStyle/>
-                <a:p>
-                  <a:pPr algn="ctr"/>
-                  <a:endParaRPr kumimoji="1" lang="ja-JP" altLang="en-US"/>
-                </a:p>
-              </p:txBody>
-            </p:sp>
-          </p:grpSp>
-        </p:grpSp>
-        <p:sp>
-          <p:nvSpPr>
-            <p:cNvPr id="29" name="正方形/長方形 28"/>
-            <p:cNvSpPr/>
-            <p:nvPr/>
-          </p:nvSpPr>
-          <p:spPr>
-            <a:xfrm>
-              <a:off x="1165117" y="2701409"/>
-              <a:ext cx="374260" cy="620860"/>
-            </a:xfrm>
-            <a:prstGeom prst="rect">
-              <a:avLst/>
-            </a:prstGeom>
-          </p:spPr>
-          <p:txBody>
-            <a:bodyPr wrap="none">
-              <a:spAutoFit/>
-            </a:bodyPr>
-            <a:lstStyle/>
-            <a:p>
-              <a:r>
-                <a:rPr lang="en-US" altLang="ja-JP" sz="4000" b="1" dirty="0"/>
-                <a:t>S</a:t>
-              </a:r>
-              <a:endParaRPr lang="ja-JP" altLang="en-US" sz="4000" b="1" dirty="0"/>
-            </a:p>
-          </p:txBody>
-        </p:sp>
-        <p:sp>
-          <p:nvSpPr>
-            <p:cNvPr id="30" name="正方形/長方形 29"/>
-            <p:cNvSpPr/>
-            <p:nvPr/>
-          </p:nvSpPr>
-          <p:spPr>
-            <a:xfrm>
-              <a:off x="538403" y="1624272"/>
-              <a:ext cx="734180" cy="458897"/>
-            </a:xfrm>
-            <a:prstGeom prst="rect">
-              <a:avLst/>
-            </a:prstGeom>
-          </p:spPr>
-          <p:txBody>
-            <a:bodyPr wrap="none">
-              <a:spAutoFit/>
-            </a:bodyPr>
-            <a:lstStyle/>
-            <a:p>
-              <a:r>
-                <a:rPr lang="en-US" altLang="ja-JP" sz="2800" dirty="0"/>
-                <a:t>(</a:t>
-              </a:r>
-              <a:r>
-                <a:rPr lang="en-US" altLang="ja-JP" sz="2800" i="1" dirty="0" err="1"/>
-                <a:t>u,v</a:t>
-              </a:r>
-              <a:r>
-                <a:rPr lang="en-US" altLang="ja-JP" sz="2800" dirty="0"/>
-                <a:t>)</a:t>
-              </a:r>
-              <a:endParaRPr lang="ja-JP" altLang="en-US" sz="2800" dirty="0"/>
-            </a:p>
-          </p:txBody>
-        </p:sp>
-        <p:cxnSp>
-          <p:nvCxnSpPr>
-            <p:cNvPr id="31" name="直線矢印コネクタ 30"/>
-            <p:cNvCxnSpPr/>
-            <p:nvPr/>
-          </p:nvCxnSpPr>
-          <p:spPr>
-            <a:xfrm flipV="1">
-              <a:off x="1514284" y="1921281"/>
-              <a:ext cx="270825" cy="219781"/>
-            </a:xfrm>
-            <a:prstGeom prst="straightConnector1">
-              <a:avLst/>
-            </a:prstGeom>
-            <a:ln>
-              <a:solidFill>
-                <a:srgbClr val="FFFF00"/>
-              </a:solidFill>
-              <a:tailEnd type="triangle"/>
-            </a:ln>
-          </p:spPr>
-          <p:style>
-            <a:lnRef idx="1">
-              <a:schemeClr val="accent1"/>
-            </a:lnRef>
-            <a:fillRef idx="0">
-              <a:schemeClr val="accent1"/>
-            </a:fillRef>
-            <a:effectRef idx="0">
-              <a:schemeClr val="accent1"/>
-            </a:effectRef>
-            <a:fontRef idx="minor">
-              <a:schemeClr val="tx1"/>
-            </a:fontRef>
-          </p:style>
-        </p:cxnSp>
-        <p:sp>
-          <p:nvSpPr>
-            <p:cNvPr id="32" name="フリーフォーム 31"/>
-            <p:cNvSpPr/>
-            <p:nvPr/>
-          </p:nvSpPr>
-          <p:spPr>
-            <a:xfrm rot="1015020">
-              <a:off x="1194530" y="1901674"/>
-              <a:ext cx="436319" cy="40098"/>
-            </a:xfrm>
-            <a:custGeom>
-              <a:avLst/>
-              <a:gdLst>
-                <a:gd name="connsiteX0" fmla="*/ 807243 w 807243"/>
-                <a:gd name="connsiteY0" fmla="*/ 69135 h 81041"/>
-                <a:gd name="connsiteX1" fmla="*/ 330993 w 807243"/>
-                <a:gd name="connsiteY1" fmla="*/ 79 h 81041"/>
-                <a:gd name="connsiteX2" fmla="*/ 0 w 807243"/>
-                <a:gd name="connsiteY2" fmla="*/ 81041 h 81041"/>
-              </a:gdLst>
-              <a:ahLst/>
-              <a:cxnLst>
-                <a:cxn ang="0">
-                  <a:pos x="connsiteX0" y="connsiteY0"/>
-                </a:cxn>
-                <a:cxn ang="0">
-                  <a:pos x="connsiteX1" y="connsiteY1"/>
-                </a:cxn>
-                <a:cxn ang="0">
-                  <a:pos x="connsiteX2" y="connsiteY2"/>
-                </a:cxn>
-              </a:cxnLst>
-              <a:rect l="l" t="t" r="r" b="b"/>
-              <a:pathLst>
-                <a:path w="807243" h="81041">
-                  <a:moveTo>
-                    <a:pt x="807243" y="69135"/>
-                  </a:moveTo>
-                  <a:cubicBezTo>
-                    <a:pt x="636388" y="33615"/>
-                    <a:pt x="465533" y="-1905"/>
-                    <a:pt x="330993" y="79"/>
-                  </a:cubicBezTo>
-                  <a:cubicBezTo>
-                    <a:pt x="196452" y="2063"/>
-                    <a:pt x="98226" y="41552"/>
-                    <a:pt x="0" y="81041"/>
-                  </a:cubicBezTo>
-                </a:path>
-              </a:pathLst>
-            </a:custGeom>
-            <a:noFill/>
-            <a:ln>
-              <a:solidFill>
-                <a:schemeClr val="tx1"/>
-              </a:solidFill>
-            </a:ln>
-          </p:spPr>
-          <p:style>
-            <a:lnRef idx="2">
-              <a:schemeClr val="accent1">
-                <a:shade val="50000"/>
-              </a:schemeClr>
-            </a:lnRef>
-            <a:fillRef idx="1">
-              <a:schemeClr val="accent1"/>
-            </a:fillRef>
-            <a:effectRef idx="0">
-              <a:schemeClr val="accent1"/>
-            </a:effectRef>
-            <a:fontRef idx="minor">
-              <a:schemeClr val="lt1"/>
-            </a:fontRef>
-          </p:style>
-          <p:txBody>
-            <a:bodyPr rtlCol="0" anchor="ctr"/>
-            <a:lstStyle/>
-            <a:p>
-              <a:pPr algn="ctr"/>
-              <a:endParaRPr kumimoji="1" lang="ja-JP" altLang="en-US"/>
-            </a:p>
-          </p:txBody>
-        </p:sp>
-        <p:sp>
-          <p:nvSpPr>
-            <p:cNvPr id="33" name="正方形/長方形 32"/>
-            <p:cNvSpPr/>
-            <p:nvPr/>
-          </p:nvSpPr>
-          <p:spPr>
-            <a:xfrm>
-              <a:off x="1818478" y="1430330"/>
-              <a:ext cx="384101" cy="620860"/>
-            </a:xfrm>
-            <a:prstGeom prst="rect">
-              <a:avLst/>
-            </a:prstGeom>
-          </p:spPr>
-          <p:txBody>
-            <a:bodyPr wrap="none">
-              <a:spAutoFit/>
-            </a:bodyPr>
-            <a:lstStyle/>
-            <a:p>
-              <a:r>
-                <a:rPr lang="en-US" altLang="ja-JP" sz="4000" b="1" dirty="0"/>
-                <a:t>T</a:t>
-              </a:r>
-              <a:endParaRPr lang="ja-JP" altLang="en-US" sz="4000" b="1" dirty="0"/>
-            </a:p>
-          </p:txBody>
-        </p:sp>
-      </p:grpSp>
-      <mc:AlternateContent xmlns:mc="http://schemas.openxmlformats.org/markup-compatibility/2006" xmlns:a14="http://schemas.microsoft.com/office/drawing/2010/main">
-        <mc:Choice Requires="a14">
-          <p:sp>
-            <p:nvSpPr>
-              <p:cNvPr id="38" name="コンテンツ プレースホルダー 2"/>
-              <p:cNvSpPr>
-                <a:spLocks noGrp="1"/>
-              </p:cNvSpPr>
-              <p:nvPr>
-                <p:ph idx="1"/>
-              </p:nvPr>
-            </p:nvSpPr>
-            <p:spPr>
-              <a:xfrm>
-                <a:off x="4019096" y="1070218"/>
-                <a:ext cx="8013247" cy="1915205"/>
-              </a:xfrm>
-            </p:spPr>
-            <p:txBody>
-              <a:bodyPr>
-                <a:normAutofit/>
-              </a:bodyPr>
-              <a:lstStyle/>
-              <a:p>
-                <a:pPr marL="0" indent="0">
-                  <a:lnSpc>
-                    <a:spcPct val="100000"/>
-                  </a:lnSpc>
-                  <a:spcBef>
-                    <a:spcPts val="1200"/>
-                  </a:spcBef>
-                  <a:buNone/>
-                </a:pPr>
-                <a:r>
-                  <a:rPr lang="ja-JP" altLang="en-US" sz="2400" dirty="0"/>
-                  <a:t>窓領域</a:t>
-                </a:r>
-                <a:r>
-                  <a:rPr lang="en-US" altLang="ja-JP" sz="2400" dirty="0"/>
-                  <a:t>S</a:t>
-                </a:r>
-                <a:r>
-                  <a:rPr lang="ja-JP" altLang="en-US" sz="2400" dirty="0"/>
-                  <a:t>と</a:t>
-                </a:r>
-                <a:r>
-                  <a:rPr lang="en-US" altLang="ja-JP" sz="2400" dirty="0"/>
-                  <a:t>S</a:t>
-                </a:r>
-                <a:r>
-                  <a:rPr lang="ja-JP" altLang="en-US" sz="2400" dirty="0"/>
-                  <a:t>を</a:t>
-                </a:r>
-                <a:r>
-                  <a:rPr lang="en-US" altLang="ja-JP" sz="2400" dirty="0"/>
-                  <a:t>(</a:t>
-                </a:r>
-                <a:r>
-                  <a:rPr lang="en-US" altLang="ja-JP" sz="2400" i="1" dirty="0" err="1"/>
-                  <a:t>u</a:t>
-                </a:r>
-                <a:r>
-                  <a:rPr lang="en-US" altLang="ja-JP" sz="2400" dirty="0" err="1"/>
-                  <a:t>,</a:t>
-                </a:r>
-                <a:r>
-                  <a:rPr lang="en-US" altLang="ja-JP" sz="2400" i="1" dirty="0" err="1"/>
-                  <a:t>v</a:t>
-                </a:r>
-                <a:r>
-                  <a:rPr lang="en-US" altLang="ja-JP" sz="2400" dirty="0"/>
-                  <a:t>)</a:t>
-                </a:r>
-                <a:r>
-                  <a:rPr lang="ja-JP" altLang="en-US" sz="2400" dirty="0" err="1"/>
-                  <a:t>だけ</a:t>
-                </a:r>
-                <a:r>
-                  <a:rPr lang="ja-JP" altLang="en-US" sz="2400" dirty="0"/>
-                  <a:t>移動した領域</a:t>
-                </a:r>
-                <a:r>
-                  <a:rPr lang="en-US" altLang="ja-JP" sz="2400" dirty="0"/>
-                  <a:t>T</a:t>
-                </a:r>
-                <a:r>
-                  <a:rPr lang="ja-JP" altLang="en-US" sz="2400" dirty="0"/>
-                  <a:t>の二乗誤差は以下の通り</a:t>
-                </a:r>
-                <a:endParaRPr lang="en-US" altLang="ja-JP" sz="2400" dirty="0"/>
-              </a:p>
-              <a:p>
-                <a:pPr marL="0" indent="0">
-                  <a:lnSpc>
-                    <a:spcPct val="100000"/>
-                  </a:lnSpc>
-                  <a:spcBef>
-                    <a:spcPts val="1200"/>
-                  </a:spcBef>
-                  <a:buNone/>
-                </a:pPr>
-                <a14:m>
-                  <m:oMathPara xmlns:m="http://schemas.openxmlformats.org/officeDocument/2006/math">
-                    <m:oMathParaPr>
-                      <m:jc m:val="centerGroup"/>
-                    </m:oMathParaPr>
-                    <m:oMath xmlns:m="http://schemas.openxmlformats.org/officeDocument/2006/math">
-                      <m:r>
-                        <a:rPr lang="en-US" altLang="ja-JP" sz="2400" i="1">
-                          <a:latin typeface="Cambria Math" panose="02040503050406030204" pitchFamily="18" charset="0"/>
-                        </a:rPr>
-                        <m:t>𝐷</m:t>
-                      </m:r>
-                      <m:d>
-                        <m:dPr>
-                          <m:ctrlPr>
-                            <a:rPr lang="en-US" altLang="ja-JP" sz="2400" i="1">
-                              <a:latin typeface="Cambria Math" panose="02040503050406030204" pitchFamily="18" charset="0"/>
-                            </a:rPr>
-                          </m:ctrlPr>
-                        </m:dPr>
-                        <m:e>
-                          <m:r>
-                            <a:rPr lang="en-US" altLang="ja-JP" sz="2400" i="1">
-                              <a:latin typeface="Cambria Math" panose="02040503050406030204" pitchFamily="18" charset="0"/>
-                            </a:rPr>
-                            <m:t>𝑢</m:t>
-                          </m:r>
-                          <m:r>
-                            <a:rPr lang="en-US" altLang="ja-JP" sz="2400" i="1">
-                              <a:latin typeface="Cambria Math" panose="02040503050406030204" pitchFamily="18" charset="0"/>
-                            </a:rPr>
-                            <m:t>,</m:t>
-                          </m:r>
-                          <m:r>
-                            <a:rPr lang="en-US" altLang="ja-JP" sz="2400" i="1">
-                              <a:latin typeface="Cambria Math" panose="02040503050406030204" pitchFamily="18" charset="0"/>
-                            </a:rPr>
-                            <m:t>𝑣</m:t>
-                          </m:r>
-                        </m:e>
-                      </m:d>
-                      <m:r>
-                        <a:rPr lang="en-US" altLang="ja-JP" sz="2400" i="1">
-                          <a:latin typeface="Cambria Math" panose="02040503050406030204" pitchFamily="18" charset="0"/>
-                        </a:rPr>
-                        <m:t>=</m:t>
-                      </m:r>
-                      <m:d>
-                        <m:dPr>
-                          <m:ctrlPr>
-                            <a:rPr lang="en-US" altLang="ja-JP" sz="2400" i="1">
-                              <a:latin typeface="Cambria Math" panose="02040503050406030204" pitchFamily="18" charset="0"/>
-                            </a:rPr>
-                          </m:ctrlPr>
-                        </m:dPr>
-                        <m:e>
-                          <m:r>
-                            <a:rPr lang="en-US" altLang="ja-JP" sz="2400" i="1">
-                              <a:latin typeface="Cambria Math" panose="02040503050406030204" pitchFamily="18" charset="0"/>
-                            </a:rPr>
-                            <m:t>𝑢</m:t>
-                          </m:r>
-                          <m:r>
-                            <a:rPr lang="en-US" altLang="ja-JP" sz="2400" i="1">
-                              <a:latin typeface="Cambria Math" panose="02040503050406030204" pitchFamily="18" charset="0"/>
-                            </a:rPr>
-                            <m:t>,</m:t>
-                          </m:r>
-                          <m:r>
-                            <a:rPr lang="en-US" altLang="ja-JP" sz="2400" i="1">
-                              <a:latin typeface="Cambria Math" panose="02040503050406030204" pitchFamily="18" charset="0"/>
-                            </a:rPr>
-                            <m:t>𝑣</m:t>
-                          </m:r>
-                        </m:e>
-                      </m:d>
-                      <m:r>
-                        <a:rPr lang="en-US" altLang="ja-JP" sz="2400" b="1">
-                          <a:latin typeface="Cambria Math" panose="02040503050406030204" pitchFamily="18" charset="0"/>
-                        </a:rPr>
-                        <m:t>𝐀</m:t>
-                      </m:r>
-                      <m:d>
-                        <m:dPr>
-                          <m:ctrlPr>
-                            <a:rPr lang="en-US" altLang="ja-JP" sz="2400" b="1" i="1">
-                              <a:latin typeface="Cambria Math" panose="02040503050406030204" pitchFamily="18" charset="0"/>
-                            </a:rPr>
-                          </m:ctrlPr>
-                        </m:dPr>
-                        <m:e>
-                          <m:m>
-                            <m:mPr>
-                              <m:mcs>
-                                <m:mc>
-                                  <m:mcPr>
-                                    <m:count m:val="1"/>
-                                    <m:mcJc m:val="center"/>
-                                  </m:mcPr>
-                                </m:mc>
-                              </m:mcs>
-                              <m:ctrlPr>
-                                <a:rPr lang="en-US" altLang="ja-JP" sz="2400" i="1">
-                                  <a:latin typeface="Cambria Math" panose="02040503050406030204" pitchFamily="18" charset="0"/>
-                                </a:rPr>
-                              </m:ctrlPr>
-                            </m:mPr>
-                            <m:mr>
-                              <m:e>
-                                <m:r>
-                                  <a:rPr lang="en-US" altLang="ja-JP" sz="2400" i="1">
-                                    <a:latin typeface="Cambria Math" panose="02040503050406030204" pitchFamily="18" charset="0"/>
-                                  </a:rPr>
-                                  <m:t>𝑢</m:t>
-                                </m:r>
-                              </m:e>
-                            </m:mr>
-                            <m:mr>
-                              <m:e>
-                                <m:r>
-                                  <a:rPr lang="en-US" altLang="ja-JP" sz="2400" i="1">
-                                    <a:latin typeface="Cambria Math" panose="02040503050406030204" pitchFamily="18" charset="0"/>
-                                  </a:rPr>
-                                  <m:t>𝑣</m:t>
-                                </m:r>
-                              </m:e>
-                            </m:mr>
-                          </m:m>
-                        </m:e>
-                      </m:d>
-                      <m:r>
-                        <a:rPr lang="en-US" altLang="ja-JP" sz="2400" smtClean="0">
-                          <a:latin typeface="Cambria Math" panose="02040503050406030204" pitchFamily="18" charset="0"/>
-                        </a:rPr>
-                        <m:t>, </m:t>
-                      </m:r>
-                      <m:r>
-                        <a:rPr lang="en-US" altLang="ja-JP" sz="2400" b="1" i="1" smtClean="0">
-                          <a:latin typeface="Cambria Math" panose="02040503050406030204" pitchFamily="18" charset="0"/>
-                        </a:rPr>
-                        <m:t> </m:t>
-                      </m:r>
-                      <m:r>
-                        <a:rPr lang="en-US" altLang="ja-JP" sz="2400" b="1">
-                          <a:latin typeface="Cambria Math" panose="02040503050406030204" pitchFamily="18" charset="0"/>
-                        </a:rPr>
-                        <m:t>𝐀</m:t>
-                      </m:r>
-                      <m:r>
-                        <a:rPr lang="en-US" altLang="ja-JP" sz="2400" i="1">
-                          <a:latin typeface="Cambria Math" panose="02040503050406030204" pitchFamily="18" charset="0"/>
-                        </a:rPr>
-                        <m:t>=</m:t>
-                      </m:r>
-                      <m:nary>
-                        <m:naryPr>
-                          <m:chr m:val="∑"/>
-                          <m:supHide m:val="on"/>
-                          <m:ctrlPr>
-                            <a:rPr lang="en-US" altLang="ja-JP" sz="2400" i="1">
-                              <a:latin typeface="Cambria Math" panose="02040503050406030204" pitchFamily="18" charset="0"/>
-                            </a:rPr>
-                          </m:ctrlPr>
-                        </m:naryPr>
-                        <m:sub>
-                          <m:d>
-                            <m:dPr>
-                              <m:ctrlPr>
-                                <a:rPr lang="en-US" altLang="ja-JP" sz="2400" i="1">
-                                  <a:latin typeface="Cambria Math" panose="02040503050406030204" pitchFamily="18" charset="0"/>
-                                </a:rPr>
-                              </m:ctrlPr>
-                            </m:dPr>
-                            <m:e>
-                              <m:r>
-                                <m:rPr>
-                                  <m:brk m:alnAt="7"/>
-                                </m:rPr>
-                                <a:rPr lang="en-US" altLang="ja-JP" sz="2400" i="1">
-                                  <a:latin typeface="Cambria Math" panose="02040503050406030204" pitchFamily="18" charset="0"/>
-                                </a:rPr>
-                                <m:t>𝑥</m:t>
-                              </m:r>
-                              <m:r>
-                                <a:rPr lang="en-US" altLang="ja-JP" sz="2400" i="1">
-                                  <a:latin typeface="Cambria Math" panose="02040503050406030204" pitchFamily="18" charset="0"/>
-                                </a:rPr>
-                                <m:t>,</m:t>
-                              </m:r>
-                              <m:r>
-                                <a:rPr lang="en-US" altLang="ja-JP" sz="2400" i="1">
-                                  <a:latin typeface="Cambria Math" panose="02040503050406030204" pitchFamily="18" charset="0"/>
-                                </a:rPr>
-                                <m:t>𝑦</m:t>
-                              </m:r>
-                            </m:e>
-                          </m:d>
-                          <m:r>
-                            <a:rPr lang="en-US" altLang="ja-JP" sz="2400" i="1">
-                              <a:latin typeface="Cambria Math" panose="02040503050406030204" pitchFamily="18" charset="0"/>
-                            </a:rPr>
-                            <m:t>∈</m:t>
-                          </m:r>
-                          <m:r>
-                            <a:rPr lang="en-US" altLang="ja-JP" sz="2400" i="1">
-                              <a:latin typeface="Cambria Math" panose="02040503050406030204" pitchFamily="18" charset="0"/>
-                            </a:rPr>
-                            <m:t>𝑆</m:t>
-                          </m:r>
-                        </m:sub>
-                        <m:sup/>
-                        <m:e>
-                          <m:r>
-                            <a:rPr lang="en-US" altLang="ja-JP" sz="2400" i="1">
-                              <a:latin typeface="Cambria Math" panose="02040503050406030204" pitchFamily="18" charset="0"/>
-                            </a:rPr>
-                            <m:t>𝐺</m:t>
-                          </m:r>
-                          <m:d>
-                            <m:dPr>
-                              <m:ctrlPr>
-                                <a:rPr lang="en-US" altLang="ja-JP" sz="2400" i="1">
-                                  <a:latin typeface="Cambria Math" panose="02040503050406030204" pitchFamily="18" charset="0"/>
-                                </a:rPr>
-                              </m:ctrlPr>
-                            </m:dPr>
-                            <m:e>
-                              <m:r>
-                                <a:rPr lang="en-US" altLang="ja-JP" sz="2400" i="1">
-                                  <a:latin typeface="Cambria Math" panose="02040503050406030204" pitchFamily="18" charset="0"/>
-                                </a:rPr>
-                                <m:t>𝑥</m:t>
-                              </m:r>
-                              <m:r>
-                                <a:rPr lang="en-US" altLang="ja-JP" sz="2400" i="1">
-                                  <a:latin typeface="Cambria Math" panose="02040503050406030204" pitchFamily="18" charset="0"/>
-                                </a:rPr>
-                                <m:t>,</m:t>
-                              </m:r>
-                              <m:r>
-                                <a:rPr lang="en-US" altLang="ja-JP" sz="2400" i="1">
-                                  <a:latin typeface="Cambria Math" panose="02040503050406030204" pitchFamily="18" charset="0"/>
-                                </a:rPr>
-                                <m:t>𝑦</m:t>
-                              </m:r>
-                            </m:e>
-                          </m:d>
-                        </m:e>
-                      </m:nary>
-                      <m:d>
-                        <m:dPr>
-                          <m:ctrlPr>
-                            <a:rPr lang="en-US" altLang="ja-JP" sz="2400" i="1">
-                              <a:latin typeface="Cambria Math" panose="02040503050406030204" pitchFamily="18" charset="0"/>
-                            </a:rPr>
-                          </m:ctrlPr>
-                        </m:dPr>
-                        <m:e>
-                          <m:m>
-                            <m:mPr>
-                              <m:mcs>
-                                <m:mc>
-                                  <m:mcPr>
-                                    <m:count m:val="2"/>
-                                    <m:mcJc m:val="center"/>
-                                  </m:mcPr>
-                                </m:mc>
-                              </m:mcs>
-                              <m:ctrlPr>
-                                <a:rPr lang="en-US" altLang="ja-JP" sz="2400" i="1">
-                                  <a:latin typeface="Cambria Math" panose="02040503050406030204" pitchFamily="18" charset="0"/>
-                                </a:rPr>
-                              </m:ctrlPr>
-                            </m:mPr>
-                            <m:mr>
-                              <m:e>
-                                <m:sSub>
-                                  <m:sSubPr>
-                                    <m:ctrlPr>
-                                      <a:rPr lang="en-US" altLang="ja-JP" sz="2400" i="1">
-                                        <a:latin typeface="Cambria Math" panose="02040503050406030204" pitchFamily="18" charset="0"/>
-                                      </a:rPr>
-                                    </m:ctrlPr>
-                                  </m:sSubPr>
-                                  <m:e>
-                                    <m:r>
-                                      <m:rPr>
-                                        <m:brk m:alnAt="7"/>
-                                      </m:rPr>
-                                      <a:rPr lang="en-US" altLang="ja-JP" sz="2400" i="1">
-                                        <a:latin typeface="Cambria Math" panose="02040503050406030204" pitchFamily="18" charset="0"/>
-                                      </a:rPr>
-                                      <m:t>𝐼</m:t>
-                                    </m:r>
-                                  </m:e>
-                                  <m:sub>
-                                    <m:r>
-                                      <m:rPr>
-                                        <m:brk m:alnAt="7"/>
-                                      </m:rPr>
-                                      <a:rPr lang="en-US" altLang="ja-JP" sz="2400" i="1">
-                                        <a:latin typeface="Cambria Math" panose="02040503050406030204" pitchFamily="18" charset="0"/>
-                                      </a:rPr>
-                                      <m:t>𝑥</m:t>
-                                    </m:r>
-                                  </m:sub>
-                                </m:sSub>
-                                <m:sSub>
-                                  <m:sSubPr>
-                                    <m:ctrlPr>
-                                      <a:rPr lang="en-US" altLang="ja-JP" sz="2400" i="1">
-                                        <a:latin typeface="Cambria Math" panose="02040503050406030204" pitchFamily="18" charset="0"/>
-                                      </a:rPr>
-                                    </m:ctrlPr>
-                                  </m:sSubPr>
-                                  <m:e>
-                                    <m:r>
-                                      <m:rPr>
-                                        <m:brk m:alnAt="7"/>
-                                      </m:rPr>
-                                      <a:rPr lang="en-US" altLang="ja-JP" sz="2400" i="1">
-                                        <a:latin typeface="Cambria Math" panose="02040503050406030204" pitchFamily="18" charset="0"/>
-                                      </a:rPr>
-                                      <m:t>𝐼</m:t>
-                                    </m:r>
-                                  </m:e>
-                                  <m:sub>
-                                    <m:r>
-                                      <m:rPr>
-                                        <m:brk m:alnAt="7"/>
-                                      </m:rPr>
-                                      <a:rPr lang="en-US" altLang="ja-JP" sz="2400" i="1">
-                                        <a:latin typeface="Cambria Math" panose="02040503050406030204" pitchFamily="18" charset="0"/>
-                                      </a:rPr>
-                                      <m:t>𝑥</m:t>
-                                    </m:r>
-                                  </m:sub>
-                                </m:sSub>
-                              </m:e>
-                              <m:e>
-                                <m:sSub>
-                                  <m:sSubPr>
-                                    <m:ctrlPr>
-                                      <a:rPr lang="en-US" altLang="ja-JP" sz="2400" i="1">
-                                        <a:latin typeface="Cambria Math" panose="02040503050406030204" pitchFamily="18" charset="0"/>
-                                      </a:rPr>
-                                    </m:ctrlPr>
-                                  </m:sSubPr>
-                                  <m:e>
-                                    <m:r>
-                                      <m:rPr>
-                                        <m:brk m:alnAt="7"/>
-                                      </m:rPr>
-                                      <a:rPr lang="en-US" altLang="ja-JP" sz="2400" i="1">
-                                        <a:latin typeface="Cambria Math" panose="02040503050406030204" pitchFamily="18" charset="0"/>
-                                      </a:rPr>
-                                      <m:t>𝐼</m:t>
-                                    </m:r>
-                                  </m:e>
-                                  <m:sub>
-                                    <m:r>
-                                      <m:rPr>
-                                        <m:brk m:alnAt="7"/>
-                                      </m:rPr>
-                                      <a:rPr lang="en-US" altLang="ja-JP" sz="2400" i="1">
-                                        <a:latin typeface="Cambria Math" panose="02040503050406030204" pitchFamily="18" charset="0"/>
-                                      </a:rPr>
-                                      <m:t>𝑥</m:t>
-                                    </m:r>
-                                  </m:sub>
-                                </m:sSub>
-                                <m:sSub>
-                                  <m:sSubPr>
-                                    <m:ctrlPr>
-                                      <a:rPr lang="en-US" altLang="ja-JP" sz="2400" i="1">
-                                        <a:latin typeface="Cambria Math" panose="02040503050406030204" pitchFamily="18" charset="0"/>
-                                      </a:rPr>
-                                    </m:ctrlPr>
-                                  </m:sSubPr>
-                                  <m:e>
-                                    <m:r>
-                                      <m:rPr>
-                                        <m:brk m:alnAt="7"/>
-                                      </m:rPr>
-                                      <a:rPr lang="en-US" altLang="ja-JP" sz="2400" i="1">
-                                        <a:latin typeface="Cambria Math" panose="02040503050406030204" pitchFamily="18" charset="0"/>
-                                      </a:rPr>
-                                      <m:t>𝐼</m:t>
-                                    </m:r>
-                                  </m:e>
-                                  <m:sub>
-                                    <m:r>
-                                      <a:rPr lang="en-US" altLang="ja-JP" sz="2400" i="1">
-                                        <a:latin typeface="Cambria Math" panose="02040503050406030204" pitchFamily="18" charset="0"/>
-                                      </a:rPr>
-                                      <m:t>𝑦</m:t>
-                                    </m:r>
-                                  </m:sub>
-                                </m:sSub>
-                              </m:e>
-                            </m:mr>
-                            <m:mr>
-                              <m:e>
-                                <m:sSub>
-                                  <m:sSubPr>
-                                    <m:ctrlPr>
-                                      <a:rPr lang="en-US" altLang="ja-JP" sz="2400" i="1">
-                                        <a:latin typeface="Cambria Math" panose="02040503050406030204" pitchFamily="18" charset="0"/>
-                                      </a:rPr>
-                                    </m:ctrlPr>
-                                  </m:sSubPr>
-                                  <m:e>
-                                    <m:r>
-                                      <m:rPr>
-                                        <m:brk m:alnAt="7"/>
-                                      </m:rPr>
-                                      <a:rPr lang="en-US" altLang="ja-JP" sz="2400" i="1">
-                                        <a:latin typeface="Cambria Math" panose="02040503050406030204" pitchFamily="18" charset="0"/>
-                                      </a:rPr>
-                                      <m:t>𝐼</m:t>
-                                    </m:r>
-                                  </m:e>
-                                  <m:sub>
-                                    <m:r>
-                                      <m:rPr>
-                                        <m:brk m:alnAt="7"/>
-                                      </m:rPr>
-                                      <a:rPr lang="en-US" altLang="ja-JP" sz="2400" i="1">
-                                        <a:latin typeface="Cambria Math" panose="02040503050406030204" pitchFamily="18" charset="0"/>
-                                      </a:rPr>
-                                      <m:t>𝑥</m:t>
-                                    </m:r>
-                                  </m:sub>
-                                </m:sSub>
-                                <m:sSub>
-                                  <m:sSubPr>
-                                    <m:ctrlPr>
-                                      <a:rPr lang="en-US" altLang="ja-JP" sz="2400" i="1">
-                                        <a:latin typeface="Cambria Math" panose="02040503050406030204" pitchFamily="18" charset="0"/>
-                                      </a:rPr>
-                                    </m:ctrlPr>
-                                  </m:sSubPr>
-                                  <m:e>
-                                    <m:r>
-                                      <m:rPr>
-                                        <m:brk m:alnAt="7"/>
-                                      </m:rPr>
-                                      <a:rPr lang="en-US" altLang="ja-JP" sz="2400" i="1">
-                                        <a:latin typeface="Cambria Math" panose="02040503050406030204" pitchFamily="18" charset="0"/>
-                                      </a:rPr>
-                                      <m:t>𝐼</m:t>
-                                    </m:r>
-                                  </m:e>
-                                  <m:sub>
-                                    <m:r>
-                                      <a:rPr lang="en-US" altLang="ja-JP" sz="2400" i="1">
-                                        <a:latin typeface="Cambria Math" panose="02040503050406030204" pitchFamily="18" charset="0"/>
-                                      </a:rPr>
-                                      <m:t>𝑦</m:t>
-                                    </m:r>
-                                  </m:sub>
-                                </m:sSub>
-                              </m:e>
-                              <m:e>
-                                <m:sSub>
-                                  <m:sSubPr>
-                                    <m:ctrlPr>
-                                      <a:rPr lang="en-US" altLang="ja-JP" sz="2400" i="1">
-                                        <a:latin typeface="Cambria Math" panose="02040503050406030204" pitchFamily="18" charset="0"/>
-                                      </a:rPr>
-                                    </m:ctrlPr>
-                                  </m:sSubPr>
-                                  <m:e>
-                                    <m:r>
-                                      <m:rPr>
-                                        <m:brk m:alnAt="7"/>
-                                      </m:rPr>
-                                      <a:rPr lang="en-US" altLang="ja-JP" sz="2400" i="1">
-                                        <a:latin typeface="Cambria Math" panose="02040503050406030204" pitchFamily="18" charset="0"/>
-                                      </a:rPr>
-                                      <m:t>𝐼</m:t>
-                                    </m:r>
-                                  </m:e>
-                                  <m:sub>
-                                    <m:r>
-                                      <a:rPr lang="en-US" altLang="ja-JP" sz="2400" i="1">
-                                        <a:latin typeface="Cambria Math" panose="02040503050406030204" pitchFamily="18" charset="0"/>
-                                      </a:rPr>
-                                      <m:t>𝑦</m:t>
-                                    </m:r>
-                                  </m:sub>
-                                </m:sSub>
-                                <m:sSub>
-                                  <m:sSubPr>
-                                    <m:ctrlPr>
-                                      <a:rPr lang="en-US" altLang="ja-JP" sz="2400" i="1">
-                                        <a:latin typeface="Cambria Math" panose="02040503050406030204" pitchFamily="18" charset="0"/>
-                                      </a:rPr>
-                                    </m:ctrlPr>
-                                  </m:sSubPr>
-                                  <m:e>
-                                    <m:r>
-                                      <m:rPr>
-                                        <m:brk m:alnAt="7"/>
-                                      </m:rPr>
-                                      <a:rPr lang="en-US" altLang="ja-JP" sz="2400" i="1">
-                                        <a:latin typeface="Cambria Math" panose="02040503050406030204" pitchFamily="18" charset="0"/>
-                                      </a:rPr>
-                                      <m:t>𝐼</m:t>
-                                    </m:r>
-                                  </m:e>
-                                  <m:sub>
-                                    <m:r>
-                                      <a:rPr lang="en-US" altLang="ja-JP" sz="2400" i="1">
-                                        <a:latin typeface="Cambria Math" panose="02040503050406030204" pitchFamily="18" charset="0"/>
-                                      </a:rPr>
-                                      <m:t>𝑦</m:t>
-                                    </m:r>
-                                  </m:sub>
-                                </m:sSub>
-                              </m:e>
-                            </m:mr>
-                          </m:m>
-                        </m:e>
-                      </m:d>
-                    </m:oMath>
-                  </m:oMathPara>
-                </a14:m>
-                <a:endParaRPr lang="en-US" altLang="ja-JP" sz="2400" dirty="0"/>
-              </a:p>
-            </p:txBody>
-          </p:sp>
-        </mc:Choice>
-        <mc:Fallback xmlns="">
-          <p:sp>
-            <p:nvSpPr>
-              <p:cNvPr id="38" name="コンテンツ プレースホルダー 2"/>
-              <p:cNvSpPr>
-                <a:spLocks noGrp="1" noRot="1" noChangeAspect="1" noMove="1" noResize="1" noEditPoints="1" noAdjustHandles="1" noChangeArrowheads="1" noChangeShapeType="1" noTextEdit="1"/>
-              </p:cNvSpPr>
-              <p:nvPr>
-                <p:ph idx="1"/>
-              </p:nvPr>
-            </p:nvSpPr>
-            <p:spPr>
-              <a:xfrm>
-                <a:off x="4019096" y="1070218"/>
-                <a:ext cx="8013247" cy="1915205"/>
-              </a:xfrm>
-              <a:blipFill>
-                <a:blip r:embed="rId5"/>
-                <a:stretch>
-                  <a:fillRect l="-1141" t="-2548"/>
-                </a:stretch>
-              </a:blipFill>
-            </p:spPr>
-            <p:txBody>
-              <a:bodyPr/>
-              <a:lstStyle/>
-              <a:p>
-                <a:r>
-                  <a:rPr lang="ja-JP" altLang="en-US">
-                    <a:noFill/>
-                  </a:rPr>
-                  <a:t> </a:t>
-                </a:r>
-              </a:p>
-            </p:txBody>
-          </p:sp>
-        </mc:Fallback>
-      </mc:AlternateContent>
-      <p:sp>
-        <p:nvSpPr>
-          <p:cNvPr id="18" name="タイトル 1"/>
-          <p:cNvSpPr txBox="1">
-            <a:spLocks/>
-          </p:cNvSpPr>
-          <p:nvPr/>
-        </p:nvSpPr>
-        <p:spPr>
-          <a:xfrm>
-            <a:off x="213755" y="-178130"/>
-            <a:ext cx="2071665" cy="733270"/>
-          </a:xfrm>
-          <a:prstGeom prst="rect">
-            <a:avLst/>
-          </a:prstGeom>
-        </p:spPr>
-        <p:txBody>
-          <a:bodyPr vert="horz" lIns="91440" tIns="45720" rIns="91440" bIns="45720" rtlCol="0" anchor="ctr">
-            <a:normAutofit/>
-          </a:bodyPr>
-          <a:lstStyle>
-            <a:lvl1pPr algn="l" defTabSz="914400" rtl="0" eaLnBrk="1" latinLnBrk="0" hangingPunct="1">
-              <a:lnSpc>
-                <a:spcPct val="90000"/>
-              </a:lnSpc>
-              <a:spcBef>
-                <a:spcPct val="0"/>
-              </a:spcBef>
-              <a:buNone/>
-              <a:defRPr kumimoji="1" sz="4400" kern="1200">
-                <a:solidFill>
-                  <a:schemeClr val="tx1"/>
-                </a:solidFill>
-                <a:latin typeface="メイリオ" panose="020B0604030504040204" pitchFamily="50" charset="-128"/>
-                <a:ea typeface="メイリオ" panose="020B0604030504040204" pitchFamily="50" charset="-128"/>
-                <a:cs typeface="メイリオ" panose="020B0604030504040204" pitchFamily="50" charset="-128"/>
-              </a:defRPr>
-            </a:lvl1pPr>
-          </a:lstStyle>
-          <a:p>
-            <a:r>
-              <a:rPr lang="ja-JP" altLang="en-US" sz="2000" b="1" dirty="0">
-                <a:solidFill>
-                  <a:srgbClr val="FF0000"/>
-                </a:solidFill>
-              </a:rPr>
-              <a:t>補足資料</a:t>
-            </a:r>
-          </a:p>
-        </p:txBody>
-      </p:sp>
-    </p:spTree>
-    <p:extLst>
-      <p:ext uri="{BB962C8B-B14F-4D97-AF65-F5344CB8AC3E}">
-        <p14:creationId xmlns:p14="http://schemas.microsoft.com/office/powerpoint/2010/main" val="2532168903"/>
-      </p:ext>
-    </p:extLst>
-  </p:cSld>
-  <p:clrMapOvr>
-    <a:masterClrMapping/>
-  </p:clrMapOvr>
-</p:sld>
-</file>
-
 <file path=ppt/slides/slide4.xml><?xml version="1.0" encoding="utf-8"?>
 <p:sld xmlns:a="http://schemas.openxmlformats.org/drawingml/2006/main" xmlns:r="http://schemas.openxmlformats.org/officeDocument/2006/relationships" xmlns:p="http://schemas.openxmlformats.org/presentationml/2006/main">
   <p:cSld>
